--- a/content/en-us/designs/iot-atlas-patterns.pptx
+++ b/content/en-us/designs/iot-atlas-patterns.pptx
@@ -5,7 +5,7 @@
     <p:sldMasterId id="2147483648" r:id="rId1"/>
   </p:sldMasterIdLst>
   <p:notesMasterIdLst>
-    <p:notesMasterId r:id="rId11"/>
+    <p:notesMasterId r:id="rId13"/>
   </p:notesMasterIdLst>
   <p:sldIdLst>
     <p:sldId id="257" r:id="rId2"/>
@@ -14,9 +14,11 @@
     <p:sldId id="264" r:id="rId5"/>
     <p:sldId id="262" r:id="rId6"/>
     <p:sldId id="261" r:id="rId7"/>
-    <p:sldId id="259" r:id="rId8"/>
-    <p:sldId id="256" r:id="rId9"/>
-    <p:sldId id="263" r:id="rId10"/>
+    <p:sldId id="267" r:id="rId8"/>
+    <p:sldId id="265" r:id="rId9"/>
+    <p:sldId id="259" r:id="rId10"/>
+    <p:sldId id="256" r:id="rId11"/>
+    <p:sldId id="263" r:id="rId12"/>
   </p:sldIdLst>
   <p:sldSz cx="13004800" cy="9753600"/>
   <p:notesSz cx="6858000" cy="9144000"/>
@@ -345,6 +347,12 @@
         <p14:section name="Gateway Algorithms" id="{5A7D214B-1A4F-994D-9437-1E6B248CD625}">
           <p14:sldIdLst>
             <p14:sldId id="261"/>
+          </p14:sldIdLst>
+        </p14:section>
+        <p14:section name="Protocol Translation" id="{B7863928-2F80-497C-A691-4011355D73CD}">
+          <p14:sldIdLst>
+            <p14:sldId id="267"/>
+            <p14:sldId id="265"/>
           </p14:sldIdLst>
         </p14:section>
         <p14:section name="Software Update" id="{BEA2378D-C1DA-414C-87E3-E48E09EB7984}">
@@ -2176,7 +2184,7 @@
           </a:ln>
           <a:extLst>
             <a:ext uri="{C572A759-6A51-4108-AA02-DFA0A04FC94B}">
-              <ma14:wrappingTextBoxFlag xmlns:ma14="http://schemas.microsoft.com/office/mac/drawingml/2011/main" xmlns="" val="1"/>
+              <ma14:wrappingTextBoxFlag xmlns="" xmlns:ma14="http://schemas.microsoft.com/office/mac/drawingml/2011/main" val="1"/>
             </a:ext>
           </a:extLst>
         </p:spPr>
@@ -2215,7 +2223,7 @@
           </a:ln>
           <a:extLst>
             <a:ext uri="{C572A759-6A51-4108-AA02-DFA0A04FC94B}">
-              <ma14:wrappingTextBoxFlag xmlns:ma14="http://schemas.microsoft.com/office/mac/drawingml/2011/main" xmlns="" val="1"/>
+              <ma14:wrappingTextBoxFlag xmlns="" xmlns:ma14="http://schemas.microsoft.com/office/mac/drawingml/2011/main" val="1"/>
             </a:ext>
           </a:extLst>
         </p:spPr>
@@ -3181,7 +3189,7 @@
           </a:ln>
           <a:extLst>
             <a:ext uri="{C572A759-6A51-4108-AA02-DFA0A04FC94B}">
-              <ma14:wrappingTextBoxFlag xmlns:ma14="http://schemas.microsoft.com/office/mac/drawingml/2011/main" xmlns="" val="1"/>
+              <ma14:wrappingTextBoxFlag xmlns="" xmlns:ma14="http://schemas.microsoft.com/office/mac/drawingml/2011/main" val="1"/>
             </a:ext>
           </a:extLst>
         </p:spPr>
@@ -3301,7 +3309,7 @@
           </a:ln>
           <a:extLst>
             <a:ext uri="{C572A759-6A51-4108-AA02-DFA0A04FC94B}">
-              <ma14:wrappingTextBoxFlag xmlns:ma14="http://schemas.microsoft.com/office/mac/drawingml/2011/main" xmlns="" val="1"/>
+              <ma14:wrappingTextBoxFlag xmlns="" xmlns:ma14="http://schemas.microsoft.com/office/mac/drawingml/2011/main" val="1"/>
             </a:ext>
           </a:extLst>
         </p:spPr>
@@ -3349,7 +3357,7 @@
           <a:effectLst/>
           <a:extLst>
             <a:ext uri="{C572A759-6A51-4108-AA02-DFA0A04FC94B}">
-              <ma14:wrappingTextBoxFlag xmlns:ma14="http://schemas.microsoft.com/office/mac/drawingml/2011/main" xmlns="" val="1"/>
+              <ma14:wrappingTextBoxFlag xmlns="" xmlns:ma14="http://schemas.microsoft.com/office/mac/drawingml/2011/main" val="1"/>
             </a:ext>
           </a:extLst>
         </p:spPr>
@@ -3451,7 +3459,7 @@
           </a:ln>
           <a:extLst>
             <a:ext uri="{C572A759-6A51-4108-AA02-DFA0A04FC94B}">
-              <ma14:wrappingTextBoxFlag xmlns:ma14="http://schemas.microsoft.com/office/mac/drawingml/2011/main" xmlns="" val="1"/>
+              <ma14:wrappingTextBoxFlag xmlns="" xmlns:ma14="http://schemas.microsoft.com/office/mac/drawingml/2011/main" val="1"/>
             </a:ext>
           </a:extLst>
         </p:spPr>
@@ -3505,7 +3513,7 @@
           </a:ln>
           <a:extLst>
             <a:ext uri="{C572A759-6A51-4108-AA02-DFA0A04FC94B}">
-              <ma14:wrappingTextBoxFlag xmlns:ma14="http://schemas.microsoft.com/office/mac/drawingml/2011/main" xmlns="" val="1"/>
+              <ma14:wrappingTextBoxFlag xmlns="" xmlns:ma14="http://schemas.microsoft.com/office/mac/drawingml/2011/main" val="1"/>
             </a:ext>
           </a:extLst>
         </p:spPr>
@@ -3696,7 +3704,7 @@
           </a:ln>
           <a:extLst>
             <a:ext uri="{C572A759-6A51-4108-AA02-DFA0A04FC94B}">
-              <ma14:wrappingTextBoxFlag xmlns:ma14="http://schemas.microsoft.com/office/mac/drawingml/2011/main" xmlns="" val="1"/>
+              <ma14:wrappingTextBoxFlag xmlns="" xmlns:ma14="http://schemas.microsoft.com/office/mac/drawingml/2011/main" val="1"/>
             </a:ext>
           </a:extLst>
         </p:spPr>
@@ -3811,7 +3819,7 @@
             <a:effectLst/>
             <a:extLst>
               <a:ext uri="{C572A759-6A51-4108-AA02-DFA0A04FC94B}">
-                <ma14:wrappingTextBoxFlag xmlns:ma14="http://schemas.microsoft.com/office/mac/drawingml/2011/main" xmlns="" val="1"/>
+                <ma14:wrappingTextBoxFlag xmlns="" xmlns:ma14="http://schemas.microsoft.com/office/mac/drawingml/2011/main" val="1"/>
               </a:ext>
             </a:extLst>
           </p:spPr>
@@ -4006,7 +4014,7 @@
           </a:ln>
           <a:extLst>
             <a:ext uri="{C572A759-6A51-4108-AA02-DFA0A04FC94B}">
-              <ma14:wrappingTextBoxFlag xmlns:ma14="http://schemas.microsoft.com/office/mac/drawingml/2011/main" xmlns="" val="1"/>
+              <ma14:wrappingTextBoxFlag xmlns="" xmlns:ma14="http://schemas.microsoft.com/office/mac/drawingml/2011/main" val="1"/>
             </a:ext>
           </a:extLst>
         </p:spPr>
@@ -4154,7 +4162,7 @@
             <a:effectLst/>
             <a:extLst>
               <a:ext uri="{C572A759-6A51-4108-AA02-DFA0A04FC94B}">
-                <ma14:wrappingTextBoxFlag xmlns:ma14="http://schemas.microsoft.com/office/mac/drawingml/2011/main" xmlns="" val="1"/>
+                <ma14:wrappingTextBoxFlag xmlns="" xmlns:ma14="http://schemas.microsoft.com/office/mac/drawingml/2011/main" val="1"/>
               </a:ext>
             </a:extLst>
           </p:spPr>
@@ -4272,7 +4280,7 @@
             <a:effectLst/>
             <a:extLst>
               <a:ext uri="{C572A759-6A51-4108-AA02-DFA0A04FC94B}">
-                <ma14:wrappingTextBoxFlag xmlns:ma14="http://schemas.microsoft.com/office/mac/drawingml/2011/main" xmlns="" val="1"/>
+                <ma14:wrappingTextBoxFlag xmlns="" xmlns:ma14="http://schemas.microsoft.com/office/mac/drawingml/2011/main" val="1"/>
               </a:ext>
             </a:extLst>
           </p:spPr>
@@ -4390,7 +4398,7 @@
             <a:effectLst/>
             <a:extLst>
               <a:ext uri="{C572A759-6A51-4108-AA02-DFA0A04FC94B}">
-                <ma14:wrappingTextBoxFlag xmlns:ma14="http://schemas.microsoft.com/office/mac/drawingml/2011/main" xmlns="" val="1"/>
+                <ma14:wrappingTextBoxFlag xmlns="" xmlns:ma14="http://schemas.microsoft.com/office/mac/drawingml/2011/main" val="1"/>
               </a:ext>
             </a:extLst>
           </p:spPr>
@@ -4437,7 +4445,7 @@
           <a:blip r:embed="rId2">
             <a:extLst>
               <a:ext uri="{96DAC541-7B7A-43D3-8B79-37D633B846F1}">
-                <asvg:svgBlip xmlns:asvg="http://schemas.microsoft.com/office/drawing/2016/SVG/main" r:embed="rId3"/>
+                <asvg:svgBlip xmlns:asvg="http://schemas.microsoft.com/office/drawing/2016/SVG/main" xmlns="" r:embed="rId3"/>
               </a:ext>
             </a:extLst>
           </a:blip>
@@ -4473,7 +4481,7 @@
           <a:blip r:embed="rId4">
             <a:extLst>
               <a:ext uri="{96DAC541-7B7A-43D3-8B79-37D633B846F1}">
-                <asvg:svgBlip xmlns:asvg="http://schemas.microsoft.com/office/drawing/2016/SVG/main" r:embed="rId5"/>
+                <asvg:svgBlip xmlns:asvg="http://schemas.microsoft.com/office/drawing/2016/SVG/main" xmlns="" r:embed="rId5"/>
               </a:ext>
             </a:extLst>
           </a:blip>
@@ -4527,6 +4535,3846 @@
     <a:masterClrMapping/>
   </p:clrMapOvr>
   <p:transition spd="slow"/>
+</p:sld>
+</file>
+
+<file path=ppt/slides/slide10.xml><?xml version="1.0" encoding="utf-8"?>
+<p:sld xmlns:a="http://schemas.openxmlformats.org/drawingml/2006/main" xmlns:r="http://schemas.openxmlformats.org/officeDocument/2006/relationships" xmlns:p="http://schemas.openxmlformats.org/presentationml/2006/main">
+  <p:cSld>
+    <p:spTree>
+      <p:nvGrpSpPr>
+        <p:cNvPr id="1" name=""/>
+        <p:cNvGrpSpPr/>
+        <p:nvPr/>
+      </p:nvGrpSpPr>
+      <p:grpSpPr>
+        <a:xfrm>
+          <a:off x="0" y="0"/>
+          <a:ext cx="0" cy="0"/>
+          <a:chOff x="0" y="0"/>
+          <a:chExt cx="0" cy="0"/>
+        </a:xfrm>
+      </p:grpSpPr>
+      <p:sp>
+        <p:nvSpPr>
+          <p:cNvPr id="119" name="Shape 119"/>
+          <p:cNvSpPr/>
+          <p:nvPr/>
+        </p:nvSpPr>
+        <p:spPr>
+          <a:xfrm>
+            <a:off x="4535678" y="322481"/>
+            <a:ext cx="2463613" cy="2335366"/>
+          </a:xfrm>
+          <a:prstGeom prst="roundRect">
+            <a:avLst>
+              <a:gd name="adj" fmla="val 12953"/>
+            </a:avLst>
+          </a:prstGeom>
+          <a:ln w="25400">
+            <a:solidFill>
+              <a:srgbClr val="85888D"/>
+            </a:solidFill>
+            <a:miter lim="400000"/>
+          </a:ln>
+        </p:spPr>
+        <p:txBody>
+          <a:bodyPr lIns="25400" tIns="25400" rIns="25400" bIns="25400"/>
+          <a:lstStyle/>
+          <a:p>
+            <a:pPr defTabSz="914400">
+              <a:defRPr sz="1600">
+                <a:latin typeface="Helvetica"/>
+                <a:ea typeface="Helvetica"/>
+                <a:cs typeface="Helvetica"/>
+                <a:sym typeface="Helvetica"/>
+              </a:defRPr>
+            </a:pPr>
+            <a:endParaRPr/>
+          </a:p>
+        </p:txBody>
+      </p:sp>
+      <p:sp>
+        <p:nvSpPr>
+          <p:cNvPr id="120" name="Shape 120"/>
+          <p:cNvSpPr/>
+          <p:nvPr/>
+        </p:nvSpPr>
+        <p:spPr>
+          <a:xfrm flipH="1" flipV="1">
+            <a:off x="2157417" y="1363560"/>
+            <a:ext cx="2156128" cy="1"/>
+          </a:xfrm>
+          <a:prstGeom prst="line">
+            <a:avLst/>
+          </a:prstGeom>
+          <a:ln w="50800">
+            <a:solidFill>
+              <a:srgbClr val="000000"/>
+            </a:solidFill>
+            <a:miter lim="400000"/>
+            <a:headEnd type="stealth"/>
+          </a:ln>
+        </p:spPr>
+        <p:txBody>
+          <a:bodyPr lIns="50800" tIns="50800" rIns="50800" bIns="50800" anchor="ctr"/>
+          <a:lstStyle/>
+          <a:p>
+            <a:pPr>
+              <a:defRPr sz="2400"/>
+            </a:pPr>
+            <a:endParaRPr/>
+          </a:p>
+        </p:txBody>
+      </p:sp>
+      <p:sp>
+        <p:nvSpPr>
+          <p:cNvPr id="124" name="Shape 124"/>
+          <p:cNvSpPr/>
+          <p:nvPr/>
+        </p:nvSpPr>
+        <p:spPr>
+          <a:xfrm>
+            <a:off x="1081421" y="2822012"/>
+            <a:ext cx="921933" cy="416988"/>
+          </a:xfrm>
+          <a:prstGeom prst="rect">
+            <a:avLst/>
+          </a:prstGeom>
+          <a:ln w="12700">
+            <a:miter lim="400000"/>
+          </a:ln>
+          <a:extLst>
+            <a:ext uri="{C572A759-6A51-4108-AA02-DFA0A04FC94B}">
+              <ma14:wrappingTextBoxFlag xmlns="" xmlns:ma14="http://schemas.microsoft.com/office/mac/drawingml/2011/main" val="1"/>
+            </a:ext>
+          </a:extLst>
+        </p:spPr>
+        <p:txBody>
+          <a:bodyPr lIns="50800" tIns="50800" rIns="50800" bIns="50800" anchor="ctr"/>
+          <a:lstStyle>
+            <a:lvl1pPr>
+              <a:spcBef>
+                <a:spcPts val="4200"/>
+              </a:spcBef>
+              <a:defRPr sz="1800">
+                <a:latin typeface="Helvetica"/>
+                <a:ea typeface="Helvetica"/>
+                <a:cs typeface="Helvetica"/>
+                <a:sym typeface="Helvetica"/>
+              </a:defRPr>
+            </a:lvl1pPr>
+          </a:lstStyle>
+          <a:p>
+            <a:r>
+              <a:t>Sensor</a:t>
+            </a:r>
+          </a:p>
+        </p:txBody>
+      </p:sp>
+      <p:sp>
+        <p:nvSpPr>
+          <p:cNvPr id="125" name="Shape 125"/>
+          <p:cNvSpPr/>
+          <p:nvPr/>
+        </p:nvSpPr>
+        <p:spPr>
+          <a:xfrm>
+            <a:off x="1110680" y="354515"/>
+            <a:ext cx="894303" cy="416988"/>
+          </a:xfrm>
+          <a:prstGeom prst="rect">
+            <a:avLst/>
+          </a:prstGeom>
+          <a:ln w="12700">
+            <a:miter lim="400000"/>
+          </a:ln>
+          <a:extLst>
+            <a:ext uri="{C572A759-6A51-4108-AA02-DFA0A04FC94B}">
+              <ma14:wrappingTextBoxFlag xmlns="" xmlns:ma14="http://schemas.microsoft.com/office/mac/drawingml/2011/main" val="1"/>
+            </a:ext>
+          </a:extLst>
+        </p:spPr>
+        <p:txBody>
+          <a:bodyPr lIns="50800" tIns="50800" rIns="50800" bIns="50800" anchor="ctr"/>
+          <a:lstStyle>
+            <a:lvl1pPr>
+              <a:spcBef>
+                <a:spcPts val="4200"/>
+              </a:spcBef>
+              <a:defRPr sz="1800">
+                <a:latin typeface="Helvetica"/>
+                <a:ea typeface="Helvetica"/>
+                <a:cs typeface="Helvetica"/>
+                <a:sym typeface="Helvetica"/>
+              </a:defRPr>
+            </a:lvl1pPr>
+          </a:lstStyle>
+          <a:p>
+            <a:r>
+              <a:t>Device</a:t>
+            </a:r>
+          </a:p>
+        </p:txBody>
+      </p:sp>
+      <p:sp>
+        <p:nvSpPr>
+          <p:cNvPr id="127" name="Shape 127"/>
+          <p:cNvSpPr/>
+          <p:nvPr/>
+        </p:nvSpPr>
+        <p:spPr>
+          <a:xfrm>
+            <a:off x="5887846" y="1839729"/>
+            <a:ext cx="643745" cy="386099"/>
+          </a:xfrm>
+          <a:prstGeom prst="rect">
+            <a:avLst/>
+          </a:prstGeom>
+          <a:ln w="12700">
+            <a:miter lim="400000"/>
+          </a:ln>
+          <a:extLst>
+            <a:ext uri="{C572A759-6A51-4108-AA02-DFA0A04FC94B}">
+              <ma14:wrappingTextBoxFlag xmlns="" xmlns:ma14="http://schemas.microsoft.com/office/mac/drawingml/2011/main" val="1"/>
+            </a:ext>
+          </a:extLst>
+        </p:spPr>
+        <p:txBody>
+          <a:bodyPr lIns="50800" tIns="50800" rIns="50800" bIns="50800" anchor="ctr"/>
+          <a:lstStyle>
+            <a:lvl1pPr>
+              <a:spcBef>
+                <a:spcPts val="4200"/>
+              </a:spcBef>
+              <a:defRPr sz="1600">
+                <a:latin typeface="Helvetica"/>
+                <a:ea typeface="Helvetica"/>
+                <a:cs typeface="Helvetica"/>
+                <a:sym typeface="Helvetica"/>
+              </a:defRPr>
+            </a:lvl1pPr>
+          </a:lstStyle>
+          <a:p>
+            <a:r>
+              <a:t>Topic</a:t>
+            </a:r>
+          </a:p>
+        </p:txBody>
+      </p:sp>
+      <p:sp>
+        <p:nvSpPr>
+          <p:cNvPr id="128" name="Shape 128"/>
+          <p:cNvSpPr/>
+          <p:nvPr/>
+        </p:nvSpPr>
+        <p:spPr>
+          <a:xfrm>
+            <a:off x="2733034" y="1456224"/>
+            <a:ext cx="818862" cy="339768"/>
+          </a:xfrm>
+          <a:prstGeom prst="rect">
+            <a:avLst/>
+          </a:prstGeom>
+          <a:ln w="12700">
+            <a:miter lim="400000"/>
+          </a:ln>
+          <a:extLst>
+            <a:ext uri="{C572A759-6A51-4108-AA02-DFA0A04FC94B}">
+              <ma14:wrappingTextBoxFlag xmlns="" xmlns:ma14="http://schemas.microsoft.com/office/mac/drawingml/2011/main" val="1"/>
+            </a:ext>
+          </a:extLst>
+        </p:spPr>
+        <p:txBody>
+          <a:bodyPr lIns="50800" tIns="50800" rIns="50800" bIns="50800" anchor="ctr"/>
+          <a:lstStyle>
+            <a:lvl1pPr>
+              <a:spcBef>
+                <a:spcPts val="4200"/>
+              </a:spcBef>
+              <a:defRPr sz="1400">
+                <a:latin typeface="Helvetica"/>
+                <a:ea typeface="Helvetica"/>
+                <a:cs typeface="Helvetica"/>
+                <a:sym typeface="Helvetica"/>
+              </a:defRPr>
+            </a:lvl1pPr>
+          </a:lstStyle>
+          <a:p>
+            <a:r>
+              <a:t>Protocol</a:t>
+            </a:r>
+          </a:p>
+        </p:txBody>
+      </p:sp>
+      <p:sp>
+        <p:nvSpPr>
+          <p:cNvPr id="129" name="Shape 129"/>
+          <p:cNvSpPr/>
+          <p:nvPr/>
+        </p:nvSpPr>
+        <p:spPr>
+          <a:xfrm>
+            <a:off x="4330865" y="1168098"/>
+            <a:ext cx="390926" cy="390926"/>
+          </a:xfrm>
+          <a:prstGeom prst="ellipse">
+            <a:avLst/>
+          </a:prstGeom>
+          <a:solidFill>
+            <a:schemeClr val="tx1">
+              <a:lumMod val="75000"/>
+              <a:lumOff val="25000"/>
+            </a:schemeClr>
+          </a:solidFill>
+          <a:ln w="12700">
+            <a:noFill/>
+            <a:miter lim="400000"/>
+          </a:ln>
+        </p:spPr>
+        <p:txBody>
+          <a:bodyPr lIns="50800" tIns="50800" rIns="50800" bIns="50800" anchor="ctr"/>
+          <a:lstStyle/>
+          <a:p>
+            <a:pPr>
+              <a:defRPr sz="2400">
+                <a:solidFill>
+                  <a:srgbClr val="FFFFFF"/>
+                </a:solidFill>
+              </a:defRPr>
+            </a:pPr>
+            <a:endParaRPr/>
+          </a:p>
+        </p:txBody>
+      </p:sp>
+      <p:sp>
+        <p:nvSpPr>
+          <p:cNvPr id="130" name="Shape 130"/>
+          <p:cNvSpPr/>
+          <p:nvPr/>
+        </p:nvSpPr>
+        <p:spPr>
+          <a:xfrm>
+            <a:off x="4649072" y="1474202"/>
+            <a:ext cx="870623" cy="555983"/>
+          </a:xfrm>
+          <a:prstGeom prst="rect">
+            <a:avLst/>
+          </a:prstGeom>
+          <a:ln w="12700">
+            <a:miter lim="400000"/>
+          </a:ln>
+          <a:extLst>
+            <a:ext uri="{C572A759-6A51-4108-AA02-DFA0A04FC94B}">
+              <ma14:wrappingTextBoxFlag xmlns="" xmlns:ma14="http://schemas.microsoft.com/office/mac/drawingml/2011/main" val="1"/>
+            </a:ext>
+          </a:extLst>
+        </p:spPr>
+        <p:txBody>
+          <a:bodyPr lIns="50800" tIns="50800" rIns="50800" bIns="50800" anchor="ctr"/>
+          <a:lstStyle/>
+          <a:p>
+            <a:pPr algn="l">
+              <a:defRPr sz="1400">
+                <a:latin typeface="Helvetica"/>
+                <a:ea typeface="Helvetica"/>
+                <a:cs typeface="Helvetica"/>
+                <a:sym typeface="Helvetica"/>
+              </a:defRPr>
+            </a:pPr>
+            <a:r>
+              <a:t>Protocol</a:t>
+            </a:r>
+          </a:p>
+          <a:p>
+            <a:pPr algn="l">
+              <a:defRPr sz="1400">
+                <a:latin typeface="Helvetica"/>
+                <a:ea typeface="Helvetica"/>
+                <a:cs typeface="Helvetica"/>
+                <a:sym typeface="Helvetica"/>
+              </a:defRPr>
+            </a:pPr>
+            <a:r>
+              <a:t>Endpoint</a:t>
+            </a:r>
+          </a:p>
+        </p:txBody>
+      </p:sp>
+      <p:sp>
+        <p:nvSpPr>
+          <p:cNvPr id="131" name="Shape 131"/>
+          <p:cNvSpPr/>
+          <p:nvPr/>
+        </p:nvSpPr>
+        <p:spPr>
+          <a:xfrm>
+            <a:off x="4798436" y="354515"/>
+            <a:ext cx="1938096" cy="416988"/>
+          </a:xfrm>
+          <a:prstGeom prst="rect">
+            <a:avLst/>
+          </a:prstGeom>
+          <a:ln w="12700">
+            <a:miter lim="400000"/>
+          </a:ln>
+          <a:extLst>
+            <a:ext uri="{C572A759-6A51-4108-AA02-DFA0A04FC94B}">
+              <ma14:wrappingTextBoxFlag xmlns="" xmlns:ma14="http://schemas.microsoft.com/office/mac/drawingml/2011/main" val="1"/>
+            </a:ext>
+          </a:extLst>
+        </p:spPr>
+        <p:txBody>
+          <a:bodyPr lIns="50800" tIns="50800" rIns="50800" bIns="50800" anchor="ctr"/>
+          <a:lstStyle>
+            <a:lvl1pPr>
+              <a:defRPr sz="1800">
+                <a:latin typeface="Helvetica"/>
+                <a:ea typeface="Helvetica"/>
+                <a:cs typeface="Helvetica"/>
+                <a:sym typeface="Helvetica"/>
+              </a:defRPr>
+            </a:lvl1pPr>
+          </a:lstStyle>
+          <a:p>
+            <a:r>
+              <a:rPr lang="en-US" dirty="0"/>
+              <a:t>Server</a:t>
+            </a:r>
+            <a:endParaRPr dirty="0"/>
+          </a:p>
+        </p:txBody>
+      </p:sp>
+      <p:grpSp>
+        <p:nvGrpSpPr>
+          <p:cNvPr id="135" name="Group 135"/>
+          <p:cNvGrpSpPr/>
+          <p:nvPr/>
+        </p:nvGrpSpPr>
+        <p:grpSpPr>
+          <a:xfrm>
+            <a:off x="2427216" y="1035616"/>
+            <a:ext cx="382033" cy="253092"/>
+            <a:chOff x="0" y="0"/>
+            <a:chExt cx="382032" cy="253090"/>
+          </a:xfrm>
+          <a:solidFill>
+            <a:schemeClr val="tx1">
+              <a:lumMod val="75000"/>
+              <a:lumOff val="25000"/>
+            </a:schemeClr>
+          </a:solidFill>
+        </p:grpSpPr>
+        <p:sp>
+          <p:nvSpPr>
+            <p:cNvPr id="132" name="Shape 132"/>
+            <p:cNvSpPr/>
+            <p:nvPr/>
+          </p:nvSpPr>
+          <p:spPr>
+            <a:xfrm>
+              <a:off x="1816" y="0"/>
+              <a:ext cx="379416" cy="253091"/>
+            </a:xfrm>
+            <a:prstGeom prst="rect">
+              <a:avLst/>
+            </a:prstGeom>
+            <a:grpFill/>
+            <a:ln w="12700" cap="flat">
+              <a:noFill/>
+              <a:miter lim="400000"/>
+            </a:ln>
+            <a:effectLst/>
+          </p:spPr>
+          <p:txBody>
+            <a:bodyPr wrap="square" lIns="50800" tIns="50800" rIns="50800" bIns="50800" numCol="1" anchor="ctr">
+              <a:noAutofit/>
+            </a:bodyPr>
+            <a:lstStyle/>
+            <a:p>
+              <a:pPr>
+                <a:defRPr sz="2400">
+                  <a:solidFill>
+                    <a:srgbClr val="FFFFFF"/>
+                  </a:solidFill>
+                </a:defRPr>
+              </a:pPr>
+              <a:endParaRPr/>
+            </a:p>
+          </p:txBody>
+        </p:sp>
+        <p:sp>
+          <p:nvSpPr>
+            <p:cNvPr id="133" name="Shape 133"/>
+            <p:cNvSpPr/>
+            <p:nvPr/>
+          </p:nvSpPr>
+          <p:spPr>
+            <a:xfrm flipV="1">
+              <a:off x="198113" y="4121"/>
+              <a:ext cx="183920" cy="117762"/>
+            </a:xfrm>
+            <a:prstGeom prst="line">
+              <a:avLst/>
+            </a:prstGeom>
+            <a:grpFill/>
+            <a:ln w="12700" cap="flat">
+              <a:solidFill>
+                <a:srgbClr val="FFFFFF"/>
+              </a:solidFill>
+              <a:prstDash val="solid"/>
+              <a:miter lim="400000"/>
+            </a:ln>
+            <a:effectLst/>
+          </p:spPr>
+          <p:txBody>
+            <a:bodyPr wrap="square" lIns="50800" tIns="50800" rIns="50800" bIns="50800" numCol="1" anchor="ctr">
+              <a:noAutofit/>
+            </a:bodyPr>
+            <a:lstStyle/>
+            <a:p>
+              <a:pPr>
+                <a:defRPr sz="2400"/>
+              </a:pPr>
+              <a:endParaRPr/>
+            </a:p>
+          </p:txBody>
+        </p:sp>
+        <p:sp>
+          <p:nvSpPr>
+            <p:cNvPr id="134" name="Shape 134"/>
+            <p:cNvSpPr/>
+            <p:nvPr/>
+          </p:nvSpPr>
+          <p:spPr>
+            <a:xfrm flipH="1" flipV="1">
+              <a:off x="0" y="4012"/>
+              <a:ext cx="200712" cy="117871"/>
+            </a:xfrm>
+            <a:prstGeom prst="line">
+              <a:avLst/>
+            </a:prstGeom>
+            <a:grpFill/>
+            <a:ln w="12700" cap="flat">
+              <a:solidFill>
+                <a:srgbClr val="FFFFFF"/>
+              </a:solidFill>
+              <a:prstDash val="solid"/>
+              <a:miter lim="400000"/>
+            </a:ln>
+            <a:effectLst/>
+          </p:spPr>
+          <p:txBody>
+            <a:bodyPr wrap="square" lIns="50800" tIns="50800" rIns="50800" bIns="50800" numCol="1" anchor="ctr">
+              <a:noAutofit/>
+            </a:bodyPr>
+            <a:lstStyle/>
+            <a:p>
+              <a:pPr>
+                <a:defRPr sz="2400"/>
+              </a:pPr>
+              <a:endParaRPr/>
+            </a:p>
+          </p:txBody>
+        </p:sp>
+      </p:grpSp>
+      <p:sp>
+        <p:nvSpPr>
+          <p:cNvPr id="136" name="Shape 136"/>
+          <p:cNvSpPr/>
+          <p:nvPr/>
+        </p:nvSpPr>
+        <p:spPr>
+          <a:xfrm>
+            <a:off x="2172740" y="699184"/>
+            <a:ext cx="890985" cy="339768"/>
+          </a:xfrm>
+          <a:prstGeom prst="rect">
+            <a:avLst/>
+          </a:prstGeom>
+          <a:ln w="12700">
+            <a:miter lim="400000"/>
+          </a:ln>
+          <a:extLst>
+            <a:ext uri="{C572A759-6A51-4108-AA02-DFA0A04FC94B}">
+              <ma14:wrappingTextBoxFlag xmlns="" xmlns:ma14="http://schemas.microsoft.com/office/mac/drawingml/2011/main" val="1"/>
+            </a:ext>
+          </a:extLst>
+        </p:spPr>
+        <p:txBody>
+          <a:bodyPr lIns="50800" tIns="50800" rIns="50800" bIns="50800" anchor="ctr"/>
+          <a:lstStyle>
+            <a:lvl1pPr>
+              <a:spcBef>
+                <a:spcPts val="4200"/>
+              </a:spcBef>
+              <a:defRPr sz="1400">
+                <a:latin typeface="Helvetica"/>
+                <a:ea typeface="Helvetica"/>
+                <a:cs typeface="Helvetica"/>
+                <a:sym typeface="Helvetica"/>
+              </a:defRPr>
+            </a:lvl1pPr>
+          </a:lstStyle>
+          <a:p>
+            <a:r>
+              <a:rPr dirty="0"/>
+              <a:t>Message</a:t>
+            </a:r>
+          </a:p>
+        </p:txBody>
+      </p:sp>
+      <p:grpSp>
+        <p:nvGrpSpPr>
+          <p:cNvPr id="139" name="Group 139"/>
+          <p:cNvGrpSpPr/>
+          <p:nvPr/>
+        </p:nvGrpSpPr>
+        <p:grpSpPr>
+          <a:xfrm>
+            <a:off x="1013806" y="1991574"/>
+            <a:ext cx="313706" cy="386100"/>
+            <a:chOff x="0" y="0"/>
+            <a:chExt cx="313705" cy="386098"/>
+          </a:xfrm>
+        </p:grpSpPr>
+        <p:sp>
+          <p:nvSpPr>
+            <p:cNvPr id="137" name="Shape 137"/>
+            <p:cNvSpPr/>
+            <p:nvPr/>
+          </p:nvSpPr>
+          <p:spPr>
+            <a:xfrm>
+              <a:off x="0" y="36196"/>
+              <a:ext cx="313706" cy="313707"/>
+            </a:xfrm>
+            <a:prstGeom prst="ellipse">
+              <a:avLst/>
+            </a:prstGeom>
+            <a:ln/>
+          </p:spPr>
+          <p:style>
+            <a:lnRef idx="2">
+              <a:schemeClr val="accent1">
+                <a:shade val="50000"/>
+              </a:schemeClr>
+            </a:lnRef>
+            <a:fillRef idx="1">
+              <a:schemeClr val="accent1"/>
+            </a:fillRef>
+            <a:effectRef idx="0">
+              <a:schemeClr val="accent1"/>
+            </a:effectRef>
+            <a:fontRef idx="minor">
+              <a:schemeClr val="lt1"/>
+            </a:fontRef>
+          </p:style>
+          <p:txBody>
+            <a:bodyPr wrap="square" lIns="50800" tIns="50800" rIns="50800" bIns="50800" numCol="1" anchor="ctr">
+              <a:noAutofit/>
+            </a:bodyPr>
+            <a:lstStyle/>
+            <a:p>
+              <a:pPr>
+                <a:defRPr sz="1000" b="1">
+                  <a:solidFill>
+                    <a:srgbClr val="FFFFFF"/>
+                  </a:solidFill>
+                  <a:latin typeface="Helvetica"/>
+                  <a:ea typeface="Helvetica"/>
+                  <a:cs typeface="Helvetica"/>
+                  <a:sym typeface="Helvetica"/>
+                </a:defRPr>
+              </a:pPr>
+              <a:endParaRPr/>
+            </a:p>
+          </p:txBody>
+        </p:sp>
+        <p:sp>
+          <p:nvSpPr>
+            <p:cNvPr id="138" name="Shape 138"/>
+            <p:cNvSpPr/>
+            <p:nvPr/>
+          </p:nvSpPr>
+          <p:spPr>
+            <a:xfrm>
+              <a:off x="27230" y="0"/>
+              <a:ext cx="259245" cy="386099"/>
+            </a:xfrm>
+            <a:prstGeom prst="rect">
+              <a:avLst/>
+            </a:prstGeom>
+            <a:noFill/>
+            <a:ln w="12700" cap="flat">
+              <a:noFill/>
+              <a:miter lim="400000"/>
+            </a:ln>
+            <a:effectLst/>
+            <a:extLst>
+              <a:ext uri="{C572A759-6A51-4108-AA02-DFA0A04FC94B}">
+                <ma14:wrappingTextBoxFlag xmlns="" xmlns:ma14="http://schemas.microsoft.com/office/mac/drawingml/2011/main" val="1"/>
+              </a:ext>
+            </a:extLst>
+          </p:spPr>
+          <p:txBody>
+            <a:bodyPr wrap="square" lIns="50800" tIns="50800" rIns="50800" bIns="50800" numCol="1" anchor="ctr">
+              <a:noAutofit/>
+            </a:bodyPr>
+            <a:lstStyle>
+              <a:lvl1pPr>
+                <a:defRPr sz="1500" b="1">
+                  <a:solidFill>
+                    <a:srgbClr val="FFFFFF"/>
+                  </a:solidFill>
+                  <a:latin typeface="Helvetica"/>
+                  <a:ea typeface="Helvetica"/>
+                  <a:cs typeface="Helvetica"/>
+                  <a:sym typeface="Helvetica"/>
+                </a:defRPr>
+              </a:lvl1pPr>
+            </a:lstStyle>
+            <a:p>
+              <a:r>
+                <a:t>1</a:t>
+              </a:r>
+            </a:p>
+          </p:txBody>
+        </p:sp>
+      </p:grpSp>
+      <p:grpSp>
+        <p:nvGrpSpPr>
+          <p:cNvPr id="142" name="Group 142"/>
+          <p:cNvGrpSpPr/>
+          <p:nvPr/>
+        </p:nvGrpSpPr>
+        <p:grpSpPr>
+          <a:xfrm>
+            <a:off x="3074430" y="676018"/>
+            <a:ext cx="313706" cy="386100"/>
+            <a:chOff x="0" y="0"/>
+            <a:chExt cx="313705" cy="386098"/>
+          </a:xfrm>
+        </p:grpSpPr>
+        <p:sp>
+          <p:nvSpPr>
+            <p:cNvPr id="140" name="Shape 140"/>
+            <p:cNvSpPr/>
+            <p:nvPr/>
+          </p:nvSpPr>
+          <p:spPr>
+            <a:xfrm>
+              <a:off x="0" y="36196"/>
+              <a:ext cx="313706" cy="313707"/>
+            </a:xfrm>
+            <a:prstGeom prst="ellipse">
+              <a:avLst/>
+            </a:prstGeom>
+            <a:ln/>
+          </p:spPr>
+          <p:style>
+            <a:lnRef idx="2">
+              <a:schemeClr val="accent1">
+                <a:shade val="50000"/>
+              </a:schemeClr>
+            </a:lnRef>
+            <a:fillRef idx="1">
+              <a:schemeClr val="accent1"/>
+            </a:fillRef>
+            <a:effectRef idx="0">
+              <a:schemeClr val="accent1"/>
+            </a:effectRef>
+            <a:fontRef idx="minor">
+              <a:schemeClr val="lt1"/>
+            </a:fontRef>
+          </p:style>
+          <p:txBody>
+            <a:bodyPr wrap="square" lIns="50800" tIns="50800" rIns="50800" bIns="50800" numCol="1" anchor="ctr">
+              <a:noAutofit/>
+            </a:bodyPr>
+            <a:lstStyle/>
+            <a:p>
+              <a:pPr>
+                <a:defRPr sz="1000" b="1">
+                  <a:solidFill>
+                    <a:srgbClr val="FFFFFF"/>
+                  </a:solidFill>
+                  <a:latin typeface="Helvetica"/>
+                  <a:ea typeface="Helvetica"/>
+                  <a:cs typeface="Helvetica"/>
+                  <a:sym typeface="Helvetica"/>
+                </a:defRPr>
+              </a:pPr>
+              <a:endParaRPr/>
+            </a:p>
+          </p:txBody>
+        </p:sp>
+        <p:sp>
+          <p:nvSpPr>
+            <p:cNvPr id="141" name="Shape 141"/>
+            <p:cNvSpPr/>
+            <p:nvPr/>
+          </p:nvSpPr>
+          <p:spPr>
+            <a:xfrm>
+              <a:off x="27230" y="0"/>
+              <a:ext cx="259245" cy="386099"/>
+            </a:xfrm>
+            <a:prstGeom prst="rect">
+              <a:avLst/>
+            </a:prstGeom>
+            <a:noFill/>
+            <a:ln w="12700" cap="flat">
+              <a:noFill/>
+              <a:miter lim="400000"/>
+            </a:ln>
+            <a:effectLst/>
+            <a:extLst>
+              <a:ext uri="{C572A759-6A51-4108-AA02-DFA0A04FC94B}">
+                <ma14:wrappingTextBoxFlag xmlns="" xmlns:ma14="http://schemas.microsoft.com/office/mac/drawingml/2011/main" val="1"/>
+              </a:ext>
+            </a:extLst>
+          </p:spPr>
+          <p:txBody>
+            <a:bodyPr wrap="square" lIns="50800" tIns="50800" rIns="50800" bIns="50800" numCol="1" anchor="ctr">
+              <a:noAutofit/>
+            </a:bodyPr>
+            <a:lstStyle>
+              <a:lvl1pPr>
+                <a:defRPr sz="1500" b="1">
+                  <a:solidFill>
+                    <a:srgbClr val="FFFFFF"/>
+                  </a:solidFill>
+                  <a:latin typeface="Helvetica"/>
+                  <a:ea typeface="Helvetica"/>
+                  <a:cs typeface="Helvetica"/>
+                  <a:sym typeface="Helvetica"/>
+                </a:defRPr>
+              </a:lvl1pPr>
+            </a:lstStyle>
+            <a:p>
+              <a:r>
+                <a:t>2</a:t>
+              </a:r>
+            </a:p>
+          </p:txBody>
+        </p:sp>
+      </p:grpSp>
+      <p:grpSp>
+        <p:nvGrpSpPr>
+          <p:cNvPr id="2" name="Group 1">
+            <a:extLst>
+              <a:ext uri="{FF2B5EF4-FFF2-40B4-BE49-F238E27FC236}">
+                <a16:creationId xmlns:a16="http://schemas.microsoft.com/office/drawing/2014/main" id="{8DA6BD79-1CC4-784C-B1B8-3F951BEB8E58}"/>
+              </a:ext>
+            </a:extLst>
+          </p:cNvPr>
+          <p:cNvGrpSpPr/>
+          <p:nvPr/>
+        </p:nvGrpSpPr>
+        <p:grpSpPr>
+          <a:xfrm>
+            <a:off x="5242522" y="1170511"/>
+            <a:ext cx="344594" cy="386100"/>
+            <a:chOff x="5242522" y="1170511"/>
+            <a:chExt cx="344594" cy="386100"/>
+          </a:xfrm>
+        </p:grpSpPr>
+        <p:sp>
+          <p:nvSpPr>
+            <p:cNvPr id="143" name="Shape 143"/>
+            <p:cNvSpPr/>
+            <p:nvPr/>
+          </p:nvSpPr>
+          <p:spPr>
+            <a:xfrm>
+              <a:off x="5242522" y="1191264"/>
+              <a:ext cx="344594" cy="344594"/>
+            </a:xfrm>
+            <a:prstGeom prst="ellipse">
+              <a:avLst/>
+            </a:prstGeom>
+            <a:ln/>
+          </p:spPr>
+          <p:style>
+            <a:lnRef idx="2">
+              <a:schemeClr val="accent1">
+                <a:shade val="50000"/>
+              </a:schemeClr>
+            </a:lnRef>
+            <a:fillRef idx="1">
+              <a:schemeClr val="accent1"/>
+            </a:fillRef>
+            <a:effectRef idx="0">
+              <a:schemeClr val="accent1"/>
+            </a:effectRef>
+            <a:fontRef idx="minor">
+              <a:schemeClr val="lt1"/>
+            </a:fontRef>
+          </p:style>
+          <p:txBody>
+            <a:bodyPr lIns="50800" tIns="50800" rIns="50800" bIns="50800" anchor="ctr"/>
+            <a:lstStyle/>
+            <a:p>
+              <a:pPr>
+                <a:defRPr sz="1000" b="1">
+                  <a:solidFill>
+                    <a:srgbClr val="FFFFFF"/>
+                  </a:solidFill>
+                  <a:latin typeface="Helvetica"/>
+                  <a:ea typeface="Helvetica"/>
+                  <a:cs typeface="Helvetica"/>
+                  <a:sym typeface="Helvetica"/>
+                </a:defRPr>
+              </a:pPr>
+              <a:endParaRPr/>
+            </a:p>
+          </p:txBody>
+        </p:sp>
+        <p:sp>
+          <p:nvSpPr>
+            <p:cNvPr id="144" name="Shape 144"/>
+            <p:cNvSpPr/>
+            <p:nvPr/>
+          </p:nvSpPr>
+          <p:spPr>
+            <a:xfrm>
+              <a:off x="5285196" y="1170511"/>
+              <a:ext cx="259245" cy="386100"/>
+            </a:xfrm>
+            <a:prstGeom prst="rect">
+              <a:avLst/>
+            </a:prstGeom>
+            <a:ln w="12700">
+              <a:miter lim="400000"/>
+            </a:ln>
+            <a:extLst>
+              <a:ext uri="{C572A759-6A51-4108-AA02-DFA0A04FC94B}">
+                <ma14:wrappingTextBoxFlag xmlns="" xmlns:ma14="http://schemas.microsoft.com/office/mac/drawingml/2011/main" val="1"/>
+              </a:ext>
+            </a:extLst>
+          </p:spPr>
+          <p:txBody>
+            <a:bodyPr lIns="50800" tIns="50800" rIns="50800" bIns="50800" anchor="ctr"/>
+            <a:lstStyle>
+              <a:lvl1pPr>
+                <a:defRPr sz="1500" b="1">
+                  <a:solidFill>
+                    <a:srgbClr val="FFFFFF"/>
+                  </a:solidFill>
+                  <a:latin typeface="Helvetica"/>
+                  <a:ea typeface="Helvetica"/>
+                  <a:cs typeface="Helvetica"/>
+                  <a:sym typeface="Helvetica"/>
+                </a:defRPr>
+              </a:lvl1pPr>
+            </a:lstStyle>
+            <a:p>
+              <a:r>
+                <a:rPr dirty="0"/>
+                <a:t>3</a:t>
+              </a:r>
+            </a:p>
+          </p:txBody>
+        </p:sp>
+      </p:grpSp>
+      <p:sp>
+        <p:nvSpPr>
+          <p:cNvPr id="145" name="Shape 145"/>
+          <p:cNvSpPr/>
+          <p:nvPr/>
+        </p:nvSpPr>
+        <p:spPr>
+          <a:xfrm>
+            <a:off x="4649072" y="2243972"/>
+            <a:ext cx="1776127" cy="287258"/>
+          </a:xfrm>
+          <a:prstGeom prst="rect">
+            <a:avLst/>
+          </a:prstGeom>
+          <a:ln w="12700">
+            <a:miter lim="400000"/>
+          </a:ln>
+          <a:extLst>
+            <a:ext uri="{C572A759-6A51-4108-AA02-DFA0A04FC94B}">
+              <ma14:wrappingTextBoxFlag xmlns="" xmlns:ma14="http://schemas.microsoft.com/office/mac/drawingml/2011/main" val="1"/>
+            </a:ext>
+          </a:extLst>
+        </p:spPr>
+        <p:txBody>
+          <a:bodyPr wrap="none" lIns="50800" tIns="50800" rIns="50800" bIns="50800" anchor="ctr">
+            <a:spAutoFit/>
+          </a:bodyPr>
+          <a:lstStyle>
+            <a:lvl1pPr algn="l">
+              <a:defRPr sz="1200">
+                <a:latin typeface="Menlo"/>
+                <a:ea typeface="Menlo"/>
+                <a:cs typeface="Menlo"/>
+                <a:sym typeface="Menlo"/>
+              </a:defRPr>
+            </a:lvl1pPr>
+          </a:lstStyle>
+          <a:p>
+            <a:r>
+              <a:rPr lang="en-US" dirty="0"/>
+              <a:t>t</a:t>
+            </a:r>
+            <a:r>
+              <a:rPr dirty="0"/>
+              <a:t>elemetry</a:t>
+            </a:r>
+            <a:r>
+              <a:rPr lang="en-US" dirty="0"/>
+              <a:t>/</a:t>
+            </a:r>
+            <a:r>
+              <a:rPr lang="en-US" dirty="0" err="1"/>
+              <a:t>deviceID</a:t>
+            </a:r>
+            <a:endParaRPr dirty="0"/>
+          </a:p>
+        </p:txBody>
+      </p:sp>
+      <p:pic>
+        <p:nvPicPr>
+          <p:cNvPr id="29" name="Graphic 28">
+            <a:extLst>
+              <a:ext uri="{FF2B5EF4-FFF2-40B4-BE49-F238E27FC236}">
+                <a16:creationId xmlns:a16="http://schemas.microsoft.com/office/drawing/2014/main" id="{923CB61D-3900-8747-9239-18E83E37EEDE}"/>
+              </a:ext>
+            </a:extLst>
+          </p:cNvPr>
+          <p:cNvPicPr>
+            <a:picLocks noChangeAspect="1"/>
+          </p:cNvPicPr>
+          <p:nvPr/>
+        </p:nvPicPr>
+        <p:blipFill>
+          <a:blip r:embed="rId2">
+            <a:extLst>
+              <a:ext uri="{96DAC541-7B7A-43D3-8B79-37D633B846F1}">
+                <asvg:svgBlip xmlns:asvg="http://schemas.microsoft.com/office/drawing/2016/SVG/main" xmlns="" r:embed="rId3"/>
+              </a:ext>
+            </a:extLst>
+          </a:blip>
+          <a:stretch>
+            <a:fillRect/>
+          </a:stretch>
+        </p:blipFill>
+        <p:spPr>
+          <a:xfrm>
+            <a:off x="1043310" y="860641"/>
+            <a:ext cx="1005840" cy="1005840"/>
+          </a:xfrm>
+          <a:prstGeom prst="rect">
+            <a:avLst/>
+          </a:prstGeom>
+        </p:spPr>
+      </p:pic>
+      <p:pic>
+        <p:nvPicPr>
+          <p:cNvPr id="30" name="Graphic 29">
+            <a:extLst>
+              <a:ext uri="{FF2B5EF4-FFF2-40B4-BE49-F238E27FC236}">
+                <a16:creationId xmlns:a16="http://schemas.microsoft.com/office/drawing/2014/main" id="{491C9A8A-06D9-6943-807A-C53CAD0BC589}"/>
+              </a:ext>
+            </a:extLst>
+          </p:cNvPr>
+          <p:cNvPicPr>
+            <a:picLocks noChangeAspect="1"/>
+          </p:cNvPicPr>
+          <p:nvPr/>
+        </p:nvPicPr>
+        <p:blipFill rotWithShape="1">
+          <a:blip r:embed="rId4">
+            <a:extLst>
+              <a:ext uri="{96DAC541-7B7A-43D3-8B79-37D633B846F1}">
+                <asvg:svgBlip xmlns:asvg="http://schemas.microsoft.com/office/drawing/2016/SVG/main" xmlns="" r:embed="rId5"/>
+              </a:ext>
+            </a:extLst>
+          </a:blip>
+          <a:srcRect t="69927"/>
+          <a:stretch/>
+        </p:blipFill>
+        <p:spPr>
+          <a:xfrm>
+            <a:off x="938115" y="2456252"/>
+            <a:ext cx="1216231" cy="365760"/>
+          </a:xfrm>
+          <a:prstGeom prst="rect">
+            <a:avLst/>
+          </a:prstGeom>
+        </p:spPr>
+      </p:pic>
+      <p:cxnSp>
+        <p:nvCxnSpPr>
+          <p:cNvPr id="3" name="Straight Connector 2">
+            <a:extLst>
+              <a:ext uri="{FF2B5EF4-FFF2-40B4-BE49-F238E27FC236}">
+                <a16:creationId xmlns:a16="http://schemas.microsoft.com/office/drawing/2014/main" id="{5AED6F37-8DC3-A34D-BCB2-E03645FE1F56}"/>
+              </a:ext>
+            </a:extLst>
+          </p:cNvPr>
+          <p:cNvCxnSpPr>
+            <a:stCxn id="29" idx="2"/>
+            <a:endCxn id="30" idx="0"/>
+          </p:cNvCxnSpPr>
+          <p:nvPr/>
+        </p:nvCxnSpPr>
+        <p:spPr>
+          <a:xfrm>
+            <a:off x="1546230" y="1866481"/>
+            <a:ext cx="1" cy="589771"/>
+          </a:xfrm>
+          <a:prstGeom prst="line">
+            <a:avLst/>
+          </a:prstGeom>
+          <a:noFill/>
+          <a:ln w="38100" cap="flat">
+            <a:solidFill>
+              <a:srgbClr val="000000"/>
+            </a:solidFill>
+            <a:prstDash val="solid"/>
+            <a:miter lim="400000"/>
+          </a:ln>
+          <a:effectLst/>
+          <a:sp3d/>
+        </p:spPr>
+        <p:style>
+          <a:lnRef idx="0">
+            <a:scrgbClr r="0" g="0" b="0"/>
+          </a:lnRef>
+          <a:fillRef idx="0">
+            <a:scrgbClr r="0" g="0" b="0"/>
+          </a:fillRef>
+          <a:effectRef idx="0">
+            <a:scrgbClr r="0" g="0" b="0"/>
+          </a:effectRef>
+          <a:fontRef idx="none"/>
+        </p:style>
+      </p:cxnSp>
+      <p:pic>
+        <p:nvPicPr>
+          <p:cNvPr id="33" name="Graphic 32">
+            <a:extLst>
+              <a:ext uri="{FF2B5EF4-FFF2-40B4-BE49-F238E27FC236}">
+                <a16:creationId xmlns:a16="http://schemas.microsoft.com/office/drawing/2014/main" id="{384AC94A-F352-A94A-BE7B-72D4473AB860}"/>
+              </a:ext>
+            </a:extLst>
+          </p:cNvPr>
+          <p:cNvPicPr>
+            <a:picLocks noChangeAspect="1"/>
+          </p:cNvPicPr>
+          <p:nvPr/>
+        </p:nvPicPr>
+        <p:blipFill>
+          <a:blip r:embed="rId6">
+            <a:extLst>
+              <a:ext uri="{96DAC541-7B7A-43D3-8B79-37D633B846F1}">
+                <asvg:svgBlip xmlns:asvg="http://schemas.microsoft.com/office/drawing/2016/SVG/main" xmlns="" r:embed="rId7"/>
+              </a:ext>
+            </a:extLst>
+          </a:blip>
+          <a:stretch>
+            <a:fillRect/>
+          </a:stretch>
+        </p:blipFill>
+        <p:spPr>
+          <a:xfrm>
+            <a:off x="5752517" y="906891"/>
+            <a:ext cx="914400" cy="914400"/>
+          </a:xfrm>
+          <a:prstGeom prst="rect">
+            <a:avLst/>
+          </a:prstGeom>
+        </p:spPr>
+      </p:pic>
+    </p:spTree>
+  </p:cSld>
+  <p:clrMapOvr>
+    <a:masterClrMapping/>
+  </p:clrMapOvr>
+  <p:transition spd="med"/>
+</p:sld>
+</file>
+
+<file path=ppt/slides/slide11.xml><?xml version="1.0" encoding="utf-8"?>
+<p:sld xmlns:a="http://schemas.openxmlformats.org/drawingml/2006/main" xmlns:r="http://schemas.openxmlformats.org/officeDocument/2006/relationships" xmlns:p="http://schemas.openxmlformats.org/presentationml/2006/main">
+  <p:cSld>
+    <p:spTree>
+      <p:nvGrpSpPr>
+        <p:cNvPr id="1" name=""/>
+        <p:cNvGrpSpPr/>
+        <p:nvPr/>
+      </p:nvGrpSpPr>
+      <p:grpSpPr>
+        <a:xfrm>
+          <a:off x="0" y="0"/>
+          <a:ext cx="0" cy="0"/>
+          <a:chOff x="0" y="0"/>
+          <a:chExt cx="0" cy="0"/>
+        </a:xfrm>
+      </p:grpSpPr>
+      <p:sp>
+        <p:nvSpPr>
+          <p:cNvPr id="35" name="Shape 119"/>
+          <p:cNvSpPr/>
+          <p:nvPr/>
+        </p:nvSpPr>
+        <p:spPr>
+          <a:xfrm>
+            <a:off x="4535497" y="322205"/>
+            <a:ext cx="2572586" cy="2662394"/>
+          </a:xfrm>
+          <a:prstGeom prst="roundRect">
+            <a:avLst>
+              <a:gd name="adj" fmla="val 12953"/>
+            </a:avLst>
+          </a:prstGeom>
+          <a:ln w="25400">
+            <a:solidFill>
+              <a:srgbClr val="85888D"/>
+            </a:solidFill>
+            <a:miter lim="400000"/>
+          </a:ln>
+        </p:spPr>
+        <p:txBody>
+          <a:bodyPr lIns="25400" tIns="25400" rIns="25400" bIns="25400"/>
+          <a:lstStyle/>
+          <a:p>
+            <a:pPr defTabSz="914400">
+              <a:defRPr sz="1600">
+                <a:latin typeface="Helvetica"/>
+                <a:ea typeface="Helvetica"/>
+                <a:cs typeface="Helvetica"/>
+                <a:sym typeface="Helvetica"/>
+              </a:defRPr>
+            </a:pPr>
+            <a:endParaRPr/>
+          </a:p>
+        </p:txBody>
+      </p:sp>
+      <p:sp>
+        <p:nvSpPr>
+          <p:cNvPr id="37" name="Shape 145"/>
+          <p:cNvSpPr/>
+          <p:nvPr/>
+        </p:nvSpPr>
+        <p:spPr>
+          <a:xfrm>
+            <a:off x="4654397" y="2260734"/>
+            <a:ext cx="1776127" cy="287258"/>
+          </a:xfrm>
+          <a:prstGeom prst="rect">
+            <a:avLst/>
+          </a:prstGeom>
+          <a:ln w="12700">
+            <a:miter lim="400000"/>
+          </a:ln>
+          <a:extLst>
+            <a:ext uri="{C572A759-6A51-4108-AA02-DFA0A04FC94B}">
+              <ma14:wrappingTextBoxFlag xmlns="" xmlns:ma14="http://schemas.microsoft.com/office/mac/drawingml/2011/main" val="1"/>
+            </a:ext>
+          </a:extLst>
+        </p:spPr>
+        <p:txBody>
+          <a:bodyPr wrap="none" lIns="50800" tIns="50800" rIns="50800" bIns="50800" anchor="ctr">
+            <a:spAutoFit/>
+          </a:bodyPr>
+          <a:lstStyle>
+            <a:lvl1pPr algn="l">
+              <a:defRPr sz="1200">
+                <a:latin typeface="Menlo"/>
+                <a:ea typeface="Menlo"/>
+                <a:cs typeface="Menlo"/>
+                <a:sym typeface="Menlo"/>
+              </a:defRPr>
+            </a:lvl1pPr>
+          </a:lstStyle>
+          <a:p>
+            <a:r>
+              <a:rPr lang="en-US" dirty="0"/>
+              <a:t>t</a:t>
+            </a:r>
+            <a:r>
+              <a:rPr dirty="0"/>
+              <a:t>elemetry</a:t>
+            </a:r>
+            <a:r>
+              <a:rPr lang="en-US" dirty="0"/>
+              <a:t>/</a:t>
+            </a:r>
+            <a:r>
+              <a:rPr lang="en-US" dirty="0" err="1"/>
+              <a:t>deviceID</a:t>
+            </a:r>
+            <a:endParaRPr dirty="0"/>
+          </a:p>
+        </p:txBody>
+      </p:sp>
+      <p:cxnSp>
+        <p:nvCxnSpPr>
+          <p:cNvPr id="9" name="Elbow Connector 8"/>
+          <p:cNvCxnSpPr/>
+          <p:nvPr/>
+        </p:nvCxnSpPr>
+        <p:spPr>
+          <a:xfrm>
+            <a:off x="6525358" y="1691469"/>
+            <a:ext cx="1256162" cy="517831"/>
+          </a:xfrm>
+          <a:prstGeom prst="bentConnector3">
+            <a:avLst>
+              <a:gd name="adj1" fmla="val 58399"/>
+            </a:avLst>
+          </a:prstGeom>
+          <a:noFill/>
+          <a:ln w="38100" cap="flat">
+            <a:solidFill>
+              <a:srgbClr val="000000"/>
+            </a:solidFill>
+            <a:prstDash val="solid"/>
+            <a:miter lim="400000"/>
+            <a:headEnd w="lg" len="lg"/>
+            <a:tailEnd type="stealth" w="lg" len="lg"/>
+          </a:ln>
+          <a:effectLst/>
+          <a:sp3d/>
+        </p:spPr>
+        <p:style>
+          <a:lnRef idx="0">
+            <a:scrgbClr r="0" g="0" b="0"/>
+          </a:lnRef>
+          <a:fillRef idx="0">
+            <a:scrgbClr r="0" g="0" b="0"/>
+          </a:fillRef>
+          <a:effectRef idx="0">
+            <a:scrgbClr r="0" g="0" b="0"/>
+          </a:effectRef>
+          <a:fontRef idx="none"/>
+        </p:style>
+      </p:cxnSp>
+      <p:sp>
+        <p:nvSpPr>
+          <p:cNvPr id="43" name="Shape 125"/>
+          <p:cNvSpPr/>
+          <p:nvPr/>
+        </p:nvSpPr>
+        <p:spPr>
+          <a:xfrm>
+            <a:off x="7670996" y="2589244"/>
+            <a:ext cx="1126515" cy="525262"/>
+          </a:xfrm>
+          <a:prstGeom prst="rect">
+            <a:avLst/>
+          </a:prstGeom>
+          <a:ln w="12700">
+            <a:miter lim="400000"/>
+          </a:ln>
+          <a:extLst>
+            <a:ext uri="{C572A759-6A51-4108-AA02-DFA0A04FC94B}">
+              <ma14:wrappingTextBoxFlag xmlns="" xmlns:ma14="http://schemas.microsoft.com/office/mac/drawingml/2011/main" val="1"/>
+            </a:ext>
+          </a:extLst>
+        </p:spPr>
+        <p:txBody>
+          <a:bodyPr lIns="50800" tIns="50800" rIns="50800" bIns="50800" anchor="ctr"/>
+          <a:lstStyle>
+            <a:lvl1pPr>
+              <a:spcBef>
+                <a:spcPts val="4200"/>
+              </a:spcBef>
+              <a:defRPr sz="1800">
+                <a:latin typeface="Helvetica"/>
+                <a:ea typeface="Helvetica"/>
+                <a:cs typeface="Helvetica"/>
+                <a:sym typeface="Helvetica"/>
+              </a:defRPr>
+            </a:lvl1pPr>
+          </a:lstStyle>
+          <a:p>
+            <a:r>
+              <a:rPr lang="en-US" dirty="0"/>
+              <a:t>Raw Records</a:t>
+            </a:r>
+            <a:endParaRPr dirty="0"/>
+          </a:p>
+        </p:txBody>
+      </p:sp>
+      <p:sp>
+        <p:nvSpPr>
+          <p:cNvPr id="49" name="Shape 125"/>
+          <p:cNvSpPr/>
+          <p:nvPr/>
+        </p:nvSpPr>
+        <p:spPr>
+          <a:xfrm>
+            <a:off x="8971887" y="2605221"/>
+            <a:ext cx="1266194" cy="525262"/>
+          </a:xfrm>
+          <a:prstGeom prst="rect">
+            <a:avLst/>
+          </a:prstGeom>
+          <a:ln w="12700">
+            <a:miter lim="400000"/>
+          </a:ln>
+          <a:extLst>
+            <a:ext uri="{C572A759-6A51-4108-AA02-DFA0A04FC94B}">
+              <ma14:wrappingTextBoxFlag xmlns="" xmlns:ma14="http://schemas.microsoft.com/office/mac/drawingml/2011/main" val="1"/>
+            </a:ext>
+          </a:extLst>
+        </p:spPr>
+        <p:txBody>
+          <a:bodyPr lIns="50800" tIns="50800" rIns="50800" bIns="50800" anchor="ctr"/>
+          <a:lstStyle>
+            <a:lvl1pPr>
+              <a:spcBef>
+                <a:spcPts val="4200"/>
+              </a:spcBef>
+              <a:defRPr sz="1800">
+                <a:latin typeface="Helvetica"/>
+                <a:ea typeface="Helvetica"/>
+                <a:cs typeface="Helvetica"/>
+                <a:sym typeface="Helvetica"/>
+              </a:defRPr>
+            </a:lvl1pPr>
+          </a:lstStyle>
+          <a:p>
+            <a:r>
+              <a:rPr lang="en-US" dirty="0"/>
+              <a:t>Processed Records</a:t>
+            </a:r>
+            <a:endParaRPr dirty="0"/>
+          </a:p>
+        </p:txBody>
+      </p:sp>
+      <p:cxnSp>
+        <p:nvCxnSpPr>
+          <p:cNvPr id="26" name="Straight Arrow Connector 25"/>
+          <p:cNvCxnSpPr/>
+          <p:nvPr/>
+        </p:nvCxnSpPr>
+        <p:spPr>
+          <a:xfrm>
+            <a:off x="9605253" y="869447"/>
+            <a:ext cx="0" cy="928802"/>
+          </a:xfrm>
+          <a:prstGeom prst="straightConnector1">
+            <a:avLst/>
+          </a:prstGeom>
+          <a:noFill/>
+          <a:ln w="38100" cap="flat">
+            <a:solidFill>
+              <a:srgbClr val="000000"/>
+            </a:solidFill>
+            <a:prstDash val="solid"/>
+            <a:miter lim="400000"/>
+            <a:tailEnd type="stealth" w="lg" len="lg"/>
+          </a:ln>
+          <a:effectLst/>
+          <a:sp3d/>
+        </p:spPr>
+        <p:style>
+          <a:lnRef idx="0">
+            <a:scrgbClr r="0" g="0" b="0"/>
+          </a:lnRef>
+          <a:fillRef idx="0">
+            <a:scrgbClr r="0" g="0" b="0"/>
+          </a:fillRef>
+          <a:effectRef idx="0">
+            <a:scrgbClr r="0" g="0" b="0"/>
+          </a:effectRef>
+          <a:fontRef idx="none"/>
+        </p:style>
+      </p:cxnSp>
+      <p:cxnSp>
+        <p:nvCxnSpPr>
+          <p:cNvPr id="28" name="Straight Connector 27"/>
+          <p:cNvCxnSpPr/>
+          <p:nvPr/>
+        </p:nvCxnSpPr>
+        <p:spPr>
+          <a:xfrm>
+            <a:off x="8389407" y="869447"/>
+            <a:ext cx="1215846" cy="0"/>
+          </a:xfrm>
+          <a:prstGeom prst="line">
+            <a:avLst/>
+          </a:prstGeom>
+          <a:noFill/>
+          <a:ln w="38100" cap="flat">
+            <a:solidFill>
+              <a:srgbClr val="000000"/>
+            </a:solidFill>
+            <a:prstDash val="solid"/>
+            <a:miter lim="400000"/>
+            <a:tailEnd type="oval"/>
+          </a:ln>
+          <a:effectLst/>
+          <a:sp3d/>
+        </p:spPr>
+        <p:style>
+          <a:lnRef idx="0">
+            <a:scrgbClr r="0" g="0" b="0"/>
+          </a:lnRef>
+          <a:fillRef idx="0">
+            <a:scrgbClr r="0" g="0" b="0"/>
+          </a:fillRef>
+          <a:effectRef idx="0">
+            <a:scrgbClr r="0" g="0" b="0"/>
+          </a:effectRef>
+          <a:fontRef idx="none"/>
+        </p:style>
+      </p:cxnSp>
+      <p:cxnSp>
+        <p:nvCxnSpPr>
+          <p:cNvPr id="67" name="Straight Connector 66"/>
+          <p:cNvCxnSpPr/>
+          <p:nvPr/>
+        </p:nvCxnSpPr>
+        <p:spPr>
+          <a:xfrm>
+            <a:off x="6684955" y="869447"/>
+            <a:ext cx="1324776" cy="0"/>
+          </a:xfrm>
+          <a:prstGeom prst="line">
+            <a:avLst/>
+          </a:prstGeom>
+          <a:noFill/>
+          <a:ln w="38100" cap="flat">
+            <a:solidFill>
+              <a:srgbClr val="000000"/>
+            </a:solidFill>
+            <a:prstDash val="solid"/>
+            <a:miter lim="400000"/>
+          </a:ln>
+          <a:effectLst/>
+          <a:sp3d/>
+        </p:spPr>
+        <p:style>
+          <a:lnRef idx="0">
+            <a:scrgbClr r="0" g="0" b="0"/>
+          </a:lnRef>
+          <a:fillRef idx="0">
+            <a:scrgbClr r="0" g="0" b="0"/>
+          </a:fillRef>
+          <a:effectRef idx="0">
+            <a:scrgbClr r="0" g="0" b="0"/>
+          </a:effectRef>
+          <a:fontRef idx="none"/>
+        </p:style>
+      </p:cxnSp>
+      <p:sp>
+        <p:nvSpPr>
+          <p:cNvPr id="74" name="Shape 145"/>
+          <p:cNvSpPr/>
+          <p:nvPr/>
+        </p:nvSpPr>
+        <p:spPr>
+          <a:xfrm>
+            <a:off x="4654397" y="2501109"/>
+            <a:ext cx="2426946" cy="287258"/>
+          </a:xfrm>
+          <a:prstGeom prst="rect">
+            <a:avLst/>
+          </a:prstGeom>
+          <a:ln w="12700">
+            <a:miter lim="400000"/>
+          </a:ln>
+          <a:extLst>
+            <a:ext uri="{C572A759-6A51-4108-AA02-DFA0A04FC94B}">
+              <ma14:wrappingTextBoxFlag xmlns="" xmlns:ma14="http://schemas.microsoft.com/office/mac/drawingml/2011/main" val="1"/>
+            </a:ext>
+          </a:extLst>
+        </p:spPr>
+        <p:txBody>
+          <a:bodyPr wrap="none" lIns="50800" tIns="50800" rIns="50800" bIns="50800" anchor="ctr">
+            <a:spAutoFit/>
+          </a:bodyPr>
+          <a:lstStyle>
+            <a:lvl1pPr algn="l">
+              <a:defRPr sz="1200">
+                <a:latin typeface="Menlo"/>
+                <a:ea typeface="Menlo"/>
+                <a:cs typeface="Menlo"/>
+                <a:sym typeface="Menlo"/>
+              </a:defRPr>
+            </a:lvl1pPr>
+          </a:lstStyle>
+          <a:p>
+            <a:r>
+              <a:rPr dirty="0"/>
+              <a:t>telemetry</a:t>
+            </a:r>
+            <a:r>
+              <a:rPr lang="en-US" dirty="0"/>
+              <a:t>/</a:t>
+            </a:r>
+            <a:r>
+              <a:rPr lang="en-US" dirty="0" err="1"/>
+              <a:t>deviceID</a:t>
+            </a:r>
+            <a:r>
+              <a:rPr lang="en-US" dirty="0"/>
+              <a:t>/replay</a:t>
+            </a:r>
+            <a:endParaRPr dirty="0"/>
+          </a:p>
+        </p:txBody>
+      </p:sp>
+      <p:sp>
+        <p:nvSpPr>
+          <p:cNvPr id="87" name="Shape 125"/>
+          <p:cNvSpPr/>
+          <p:nvPr/>
+        </p:nvSpPr>
+        <p:spPr>
+          <a:xfrm>
+            <a:off x="5974009" y="3849066"/>
+            <a:ext cx="1437502" cy="525262"/>
+          </a:xfrm>
+          <a:prstGeom prst="rect">
+            <a:avLst/>
+          </a:prstGeom>
+          <a:ln w="12700">
+            <a:miter lim="400000"/>
+          </a:ln>
+          <a:extLst>
+            <a:ext uri="{C572A759-6A51-4108-AA02-DFA0A04FC94B}">
+              <ma14:wrappingTextBoxFlag xmlns="" xmlns:ma14="http://schemas.microsoft.com/office/mac/drawingml/2011/main" val="1"/>
+            </a:ext>
+          </a:extLst>
+        </p:spPr>
+        <p:txBody>
+          <a:bodyPr lIns="50800" tIns="50800" rIns="50800" bIns="50800" anchor="ctr"/>
+          <a:lstStyle>
+            <a:lvl1pPr>
+              <a:spcBef>
+                <a:spcPts val="4200"/>
+              </a:spcBef>
+              <a:defRPr sz="1800">
+                <a:latin typeface="Helvetica"/>
+                <a:ea typeface="Helvetica"/>
+                <a:cs typeface="Helvetica"/>
+                <a:sym typeface="Helvetica"/>
+              </a:defRPr>
+            </a:lvl1pPr>
+          </a:lstStyle>
+          <a:p>
+            <a:r>
+              <a:rPr lang="en-US" dirty="0"/>
+              <a:t>Replay Component</a:t>
+            </a:r>
+            <a:endParaRPr dirty="0"/>
+          </a:p>
+        </p:txBody>
+      </p:sp>
+      <p:cxnSp>
+        <p:nvCxnSpPr>
+          <p:cNvPr id="41" name="Straight Arrow Connector 40"/>
+          <p:cNvCxnSpPr/>
+          <p:nvPr/>
+        </p:nvCxnSpPr>
+        <p:spPr>
+          <a:xfrm flipH="1">
+            <a:off x="7109919" y="3444759"/>
+            <a:ext cx="1124334" cy="0"/>
+          </a:xfrm>
+          <a:prstGeom prst="straightConnector1">
+            <a:avLst/>
+          </a:prstGeom>
+          <a:noFill/>
+          <a:ln w="38100" cap="flat">
+            <a:solidFill>
+              <a:srgbClr val="000000"/>
+            </a:solidFill>
+            <a:prstDash val="solid"/>
+            <a:miter lim="400000"/>
+            <a:tailEnd type="stealth" w="lg" len="lg"/>
+          </a:ln>
+          <a:effectLst/>
+          <a:sp3d/>
+        </p:spPr>
+        <p:style>
+          <a:lnRef idx="0">
+            <a:scrgbClr r="0" g="0" b="0"/>
+          </a:lnRef>
+          <a:fillRef idx="0">
+            <a:scrgbClr r="0" g="0" b="0"/>
+          </a:fillRef>
+          <a:effectRef idx="0">
+            <a:scrgbClr r="0" g="0" b="0"/>
+          </a:effectRef>
+          <a:fontRef idx="none"/>
+        </p:style>
+      </p:cxnSp>
+      <p:cxnSp>
+        <p:nvCxnSpPr>
+          <p:cNvPr id="93" name="Straight Connector 92"/>
+          <p:cNvCxnSpPr/>
+          <p:nvPr/>
+        </p:nvCxnSpPr>
+        <p:spPr>
+          <a:xfrm>
+            <a:off x="8234253" y="3206690"/>
+            <a:ext cx="1" cy="238069"/>
+          </a:xfrm>
+          <a:prstGeom prst="line">
+            <a:avLst/>
+          </a:prstGeom>
+          <a:noFill/>
+          <a:ln w="38100" cap="flat">
+            <a:solidFill>
+              <a:srgbClr val="000000"/>
+            </a:solidFill>
+            <a:prstDash val="solid"/>
+            <a:miter lim="400000"/>
+            <a:tailEnd type="oval"/>
+          </a:ln>
+          <a:effectLst/>
+          <a:sp3d/>
+        </p:spPr>
+        <p:style>
+          <a:lnRef idx="0">
+            <a:scrgbClr r="0" g="0" b="0"/>
+          </a:lnRef>
+          <a:fillRef idx="0">
+            <a:scrgbClr r="0" g="0" b="0"/>
+          </a:fillRef>
+          <a:effectRef idx="0">
+            <a:scrgbClr r="0" g="0" b="0"/>
+          </a:effectRef>
+          <a:fontRef idx="none"/>
+        </p:style>
+      </p:cxnSp>
+      <p:cxnSp>
+        <p:nvCxnSpPr>
+          <p:cNvPr id="99" name="Straight Arrow Connector 98"/>
+          <p:cNvCxnSpPr/>
+          <p:nvPr/>
+        </p:nvCxnSpPr>
+        <p:spPr>
+          <a:xfrm flipV="1">
+            <a:off x="5170347" y="3080176"/>
+            <a:ext cx="0" cy="397794"/>
+          </a:xfrm>
+          <a:prstGeom prst="straightConnector1">
+            <a:avLst/>
+          </a:prstGeom>
+          <a:noFill/>
+          <a:ln w="38100" cap="flat">
+            <a:solidFill>
+              <a:srgbClr val="000000"/>
+            </a:solidFill>
+            <a:prstDash val="solid"/>
+            <a:miter lim="400000"/>
+            <a:tailEnd type="stealth" w="lg" len="lg"/>
+          </a:ln>
+          <a:effectLst/>
+          <a:sp3d/>
+        </p:spPr>
+        <p:style>
+          <a:lnRef idx="0">
+            <a:scrgbClr r="0" g="0" b="0"/>
+          </a:lnRef>
+          <a:fillRef idx="0">
+            <a:scrgbClr r="0" g="0" b="0"/>
+          </a:fillRef>
+          <a:effectRef idx="0">
+            <a:scrgbClr r="0" g="0" b="0"/>
+          </a:effectRef>
+          <a:fontRef idx="none"/>
+        </p:style>
+      </p:cxnSp>
+      <p:cxnSp>
+        <p:nvCxnSpPr>
+          <p:cNvPr id="100" name="Straight Connector 99"/>
+          <p:cNvCxnSpPr/>
+          <p:nvPr/>
+        </p:nvCxnSpPr>
+        <p:spPr>
+          <a:xfrm flipH="1">
+            <a:off x="5170348" y="3444759"/>
+            <a:ext cx="1123726" cy="0"/>
+          </a:xfrm>
+          <a:prstGeom prst="line">
+            <a:avLst/>
+          </a:prstGeom>
+          <a:noFill/>
+          <a:ln w="38100" cap="flat">
+            <a:solidFill>
+              <a:srgbClr val="000000"/>
+            </a:solidFill>
+            <a:prstDash val="solid"/>
+            <a:miter lim="400000"/>
+            <a:tailEnd type="oval"/>
+          </a:ln>
+          <a:effectLst/>
+          <a:sp3d/>
+        </p:spPr>
+        <p:style>
+          <a:lnRef idx="0">
+            <a:scrgbClr r="0" g="0" b="0"/>
+          </a:lnRef>
+          <a:fillRef idx="0">
+            <a:scrgbClr r="0" g="0" b="0"/>
+          </a:fillRef>
+          <a:effectRef idx="0">
+            <a:scrgbClr r="0" g="0" b="0"/>
+          </a:effectRef>
+          <a:fontRef idx="none"/>
+        </p:style>
+      </p:cxnSp>
+      <p:sp>
+        <p:nvSpPr>
+          <p:cNvPr id="54" name="Shape 124">
+            <a:extLst>
+              <a:ext uri="{FF2B5EF4-FFF2-40B4-BE49-F238E27FC236}">
+                <a16:creationId xmlns:a16="http://schemas.microsoft.com/office/drawing/2014/main" id="{37B9B3B9-ABCD-E34E-8D62-2D3812D18A29}"/>
+              </a:ext>
+            </a:extLst>
+          </p:cNvPr>
+          <p:cNvSpPr/>
+          <p:nvPr/>
+        </p:nvSpPr>
+        <p:spPr>
+          <a:xfrm>
+            <a:off x="1081421" y="2822012"/>
+            <a:ext cx="921933" cy="416988"/>
+          </a:xfrm>
+          <a:prstGeom prst="rect">
+            <a:avLst/>
+          </a:prstGeom>
+          <a:ln w="12700">
+            <a:miter lim="400000"/>
+          </a:ln>
+          <a:extLst>
+            <a:ext uri="{C572A759-6A51-4108-AA02-DFA0A04FC94B}">
+              <ma14:wrappingTextBoxFlag xmlns="" xmlns:ma14="http://schemas.microsoft.com/office/mac/drawingml/2011/main" val="1"/>
+            </a:ext>
+          </a:extLst>
+        </p:spPr>
+        <p:txBody>
+          <a:bodyPr lIns="50800" tIns="50800" rIns="50800" bIns="50800" anchor="ctr"/>
+          <a:lstStyle>
+            <a:lvl1pPr>
+              <a:spcBef>
+                <a:spcPts val="4200"/>
+              </a:spcBef>
+              <a:defRPr sz="1800">
+                <a:latin typeface="Helvetica"/>
+                <a:ea typeface="Helvetica"/>
+                <a:cs typeface="Helvetica"/>
+                <a:sym typeface="Helvetica"/>
+              </a:defRPr>
+            </a:lvl1pPr>
+          </a:lstStyle>
+          <a:p>
+            <a:r>
+              <a:t>Sensor</a:t>
+            </a:r>
+          </a:p>
+        </p:txBody>
+      </p:sp>
+      <p:sp>
+        <p:nvSpPr>
+          <p:cNvPr id="55" name="Shape 125">
+            <a:extLst>
+              <a:ext uri="{FF2B5EF4-FFF2-40B4-BE49-F238E27FC236}">
+                <a16:creationId xmlns:a16="http://schemas.microsoft.com/office/drawing/2014/main" id="{4F61E78B-0BB1-8A4E-9171-08318D0C3C37}"/>
+              </a:ext>
+            </a:extLst>
+          </p:cNvPr>
+          <p:cNvSpPr/>
+          <p:nvPr/>
+        </p:nvSpPr>
+        <p:spPr>
+          <a:xfrm>
+            <a:off x="1110680" y="354515"/>
+            <a:ext cx="894303" cy="416988"/>
+          </a:xfrm>
+          <a:prstGeom prst="rect">
+            <a:avLst/>
+          </a:prstGeom>
+          <a:ln w="12700">
+            <a:miter lim="400000"/>
+          </a:ln>
+          <a:extLst>
+            <a:ext uri="{C572A759-6A51-4108-AA02-DFA0A04FC94B}">
+              <ma14:wrappingTextBoxFlag xmlns="" xmlns:ma14="http://schemas.microsoft.com/office/mac/drawingml/2011/main" val="1"/>
+            </a:ext>
+          </a:extLst>
+        </p:spPr>
+        <p:txBody>
+          <a:bodyPr lIns="50800" tIns="50800" rIns="50800" bIns="50800" anchor="ctr"/>
+          <a:lstStyle>
+            <a:lvl1pPr>
+              <a:spcBef>
+                <a:spcPts val="4200"/>
+              </a:spcBef>
+              <a:defRPr sz="1800">
+                <a:latin typeface="Helvetica"/>
+                <a:ea typeface="Helvetica"/>
+                <a:cs typeface="Helvetica"/>
+                <a:sym typeface="Helvetica"/>
+              </a:defRPr>
+            </a:lvl1pPr>
+          </a:lstStyle>
+          <a:p>
+            <a:r>
+              <a:t>Device</a:t>
+            </a:r>
+          </a:p>
+        </p:txBody>
+      </p:sp>
+      <p:grpSp>
+        <p:nvGrpSpPr>
+          <p:cNvPr id="56" name="Group 139">
+            <a:extLst>
+              <a:ext uri="{FF2B5EF4-FFF2-40B4-BE49-F238E27FC236}">
+                <a16:creationId xmlns:a16="http://schemas.microsoft.com/office/drawing/2014/main" id="{FB2A5AC2-B7A0-9A4C-8D5D-EF632C712BB7}"/>
+              </a:ext>
+            </a:extLst>
+          </p:cNvPr>
+          <p:cNvGrpSpPr/>
+          <p:nvPr/>
+        </p:nvGrpSpPr>
+        <p:grpSpPr>
+          <a:xfrm>
+            <a:off x="1013806" y="1991574"/>
+            <a:ext cx="313706" cy="386100"/>
+            <a:chOff x="0" y="0"/>
+            <a:chExt cx="313705" cy="386098"/>
+          </a:xfrm>
+        </p:grpSpPr>
+        <p:sp>
+          <p:nvSpPr>
+            <p:cNvPr id="57" name="Shape 137">
+              <a:extLst>
+                <a:ext uri="{FF2B5EF4-FFF2-40B4-BE49-F238E27FC236}">
+                  <a16:creationId xmlns:a16="http://schemas.microsoft.com/office/drawing/2014/main" id="{16F57DBE-362A-7D4C-8DEB-16CE487EB764}"/>
+                </a:ext>
+              </a:extLst>
+            </p:cNvPr>
+            <p:cNvSpPr/>
+            <p:nvPr/>
+          </p:nvSpPr>
+          <p:spPr>
+            <a:xfrm>
+              <a:off x="0" y="36196"/>
+              <a:ext cx="313706" cy="313707"/>
+            </a:xfrm>
+            <a:prstGeom prst="ellipse">
+              <a:avLst/>
+            </a:prstGeom>
+            <a:ln/>
+          </p:spPr>
+          <p:style>
+            <a:lnRef idx="2">
+              <a:schemeClr val="accent1">
+                <a:shade val="50000"/>
+              </a:schemeClr>
+            </a:lnRef>
+            <a:fillRef idx="1">
+              <a:schemeClr val="accent1"/>
+            </a:fillRef>
+            <a:effectRef idx="0">
+              <a:schemeClr val="accent1"/>
+            </a:effectRef>
+            <a:fontRef idx="minor">
+              <a:schemeClr val="lt1"/>
+            </a:fontRef>
+          </p:style>
+          <p:txBody>
+            <a:bodyPr wrap="square" lIns="50800" tIns="50800" rIns="50800" bIns="50800" numCol="1" anchor="ctr">
+              <a:noAutofit/>
+            </a:bodyPr>
+            <a:lstStyle/>
+            <a:p>
+              <a:pPr>
+                <a:defRPr sz="1000" b="1">
+                  <a:solidFill>
+                    <a:srgbClr val="FFFFFF"/>
+                  </a:solidFill>
+                  <a:latin typeface="Helvetica"/>
+                  <a:ea typeface="Helvetica"/>
+                  <a:cs typeface="Helvetica"/>
+                  <a:sym typeface="Helvetica"/>
+                </a:defRPr>
+              </a:pPr>
+              <a:endParaRPr/>
+            </a:p>
+          </p:txBody>
+        </p:sp>
+        <p:sp>
+          <p:nvSpPr>
+            <p:cNvPr id="58" name="Shape 138">
+              <a:extLst>
+                <a:ext uri="{FF2B5EF4-FFF2-40B4-BE49-F238E27FC236}">
+                  <a16:creationId xmlns:a16="http://schemas.microsoft.com/office/drawing/2014/main" id="{67AF445F-BD27-2B4A-BF34-E8DF293C771F}"/>
+                </a:ext>
+              </a:extLst>
+            </p:cNvPr>
+            <p:cNvSpPr/>
+            <p:nvPr/>
+          </p:nvSpPr>
+          <p:spPr>
+            <a:xfrm>
+              <a:off x="27230" y="0"/>
+              <a:ext cx="259245" cy="386099"/>
+            </a:xfrm>
+            <a:prstGeom prst="rect">
+              <a:avLst/>
+            </a:prstGeom>
+            <a:noFill/>
+            <a:ln w="12700" cap="flat">
+              <a:noFill/>
+              <a:miter lim="400000"/>
+            </a:ln>
+            <a:effectLst/>
+            <a:extLst>
+              <a:ext uri="{C572A759-6A51-4108-AA02-DFA0A04FC94B}">
+                <ma14:wrappingTextBoxFlag xmlns="" xmlns:ma14="http://schemas.microsoft.com/office/mac/drawingml/2011/main" val="1"/>
+              </a:ext>
+            </a:extLst>
+          </p:spPr>
+          <p:txBody>
+            <a:bodyPr wrap="square" lIns="50800" tIns="50800" rIns="50800" bIns="50800" numCol="1" anchor="ctr">
+              <a:noAutofit/>
+            </a:bodyPr>
+            <a:lstStyle>
+              <a:lvl1pPr>
+                <a:defRPr sz="1500" b="1">
+                  <a:solidFill>
+                    <a:srgbClr val="FFFFFF"/>
+                  </a:solidFill>
+                  <a:latin typeface="Helvetica"/>
+                  <a:ea typeface="Helvetica"/>
+                  <a:cs typeface="Helvetica"/>
+                  <a:sym typeface="Helvetica"/>
+                </a:defRPr>
+              </a:lvl1pPr>
+            </a:lstStyle>
+            <a:p>
+              <a:r>
+                <a:t>1</a:t>
+              </a:r>
+            </a:p>
+          </p:txBody>
+        </p:sp>
+      </p:grpSp>
+      <p:pic>
+        <p:nvPicPr>
+          <p:cNvPr id="59" name="Graphic 58">
+            <a:extLst>
+              <a:ext uri="{FF2B5EF4-FFF2-40B4-BE49-F238E27FC236}">
+                <a16:creationId xmlns:a16="http://schemas.microsoft.com/office/drawing/2014/main" id="{0460D933-63D1-9E48-8463-67B282CE95B2}"/>
+              </a:ext>
+            </a:extLst>
+          </p:cNvPr>
+          <p:cNvPicPr>
+            <a:picLocks noChangeAspect="1"/>
+          </p:cNvPicPr>
+          <p:nvPr/>
+        </p:nvPicPr>
+        <p:blipFill>
+          <a:blip r:embed="rId2">
+            <a:extLst>
+              <a:ext uri="{96DAC541-7B7A-43D3-8B79-37D633B846F1}">
+                <asvg:svgBlip xmlns:asvg="http://schemas.microsoft.com/office/drawing/2016/SVG/main" xmlns="" r:embed="rId3"/>
+              </a:ext>
+            </a:extLst>
+          </a:blip>
+          <a:stretch>
+            <a:fillRect/>
+          </a:stretch>
+        </p:blipFill>
+        <p:spPr>
+          <a:xfrm>
+            <a:off x="1043310" y="860641"/>
+            <a:ext cx="1005840" cy="1005840"/>
+          </a:xfrm>
+          <a:prstGeom prst="rect">
+            <a:avLst/>
+          </a:prstGeom>
+        </p:spPr>
+      </p:pic>
+      <p:pic>
+        <p:nvPicPr>
+          <p:cNvPr id="60" name="Graphic 59">
+            <a:extLst>
+              <a:ext uri="{FF2B5EF4-FFF2-40B4-BE49-F238E27FC236}">
+                <a16:creationId xmlns:a16="http://schemas.microsoft.com/office/drawing/2014/main" id="{C2BDA4D1-88C3-AF45-904A-3578627704B1}"/>
+              </a:ext>
+            </a:extLst>
+          </p:cNvPr>
+          <p:cNvPicPr>
+            <a:picLocks noChangeAspect="1"/>
+          </p:cNvPicPr>
+          <p:nvPr/>
+        </p:nvPicPr>
+        <p:blipFill rotWithShape="1">
+          <a:blip r:embed="rId4">
+            <a:extLst>
+              <a:ext uri="{96DAC541-7B7A-43D3-8B79-37D633B846F1}">
+                <asvg:svgBlip xmlns:asvg="http://schemas.microsoft.com/office/drawing/2016/SVG/main" xmlns="" r:embed="rId5"/>
+              </a:ext>
+            </a:extLst>
+          </a:blip>
+          <a:srcRect t="69927"/>
+          <a:stretch/>
+        </p:blipFill>
+        <p:spPr>
+          <a:xfrm>
+            <a:off x="938115" y="2456252"/>
+            <a:ext cx="1216231" cy="365760"/>
+          </a:xfrm>
+          <a:prstGeom prst="rect">
+            <a:avLst/>
+          </a:prstGeom>
+        </p:spPr>
+      </p:pic>
+      <p:cxnSp>
+        <p:nvCxnSpPr>
+          <p:cNvPr id="61" name="Straight Connector 60">
+            <a:extLst>
+              <a:ext uri="{FF2B5EF4-FFF2-40B4-BE49-F238E27FC236}">
+                <a16:creationId xmlns:a16="http://schemas.microsoft.com/office/drawing/2014/main" id="{6B06A4B3-AEE6-284A-8BFD-E935D795E6E0}"/>
+              </a:ext>
+            </a:extLst>
+          </p:cNvPr>
+          <p:cNvCxnSpPr>
+            <a:stCxn id="59" idx="2"/>
+            <a:endCxn id="60" idx="0"/>
+          </p:cNvCxnSpPr>
+          <p:nvPr/>
+        </p:nvCxnSpPr>
+        <p:spPr>
+          <a:xfrm>
+            <a:off x="1546230" y="1866481"/>
+            <a:ext cx="1" cy="589771"/>
+          </a:xfrm>
+          <a:prstGeom prst="line">
+            <a:avLst/>
+          </a:prstGeom>
+          <a:noFill/>
+          <a:ln w="38100" cap="flat">
+            <a:solidFill>
+              <a:srgbClr val="000000"/>
+            </a:solidFill>
+            <a:prstDash val="solid"/>
+            <a:miter lim="400000"/>
+          </a:ln>
+          <a:effectLst/>
+          <a:sp3d/>
+        </p:spPr>
+        <p:style>
+          <a:lnRef idx="0">
+            <a:scrgbClr r="0" g="0" b="0"/>
+          </a:lnRef>
+          <a:fillRef idx="0">
+            <a:scrgbClr r="0" g="0" b="0"/>
+          </a:fillRef>
+          <a:effectRef idx="0">
+            <a:scrgbClr r="0" g="0" b="0"/>
+          </a:effectRef>
+          <a:fontRef idx="none"/>
+        </p:style>
+      </p:cxnSp>
+      <p:sp>
+        <p:nvSpPr>
+          <p:cNvPr id="62" name="Shape 120">
+            <a:extLst>
+              <a:ext uri="{FF2B5EF4-FFF2-40B4-BE49-F238E27FC236}">
+                <a16:creationId xmlns:a16="http://schemas.microsoft.com/office/drawing/2014/main" id="{D0D74435-DE74-DF49-80C5-CDB51F075F6C}"/>
+              </a:ext>
+            </a:extLst>
+          </p:cNvPr>
+          <p:cNvSpPr/>
+          <p:nvPr/>
+        </p:nvSpPr>
+        <p:spPr>
+          <a:xfrm flipH="1" flipV="1">
+            <a:off x="2157417" y="1363560"/>
+            <a:ext cx="2156128" cy="1"/>
+          </a:xfrm>
+          <a:prstGeom prst="line">
+            <a:avLst/>
+          </a:prstGeom>
+          <a:ln w="50800">
+            <a:solidFill>
+              <a:srgbClr val="000000"/>
+            </a:solidFill>
+            <a:miter lim="400000"/>
+            <a:headEnd type="stealth"/>
+          </a:ln>
+        </p:spPr>
+        <p:txBody>
+          <a:bodyPr lIns="50800" tIns="50800" rIns="50800" bIns="50800" anchor="ctr"/>
+          <a:lstStyle/>
+          <a:p>
+            <a:pPr>
+              <a:defRPr sz="2400"/>
+            </a:pPr>
+            <a:endParaRPr/>
+          </a:p>
+        </p:txBody>
+      </p:sp>
+      <p:sp>
+        <p:nvSpPr>
+          <p:cNvPr id="63" name="Shape 128">
+            <a:extLst>
+              <a:ext uri="{FF2B5EF4-FFF2-40B4-BE49-F238E27FC236}">
+                <a16:creationId xmlns:a16="http://schemas.microsoft.com/office/drawing/2014/main" id="{BE92C6D3-61A0-0841-9263-45F25835FD95}"/>
+              </a:ext>
+            </a:extLst>
+          </p:cNvPr>
+          <p:cNvSpPr/>
+          <p:nvPr/>
+        </p:nvSpPr>
+        <p:spPr>
+          <a:xfrm>
+            <a:off x="2733034" y="1456224"/>
+            <a:ext cx="818862" cy="339768"/>
+          </a:xfrm>
+          <a:prstGeom prst="rect">
+            <a:avLst/>
+          </a:prstGeom>
+          <a:ln w="12700">
+            <a:miter lim="400000"/>
+          </a:ln>
+          <a:extLst>
+            <a:ext uri="{C572A759-6A51-4108-AA02-DFA0A04FC94B}">
+              <ma14:wrappingTextBoxFlag xmlns="" xmlns:ma14="http://schemas.microsoft.com/office/mac/drawingml/2011/main" val="1"/>
+            </a:ext>
+          </a:extLst>
+        </p:spPr>
+        <p:txBody>
+          <a:bodyPr lIns="50800" tIns="50800" rIns="50800" bIns="50800" anchor="ctr"/>
+          <a:lstStyle>
+            <a:lvl1pPr>
+              <a:spcBef>
+                <a:spcPts val="4200"/>
+              </a:spcBef>
+              <a:defRPr sz="1400">
+                <a:latin typeface="Helvetica"/>
+                <a:ea typeface="Helvetica"/>
+                <a:cs typeface="Helvetica"/>
+                <a:sym typeface="Helvetica"/>
+              </a:defRPr>
+            </a:lvl1pPr>
+          </a:lstStyle>
+          <a:p>
+            <a:r>
+              <a:t>Protocol</a:t>
+            </a:r>
+          </a:p>
+        </p:txBody>
+      </p:sp>
+      <p:sp>
+        <p:nvSpPr>
+          <p:cNvPr id="64" name="Shape 129">
+            <a:extLst>
+              <a:ext uri="{FF2B5EF4-FFF2-40B4-BE49-F238E27FC236}">
+                <a16:creationId xmlns:a16="http://schemas.microsoft.com/office/drawing/2014/main" id="{7FD39937-BB46-674A-AE8F-9EE4C2A10601}"/>
+              </a:ext>
+            </a:extLst>
+          </p:cNvPr>
+          <p:cNvSpPr/>
+          <p:nvPr/>
+        </p:nvSpPr>
+        <p:spPr>
+          <a:xfrm>
+            <a:off x="4330865" y="1168098"/>
+            <a:ext cx="390926" cy="390926"/>
+          </a:xfrm>
+          <a:prstGeom prst="ellipse">
+            <a:avLst/>
+          </a:prstGeom>
+          <a:solidFill>
+            <a:schemeClr val="tx1">
+              <a:lumMod val="75000"/>
+              <a:lumOff val="25000"/>
+            </a:schemeClr>
+          </a:solidFill>
+          <a:ln w="12700">
+            <a:noFill/>
+            <a:miter lim="400000"/>
+          </a:ln>
+        </p:spPr>
+        <p:txBody>
+          <a:bodyPr lIns="50800" tIns="50800" rIns="50800" bIns="50800" anchor="ctr"/>
+          <a:lstStyle/>
+          <a:p>
+            <a:pPr>
+              <a:defRPr sz="2400">
+                <a:solidFill>
+                  <a:srgbClr val="FFFFFF"/>
+                </a:solidFill>
+              </a:defRPr>
+            </a:pPr>
+            <a:endParaRPr/>
+          </a:p>
+        </p:txBody>
+      </p:sp>
+      <p:grpSp>
+        <p:nvGrpSpPr>
+          <p:cNvPr id="65" name="Group 135">
+            <a:extLst>
+              <a:ext uri="{FF2B5EF4-FFF2-40B4-BE49-F238E27FC236}">
+                <a16:creationId xmlns:a16="http://schemas.microsoft.com/office/drawing/2014/main" id="{2286ED4F-9D1D-5942-B4E5-99216998D953}"/>
+              </a:ext>
+            </a:extLst>
+          </p:cNvPr>
+          <p:cNvGrpSpPr/>
+          <p:nvPr/>
+        </p:nvGrpSpPr>
+        <p:grpSpPr>
+          <a:xfrm>
+            <a:off x="2427216" y="1035616"/>
+            <a:ext cx="382033" cy="253092"/>
+            <a:chOff x="0" y="0"/>
+            <a:chExt cx="382032" cy="253090"/>
+          </a:xfrm>
+          <a:solidFill>
+            <a:schemeClr val="tx1">
+              <a:lumMod val="75000"/>
+              <a:lumOff val="25000"/>
+            </a:schemeClr>
+          </a:solidFill>
+        </p:grpSpPr>
+        <p:sp>
+          <p:nvSpPr>
+            <p:cNvPr id="66" name="Shape 132">
+              <a:extLst>
+                <a:ext uri="{FF2B5EF4-FFF2-40B4-BE49-F238E27FC236}">
+                  <a16:creationId xmlns:a16="http://schemas.microsoft.com/office/drawing/2014/main" id="{BA6EDD1C-8BD9-C248-A24B-9CD97C8BD266}"/>
+                </a:ext>
+              </a:extLst>
+            </p:cNvPr>
+            <p:cNvSpPr/>
+            <p:nvPr/>
+          </p:nvSpPr>
+          <p:spPr>
+            <a:xfrm>
+              <a:off x="1816" y="0"/>
+              <a:ext cx="379416" cy="253091"/>
+            </a:xfrm>
+            <a:prstGeom prst="rect">
+              <a:avLst/>
+            </a:prstGeom>
+            <a:grpFill/>
+            <a:ln w="12700" cap="flat">
+              <a:noFill/>
+              <a:miter lim="400000"/>
+            </a:ln>
+            <a:effectLst/>
+          </p:spPr>
+          <p:txBody>
+            <a:bodyPr wrap="square" lIns="50800" tIns="50800" rIns="50800" bIns="50800" numCol="1" anchor="ctr">
+              <a:noAutofit/>
+            </a:bodyPr>
+            <a:lstStyle/>
+            <a:p>
+              <a:pPr>
+                <a:defRPr sz="2400">
+                  <a:solidFill>
+                    <a:srgbClr val="FFFFFF"/>
+                  </a:solidFill>
+                </a:defRPr>
+              </a:pPr>
+              <a:endParaRPr/>
+            </a:p>
+          </p:txBody>
+        </p:sp>
+        <p:sp>
+          <p:nvSpPr>
+            <p:cNvPr id="75" name="Shape 133">
+              <a:extLst>
+                <a:ext uri="{FF2B5EF4-FFF2-40B4-BE49-F238E27FC236}">
+                  <a16:creationId xmlns:a16="http://schemas.microsoft.com/office/drawing/2014/main" id="{86C3C6C5-80DC-7E4F-A857-A4F346EB9711}"/>
+                </a:ext>
+              </a:extLst>
+            </p:cNvPr>
+            <p:cNvSpPr/>
+            <p:nvPr/>
+          </p:nvSpPr>
+          <p:spPr>
+            <a:xfrm flipV="1">
+              <a:off x="198113" y="4121"/>
+              <a:ext cx="183920" cy="117762"/>
+            </a:xfrm>
+            <a:prstGeom prst="line">
+              <a:avLst/>
+            </a:prstGeom>
+            <a:grpFill/>
+            <a:ln w="12700" cap="flat">
+              <a:solidFill>
+                <a:srgbClr val="FFFFFF"/>
+              </a:solidFill>
+              <a:prstDash val="solid"/>
+              <a:miter lim="400000"/>
+            </a:ln>
+            <a:effectLst/>
+          </p:spPr>
+          <p:txBody>
+            <a:bodyPr wrap="square" lIns="50800" tIns="50800" rIns="50800" bIns="50800" numCol="1" anchor="ctr">
+              <a:noAutofit/>
+            </a:bodyPr>
+            <a:lstStyle/>
+            <a:p>
+              <a:pPr>
+                <a:defRPr sz="2400"/>
+              </a:pPr>
+              <a:endParaRPr/>
+            </a:p>
+          </p:txBody>
+        </p:sp>
+        <p:sp>
+          <p:nvSpPr>
+            <p:cNvPr id="76" name="Shape 134">
+              <a:extLst>
+                <a:ext uri="{FF2B5EF4-FFF2-40B4-BE49-F238E27FC236}">
+                  <a16:creationId xmlns:a16="http://schemas.microsoft.com/office/drawing/2014/main" id="{EBF07617-A590-434F-ACCB-4424BEEC01EE}"/>
+                </a:ext>
+              </a:extLst>
+            </p:cNvPr>
+            <p:cNvSpPr/>
+            <p:nvPr/>
+          </p:nvSpPr>
+          <p:spPr>
+            <a:xfrm flipH="1" flipV="1">
+              <a:off x="0" y="4012"/>
+              <a:ext cx="200712" cy="117871"/>
+            </a:xfrm>
+            <a:prstGeom prst="line">
+              <a:avLst/>
+            </a:prstGeom>
+            <a:grpFill/>
+            <a:ln w="12700" cap="flat">
+              <a:solidFill>
+                <a:srgbClr val="FFFFFF"/>
+              </a:solidFill>
+              <a:prstDash val="solid"/>
+              <a:miter lim="400000"/>
+            </a:ln>
+            <a:effectLst/>
+          </p:spPr>
+          <p:txBody>
+            <a:bodyPr wrap="square" lIns="50800" tIns="50800" rIns="50800" bIns="50800" numCol="1" anchor="ctr">
+              <a:noAutofit/>
+            </a:bodyPr>
+            <a:lstStyle/>
+            <a:p>
+              <a:pPr>
+                <a:defRPr sz="2400"/>
+              </a:pPr>
+              <a:endParaRPr/>
+            </a:p>
+          </p:txBody>
+        </p:sp>
+      </p:grpSp>
+      <p:sp>
+        <p:nvSpPr>
+          <p:cNvPr id="77" name="Shape 136">
+            <a:extLst>
+              <a:ext uri="{FF2B5EF4-FFF2-40B4-BE49-F238E27FC236}">
+                <a16:creationId xmlns:a16="http://schemas.microsoft.com/office/drawing/2014/main" id="{A82E9075-F908-234B-B164-54F8690CEF84}"/>
+              </a:ext>
+            </a:extLst>
+          </p:cNvPr>
+          <p:cNvSpPr/>
+          <p:nvPr/>
+        </p:nvSpPr>
+        <p:spPr>
+          <a:xfrm>
+            <a:off x="2172740" y="699184"/>
+            <a:ext cx="890985" cy="339768"/>
+          </a:xfrm>
+          <a:prstGeom prst="rect">
+            <a:avLst/>
+          </a:prstGeom>
+          <a:ln w="12700">
+            <a:miter lim="400000"/>
+          </a:ln>
+          <a:extLst>
+            <a:ext uri="{C572A759-6A51-4108-AA02-DFA0A04FC94B}">
+              <ma14:wrappingTextBoxFlag xmlns="" xmlns:ma14="http://schemas.microsoft.com/office/mac/drawingml/2011/main" val="1"/>
+            </a:ext>
+          </a:extLst>
+        </p:spPr>
+        <p:txBody>
+          <a:bodyPr lIns="50800" tIns="50800" rIns="50800" bIns="50800" anchor="ctr"/>
+          <a:lstStyle>
+            <a:lvl1pPr>
+              <a:spcBef>
+                <a:spcPts val="4200"/>
+              </a:spcBef>
+              <a:defRPr sz="1400">
+                <a:latin typeface="Helvetica"/>
+                <a:ea typeface="Helvetica"/>
+                <a:cs typeface="Helvetica"/>
+                <a:sym typeface="Helvetica"/>
+              </a:defRPr>
+            </a:lvl1pPr>
+          </a:lstStyle>
+          <a:p>
+            <a:r>
+              <a:rPr dirty="0"/>
+              <a:t>Message</a:t>
+            </a:r>
+          </a:p>
+        </p:txBody>
+      </p:sp>
+      <p:grpSp>
+        <p:nvGrpSpPr>
+          <p:cNvPr id="78" name="Group 142">
+            <a:extLst>
+              <a:ext uri="{FF2B5EF4-FFF2-40B4-BE49-F238E27FC236}">
+                <a16:creationId xmlns:a16="http://schemas.microsoft.com/office/drawing/2014/main" id="{71BA4D59-3F04-FB41-A2BF-8FA153EACE92}"/>
+              </a:ext>
+            </a:extLst>
+          </p:cNvPr>
+          <p:cNvGrpSpPr/>
+          <p:nvPr/>
+        </p:nvGrpSpPr>
+        <p:grpSpPr>
+          <a:xfrm>
+            <a:off x="3074430" y="676018"/>
+            <a:ext cx="313706" cy="386100"/>
+            <a:chOff x="0" y="0"/>
+            <a:chExt cx="313705" cy="386098"/>
+          </a:xfrm>
+        </p:grpSpPr>
+        <p:sp>
+          <p:nvSpPr>
+            <p:cNvPr id="79" name="Shape 140">
+              <a:extLst>
+                <a:ext uri="{FF2B5EF4-FFF2-40B4-BE49-F238E27FC236}">
+                  <a16:creationId xmlns:a16="http://schemas.microsoft.com/office/drawing/2014/main" id="{39B46D21-1091-3246-8F9B-41CDE12C89CB}"/>
+                </a:ext>
+              </a:extLst>
+            </p:cNvPr>
+            <p:cNvSpPr/>
+            <p:nvPr/>
+          </p:nvSpPr>
+          <p:spPr>
+            <a:xfrm>
+              <a:off x="0" y="36196"/>
+              <a:ext cx="313706" cy="313707"/>
+            </a:xfrm>
+            <a:prstGeom prst="ellipse">
+              <a:avLst/>
+            </a:prstGeom>
+            <a:ln/>
+          </p:spPr>
+          <p:style>
+            <a:lnRef idx="2">
+              <a:schemeClr val="accent1">
+                <a:shade val="50000"/>
+              </a:schemeClr>
+            </a:lnRef>
+            <a:fillRef idx="1">
+              <a:schemeClr val="accent1"/>
+            </a:fillRef>
+            <a:effectRef idx="0">
+              <a:schemeClr val="accent1"/>
+            </a:effectRef>
+            <a:fontRef idx="minor">
+              <a:schemeClr val="lt1"/>
+            </a:fontRef>
+          </p:style>
+          <p:txBody>
+            <a:bodyPr wrap="square" lIns="50800" tIns="50800" rIns="50800" bIns="50800" numCol="1" anchor="ctr">
+              <a:noAutofit/>
+            </a:bodyPr>
+            <a:lstStyle/>
+            <a:p>
+              <a:pPr>
+                <a:defRPr sz="1000" b="1">
+                  <a:solidFill>
+                    <a:srgbClr val="FFFFFF"/>
+                  </a:solidFill>
+                  <a:latin typeface="Helvetica"/>
+                  <a:ea typeface="Helvetica"/>
+                  <a:cs typeface="Helvetica"/>
+                  <a:sym typeface="Helvetica"/>
+                </a:defRPr>
+              </a:pPr>
+              <a:endParaRPr/>
+            </a:p>
+          </p:txBody>
+        </p:sp>
+        <p:sp>
+          <p:nvSpPr>
+            <p:cNvPr id="86" name="Shape 141">
+              <a:extLst>
+                <a:ext uri="{FF2B5EF4-FFF2-40B4-BE49-F238E27FC236}">
+                  <a16:creationId xmlns:a16="http://schemas.microsoft.com/office/drawing/2014/main" id="{5BFCE026-B2B4-9F45-BB60-A740C5E6E828}"/>
+                </a:ext>
+              </a:extLst>
+            </p:cNvPr>
+            <p:cNvSpPr/>
+            <p:nvPr/>
+          </p:nvSpPr>
+          <p:spPr>
+            <a:xfrm>
+              <a:off x="27230" y="0"/>
+              <a:ext cx="259245" cy="386099"/>
+            </a:xfrm>
+            <a:prstGeom prst="rect">
+              <a:avLst/>
+            </a:prstGeom>
+            <a:noFill/>
+            <a:ln w="12700" cap="flat">
+              <a:noFill/>
+              <a:miter lim="400000"/>
+            </a:ln>
+            <a:effectLst/>
+            <a:extLst>
+              <a:ext uri="{C572A759-6A51-4108-AA02-DFA0A04FC94B}">
+                <ma14:wrappingTextBoxFlag xmlns="" xmlns:ma14="http://schemas.microsoft.com/office/mac/drawingml/2011/main" val="1"/>
+              </a:ext>
+            </a:extLst>
+          </p:spPr>
+          <p:txBody>
+            <a:bodyPr wrap="square" lIns="50800" tIns="50800" rIns="50800" bIns="50800" numCol="1" anchor="ctr">
+              <a:noAutofit/>
+            </a:bodyPr>
+            <a:lstStyle>
+              <a:lvl1pPr>
+                <a:defRPr sz="1500" b="1">
+                  <a:solidFill>
+                    <a:srgbClr val="FFFFFF"/>
+                  </a:solidFill>
+                  <a:latin typeface="Helvetica"/>
+                  <a:ea typeface="Helvetica"/>
+                  <a:cs typeface="Helvetica"/>
+                  <a:sym typeface="Helvetica"/>
+                </a:defRPr>
+              </a:lvl1pPr>
+            </a:lstStyle>
+            <a:p>
+              <a:r>
+                <a:t>2</a:t>
+              </a:r>
+            </a:p>
+          </p:txBody>
+        </p:sp>
+      </p:grpSp>
+      <p:pic>
+        <p:nvPicPr>
+          <p:cNvPr id="91" name="Graphic 90">
+            <a:extLst>
+              <a:ext uri="{FF2B5EF4-FFF2-40B4-BE49-F238E27FC236}">
+                <a16:creationId xmlns:a16="http://schemas.microsoft.com/office/drawing/2014/main" id="{0F5FC392-7F62-8546-AD62-3342F4129FF9}"/>
+              </a:ext>
+            </a:extLst>
+          </p:cNvPr>
+          <p:cNvPicPr>
+            <a:picLocks noChangeAspect="1"/>
+          </p:cNvPicPr>
+          <p:nvPr/>
+        </p:nvPicPr>
+        <p:blipFill rotWithShape="1">
+          <a:blip r:embed="rId6">
+            <a:extLst>
+              <a:ext uri="{96DAC541-7B7A-43D3-8B79-37D633B846F1}">
+                <asvg:svgBlip xmlns:asvg="http://schemas.microsoft.com/office/drawing/2016/SVG/main" xmlns="" r:embed="rId7"/>
+              </a:ext>
+            </a:extLst>
+          </a:blip>
+          <a:srcRect l="9959" t="5480" r="10321" b="8525"/>
+          <a:stretch/>
+        </p:blipFill>
+        <p:spPr>
+          <a:xfrm rot="5400000">
+            <a:off x="4901574" y="867543"/>
+            <a:ext cx="979846" cy="1056970"/>
+          </a:xfrm>
+          <a:prstGeom prst="rect">
+            <a:avLst/>
+          </a:prstGeom>
+        </p:spPr>
+      </p:pic>
+      <p:sp>
+        <p:nvSpPr>
+          <p:cNvPr id="136" name="Shape 136"/>
+          <p:cNvSpPr/>
+          <p:nvPr/>
+        </p:nvSpPr>
+        <p:spPr>
+          <a:xfrm>
+            <a:off x="4946005" y="1652792"/>
+            <a:ext cx="890985" cy="339768"/>
+          </a:xfrm>
+          <a:prstGeom prst="rect">
+            <a:avLst/>
+          </a:prstGeom>
+          <a:ln w="12700">
+            <a:miter lim="400000"/>
+          </a:ln>
+          <a:extLst>
+            <a:ext uri="{C572A759-6A51-4108-AA02-DFA0A04FC94B}">
+              <ma14:wrappingTextBoxFlag xmlns="" xmlns:ma14="http://schemas.microsoft.com/office/mac/drawingml/2011/main" val="1"/>
+            </a:ext>
+          </a:extLst>
+        </p:spPr>
+        <p:txBody>
+          <a:bodyPr lIns="50800" tIns="50800" rIns="50800" bIns="50800" anchor="ctr"/>
+          <a:lstStyle>
+            <a:lvl1pPr>
+              <a:spcBef>
+                <a:spcPts val="4200"/>
+              </a:spcBef>
+              <a:defRPr sz="1400">
+                <a:latin typeface="Helvetica"/>
+                <a:ea typeface="Helvetica"/>
+                <a:cs typeface="Helvetica"/>
+                <a:sym typeface="Helvetica"/>
+              </a:defRPr>
+            </a:lvl1pPr>
+          </a:lstStyle>
+          <a:p>
+            <a:r>
+              <a:rPr lang="en-US" dirty="0"/>
+              <a:t>Rules</a:t>
+            </a:r>
+            <a:endParaRPr dirty="0"/>
+          </a:p>
+        </p:txBody>
+      </p:sp>
+      <p:pic>
+        <p:nvPicPr>
+          <p:cNvPr id="92" name="Graphic 91">
+            <a:extLst>
+              <a:ext uri="{FF2B5EF4-FFF2-40B4-BE49-F238E27FC236}">
+                <a16:creationId xmlns:a16="http://schemas.microsoft.com/office/drawing/2014/main" id="{DCF83EE3-E580-3C4F-AEF1-A780CAF5903F}"/>
+              </a:ext>
+            </a:extLst>
+          </p:cNvPr>
+          <p:cNvPicPr>
+            <a:picLocks noChangeAspect="1"/>
+          </p:cNvPicPr>
+          <p:nvPr/>
+        </p:nvPicPr>
+        <p:blipFill rotWithShape="1">
+          <a:blip r:embed="rId8">
+            <a:extLst>
+              <a:ext uri="{96DAC541-7B7A-43D3-8B79-37D633B846F1}">
+                <asvg:svgBlip xmlns:asvg="http://schemas.microsoft.com/office/drawing/2016/SVG/main" xmlns="" r:embed="rId9"/>
+              </a:ext>
+            </a:extLst>
+          </a:blip>
+          <a:srcRect l="7149" t="5848" r="4687" b="3008"/>
+          <a:stretch/>
+        </p:blipFill>
+        <p:spPr>
+          <a:xfrm>
+            <a:off x="6231603" y="1456224"/>
+            <a:ext cx="503853" cy="520888"/>
+          </a:xfrm>
+          <a:prstGeom prst="rect">
+            <a:avLst/>
+          </a:prstGeom>
+        </p:spPr>
+      </p:pic>
+      <p:pic>
+        <p:nvPicPr>
+          <p:cNvPr id="94" name="Graphic 93">
+            <a:extLst>
+              <a:ext uri="{FF2B5EF4-FFF2-40B4-BE49-F238E27FC236}">
+                <a16:creationId xmlns:a16="http://schemas.microsoft.com/office/drawing/2014/main" id="{539A6ADF-FE54-B341-A80A-EF1D2FF79B15}"/>
+              </a:ext>
+            </a:extLst>
+          </p:cNvPr>
+          <p:cNvPicPr>
+            <a:picLocks noChangeAspect="1"/>
+          </p:cNvPicPr>
+          <p:nvPr/>
+        </p:nvPicPr>
+        <p:blipFill rotWithShape="1">
+          <a:blip r:embed="rId8">
+            <a:extLst>
+              <a:ext uri="{96DAC541-7B7A-43D3-8B79-37D633B846F1}">
+                <asvg:svgBlip xmlns:asvg="http://schemas.microsoft.com/office/drawing/2016/SVG/main" xmlns="" r:embed="rId9"/>
+              </a:ext>
+            </a:extLst>
+          </a:blip>
+          <a:srcRect l="7149" t="5848" r="4687" b="3008"/>
+          <a:stretch/>
+        </p:blipFill>
+        <p:spPr>
+          <a:xfrm>
+            <a:off x="6212464" y="628130"/>
+            <a:ext cx="503853" cy="520888"/>
+          </a:xfrm>
+          <a:prstGeom prst="rect">
+            <a:avLst/>
+          </a:prstGeom>
+        </p:spPr>
+      </p:pic>
+      <p:sp>
+        <p:nvSpPr>
+          <p:cNvPr id="97" name="TextBox 96">
+            <a:extLst>
+              <a:ext uri="{FF2B5EF4-FFF2-40B4-BE49-F238E27FC236}">
+                <a16:creationId xmlns:a16="http://schemas.microsoft.com/office/drawing/2014/main" id="{51FB4587-79CD-8B41-B33A-090250D1B19C}"/>
+              </a:ext>
+            </a:extLst>
+          </p:cNvPr>
+          <p:cNvSpPr txBox="1"/>
+          <p:nvPr/>
+        </p:nvSpPr>
+        <p:spPr>
+          <a:xfrm>
+            <a:off x="7600888" y="1209110"/>
+            <a:ext cx="1269341" cy="584775"/>
+          </a:xfrm>
+          <a:prstGeom prst="rect">
+            <a:avLst/>
+          </a:prstGeom>
+          <a:noFill/>
+        </p:spPr>
+        <p:txBody>
+          <a:bodyPr wrap="square" rtlCol="0">
+            <a:spAutoFit/>
+          </a:bodyPr>
+          <a:lstStyle/>
+          <a:p>
+            <a:pPr algn="ctr"/>
+            <a:r>
+              <a:rPr lang="en-US" sz="1600" dirty="0">
+                <a:solidFill>
+                  <a:srgbClr val="232F3E"/>
+                </a:solidFill>
+                <a:latin typeface="Helvetica" pitchFamily="2" charset="0"/>
+              </a:rPr>
+              <a:t>Processing Component</a:t>
+            </a:r>
+          </a:p>
+        </p:txBody>
+      </p:sp>
+      <p:pic>
+        <p:nvPicPr>
+          <p:cNvPr id="98" name="Graphic 97">
+            <a:extLst>
+              <a:ext uri="{FF2B5EF4-FFF2-40B4-BE49-F238E27FC236}">
+                <a16:creationId xmlns:a16="http://schemas.microsoft.com/office/drawing/2014/main" id="{53709067-DA79-F84C-8AB1-74FC9A4F9A6D}"/>
+              </a:ext>
+            </a:extLst>
+          </p:cNvPr>
+          <p:cNvPicPr>
+            <a:picLocks noChangeAspect="1"/>
+          </p:cNvPicPr>
+          <p:nvPr/>
+        </p:nvPicPr>
+        <p:blipFill>
+          <a:blip r:embed="rId10">
+            <a:extLst>
+              <a:ext uri="{96DAC541-7B7A-43D3-8B79-37D633B846F1}">
+                <asvg:svgBlip xmlns:asvg="http://schemas.microsoft.com/office/drawing/2016/SVG/main" xmlns="" r:embed="rId11"/>
+              </a:ext>
+            </a:extLst>
+          </a:blip>
+          <a:stretch>
+            <a:fillRect/>
+          </a:stretch>
+        </p:blipFill>
+        <p:spPr>
+          <a:xfrm>
+            <a:off x="7914213" y="1889260"/>
+            <a:ext cx="640080" cy="640080"/>
+          </a:xfrm>
+          <a:prstGeom prst="rect">
+            <a:avLst/>
+          </a:prstGeom>
+        </p:spPr>
+      </p:pic>
+      <p:pic>
+        <p:nvPicPr>
+          <p:cNvPr id="101" name="Graphic 100">
+            <a:extLst>
+              <a:ext uri="{FF2B5EF4-FFF2-40B4-BE49-F238E27FC236}">
+                <a16:creationId xmlns:a16="http://schemas.microsoft.com/office/drawing/2014/main" id="{F73CE35E-0E0F-7B4A-A8A0-3147CCF43DA2}"/>
+              </a:ext>
+            </a:extLst>
+          </p:cNvPr>
+          <p:cNvPicPr>
+            <a:picLocks noChangeAspect="1"/>
+          </p:cNvPicPr>
+          <p:nvPr/>
+        </p:nvPicPr>
+        <p:blipFill>
+          <a:blip r:embed="rId10">
+            <a:extLst>
+              <a:ext uri="{96DAC541-7B7A-43D3-8B79-37D633B846F1}">
+                <asvg:svgBlip xmlns:asvg="http://schemas.microsoft.com/office/drawing/2016/SVG/main" xmlns="" r:embed="rId11"/>
+              </a:ext>
+            </a:extLst>
+          </a:blip>
+          <a:stretch>
+            <a:fillRect/>
+          </a:stretch>
+        </p:blipFill>
+        <p:spPr>
+          <a:xfrm>
+            <a:off x="9284944" y="1889260"/>
+            <a:ext cx="640080" cy="640080"/>
+          </a:xfrm>
+          <a:prstGeom prst="rect">
+            <a:avLst/>
+          </a:prstGeom>
+        </p:spPr>
+      </p:pic>
+      <p:grpSp>
+        <p:nvGrpSpPr>
+          <p:cNvPr id="103" name="Group 102">
+            <a:extLst>
+              <a:ext uri="{FF2B5EF4-FFF2-40B4-BE49-F238E27FC236}">
+                <a16:creationId xmlns:a16="http://schemas.microsoft.com/office/drawing/2014/main" id="{14FCF73B-12AB-C942-A987-7300D69726BB}"/>
+              </a:ext>
+            </a:extLst>
+          </p:cNvPr>
+          <p:cNvGrpSpPr/>
+          <p:nvPr/>
+        </p:nvGrpSpPr>
+        <p:grpSpPr>
+          <a:xfrm>
+            <a:off x="4908427" y="731598"/>
+            <a:ext cx="344594" cy="386100"/>
+            <a:chOff x="5242522" y="1170511"/>
+            <a:chExt cx="344594" cy="386100"/>
+          </a:xfrm>
+        </p:grpSpPr>
+        <p:sp>
+          <p:nvSpPr>
+            <p:cNvPr id="104" name="Shape 143">
+              <a:extLst>
+                <a:ext uri="{FF2B5EF4-FFF2-40B4-BE49-F238E27FC236}">
+                  <a16:creationId xmlns:a16="http://schemas.microsoft.com/office/drawing/2014/main" id="{BC470CC7-D727-204A-9152-896F4EC33CBE}"/>
+                </a:ext>
+              </a:extLst>
+            </p:cNvPr>
+            <p:cNvSpPr/>
+            <p:nvPr/>
+          </p:nvSpPr>
+          <p:spPr>
+            <a:xfrm>
+              <a:off x="5242522" y="1191264"/>
+              <a:ext cx="344594" cy="344594"/>
+            </a:xfrm>
+            <a:prstGeom prst="ellipse">
+              <a:avLst/>
+            </a:prstGeom>
+            <a:ln/>
+          </p:spPr>
+          <p:style>
+            <a:lnRef idx="2">
+              <a:schemeClr val="accent1">
+                <a:shade val="50000"/>
+              </a:schemeClr>
+            </a:lnRef>
+            <a:fillRef idx="1">
+              <a:schemeClr val="accent1"/>
+            </a:fillRef>
+            <a:effectRef idx="0">
+              <a:schemeClr val="accent1"/>
+            </a:effectRef>
+            <a:fontRef idx="minor">
+              <a:schemeClr val="lt1"/>
+            </a:fontRef>
+          </p:style>
+          <p:txBody>
+            <a:bodyPr lIns="50800" tIns="50800" rIns="50800" bIns="50800" anchor="ctr"/>
+            <a:lstStyle/>
+            <a:p>
+              <a:pPr>
+                <a:defRPr sz="1000" b="1">
+                  <a:solidFill>
+                    <a:srgbClr val="FFFFFF"/>
+                  </a:solidFill>
+                  <a:latin typeface="Helvetica"/>
+                  <a:ea typeface="Helvetica"/>
+                  <a:cs typeface="Helvetica"/>
+                  <a:sym typeface="Helvetica"/>
+                </a:defRPr>
+              </a:pPr>
+              <a:endParaRPr/>
+            </a:p>
+          </p:txBody>
+        </p:sp>
+        <p:sp>
+          <p:nvSpPr>
+            <p:cNvPr id="105" name="Shape 144">
+              <a:extLst>
+                <a:ext uri="{FF2B5EF4-FFF2-40B4-BE49-F238E27FC236}">
+                  <a16:creationId xmlns:a16="http://schemas.microsoft.com/office/drawing/2014/main" id="{27417F58-4DE6-C440-B4FC-07D733F353A2}"/>
+                </a:ext>
+              </a:extLst>
+            </p:cNvPr>
+            <p:cNvSpPr/>
+            <p:nvPr/>
+          </p:nvSpPr>
+          <p:spPr>
+            <a:xfrm>
+              <a:off x="5285196" y="1170511"/>
+              <a:ext cx="259245" cy="386100"/>
+            </a:xfrm>
+            <a:prstGeom prst="rect">
+              <a:avLst/>
+            </a:prstGeom>
+            <a:ln w="12700">
+              <a:miter lim="400000"/>
+            </a:ln>
+            <a:extLst>
+              <a:ext uri="{C572A759-6A51-4108-AA02-DFA0A04FC94B}">
+                <ma14:wrappingTextBoxFlag xmlns="" xmlns:ma14="http://schemas.microsoft.com/office/mac/drawingml/2011/main" val="1"/>
+              </a:ext>
+            </a:extLst>
+          </p:spPr>
+          <p:txBody>
+            <a:bodyPr lIns="50800" tIns="50800" rIns="50800" bIns="50800" anchor="ctr"/>
+            <a:lstStyle>
+              <a:lvl1pPr>
+                <a:defRPr sz="1500" b="1">
+                  <a:solidFill>
+                    <a:srgbClr val="FFFFFF"/>
+                  </a:solidFill>
+                  <a:latin typeface="Helvetica"/>
+                  <a:ea typeface="Helvetica"/>
+                  <a:cs typeface="Helvetica"/>
+                  <a:sym typeface="Helvetica"/>
+                </a:defRPr>
+              </a:lvl1pPr>
+            </a:lstStyle>
+            <a:p>
+              <a:r>
+                <a:rPr dirty="0"/>
+                <a:t>3</a:t>
+              </a:r>
+            </a:p>
+          </p:txBody>
+        </p:sp>
+      </p:grpSp>
+      <p:grpSp>
+        <p:nvGrpSpPr>
+          <p:cNvPr id="106" name="Group 236">
+            <a:extLst>
+              <a:ext uri="{FF2B5EF4-FFF2-40B4-BE49-F238E27FC236}">
+                <a16:creationId xmlns:a16="http://schemas.microsoft.com/office/drawing/2014/main" id="{7B509E26-E580-0D49-B495-CBBCE1CCD155}"/>
+              </a:ext>
+            </a:extLst>
+          </p:cNvPr>
+          <p:cNvGrpSpPr/>
+          <p:nvPr/>
+        </p:nvGrpSpPr>
+        <p:grpSpPr>
+          <a:xfrm>
+            <a:off x="7367506" y="2344068"/>
+            <a:ext cx="344594" cy="386100"/>
+            <a:chOff x="0" y="0"/>
+            <a:chExt cx="344593" cy="386098"/>
+          </a:xfrm>
+        </p:grpSpPr>
+        <p:sp>
+          <p:nvSpPr>
+            <p:cNvPr id="107" name="Shape 234">
+              <a:extLst>
+                <a:ext uri="{FF2B5EF4-FFF2-40B4-BE49-F238E27FC236}">
+                  <a16:creationId xmlns:a16="http://schemas.microsoft.com/office/drawing/2014/main" id="{26394964-2E84-544B-A3B3-E9E1C041013D}"/>
+                </a:ext>
+              </a:extLst>
+            </p:cNvPr>
+            <p:cNvSpPr/>
+            <p:nvPr/>
+          </p:nvSpPr>
+          <p:spPr>
+            <a:xfrm>
+              <a:off x="0" y="20752"/>
+              <a:ext cx="344594" cy="344594"/>
+            </a:xfrm>
+            <a:prstGeom prst="ellipse">
+              <a:avLst/>
+            </a:prstGeom>
+            <a:ln/>
+          </p:spPr>
+          <p:style>
+            <a:lnRef idx="2">
+              <a:schemeClr val="accent1">
+                <a:shade val="50000"/>
+              </a:schemeClr>
+            </a:lnRef>
+            <a:fillRef idx="1">
+              <a:schemeClr val="accent1"/>
+            </a:fillRef>
+            <a:effectRef idx="0">
+              <a:schemeClr val="accent1"/>
+            </a:effectRef>
+            <a:fontRef idx="minor">
+              <a:schemeClr val="lt1"/>
+            </a:fontRef>
+          </p:style>
+          <p:txBody>
+            <a:bodyPr wrap="square" lIns="50800" tIns="50800" rIns="50800" bIns="50800" numCol="1" anchor="ctr">
+              <a:noAutofit/>
+            </a:bodyPr>
+            <a:lstStyle/>
+            <a:p>
+              <a:pPr>
+                <a:defRPr sz="1000" b="1">
+                  <a:solidFill>
+                    <a:srgbClr val="FFFFFF"/>
+                  </a:solidFill>
+                  <a:latin typeface="Helvetica"/>
+                  <a:ea typeface="Helvetica"/>
+                  <a:cs typeface="Helvetica"/>
+                  <a:sym typeface="Helvetica"/>
+                </a:defRPr>
+              </a:pPr>
+              <a:endParaRPr/>
+            </a:p>
+          </p:txBody>
+        </p:sp>
+        <p:sp>
+          <p:nvSpPr>
+            <p:cNvPr id="108" name="Shape 235">
+              <a:extLst>
+                <a:ext uri="{FF2B5EF4-FFF2-40B4-BE49-F238E27FC236}">
+                  <a16:creationId xmlns:a16="http://schemas.microsoft.com/office/drawing/2014/main" id="{8EDA0089-570C-8349-B050-429EBA461C25}"/>
+                </a:ext>
+              </a:extLst>
+            </p:cNvPr>
+            <p:cNvSpPr/>
+            <p:nvPr/>
+          </p:nvSpPr>
+          <p:spPr>
+            <a:xfrm>
+              <a:off x="42674" y="0"/>
+              <a:ext cx="259245" cy="386099"/>
+            </a:xfrm>
+            <a:prstGeom prst="rect">
+              <a:avLst/>
+            </a:prstGeom>
+            <a:noFill/>
+            <a:ln w="12700" cap="flat">
+              <a:noFill/>
+              <a:miter lim="400000"/>
+            </a:ln>
+            <a:effectLst/>
+            <a:extLst>
+              <a:ext uri="{C572A759-6A51-4108-AA02-DFA0A04FC94B}">
+                <ma14:wrappingTextBoxFlag xmlns="" xmlns:ma14="http://schemas.microsoft.com/office/mac/drawingml/2011/main" val="1"/>
+              </a:ext>
+            </a:extLst>
+          </p:spPr>
+          <p:txBody>
+            <a:bodyPr wrap="square" lIns="50800" tIns="50800" rIns="50800" bIns="50800" numCol="1" anchor="ctr">
+              <a:noAutofit/>
+            </a:bodyPr>
+            <a:lstStyle>
+              <a:lvl1pPr>
+                <a:defRPr sz="1500" b="1">
+                  <a:solidFill>
+                    <a:srgbClr val="FFFFFF"/>
+                  </a:solidFill>
+                  <a:latin typeface="Helvetica"/>
+                  <a:ea typeface="Helvetica"/>
+                  <a:cs typeface="Helvetica"/>
+                  <a:sym typeface="Helvetica"/>
+                </a:defRPr>
+              </a:lvl1pPr>
+            </a:lstStyle>
+            <a:p>
+              <a:r>
+                <a:rPr lang="en-US" dirty="0"/>
+                <a:t>5</a:t>
+              </a:r>
+              <a:endParaRPr dirty="0"/>
+            </a:p>
+          </p:txBody>
+        </p:sp>
+      </p:grpSp>
+      <p:grpSp>
+        <p:nvGrpSpPr>
+          <p:cNvPr id="109" name="Group 236">
+            <a:extLst>
+              <a:ext uri="{FF2B5EF4-FFF2-40B4-BE49-F238E27FC236}">
+                <a16:creationId xmlns:a16="http://schemas.microsoft.com/office/drawing/2014/main" id="{05C89246-437B-0E41-9455-4CE75EE809B5}"/>
+              </a:ext>
+            </a:extLst>
+          </p:cNvPr>
+          <p:cNvGrpSpPr/>
+          <p:nvPr/>
+        </p:nvGrpSpPr>
+        <p:grpSpPr>
+          <a:xfrm>
+            <a:off x="7367506" y="418028"/>
+            <a:ext cx="344594" cy="386100"/>
+            <a:chOff x="0" y="0"/>
+            <a:chExt cx="344593" cy="386098"/>
+          </a:xfrm>
+        </p:grpSpPr>
+        <p:sp>
+          <p:nvSpPr>
+            <p:cNvPr id="110" name="Shape 234">
+              <a:extLst>
+                <a:ext uri="{FF2B5EF4-FFF2-40B4-BE49-F238E27FC236}">
+                  <a16:creationId xmlns:a16="http://schemas.microsoft.com/office/drawing/2014/main" id="{5979C2BA-F577-D943-8C14-0CE2715D1C88}"/>
+                </a:ext>
+              </a:extLst>
+            </p:cNvPr>
+            <p:cNvSpPr/>
+            <p:nvPr/>
+          </p:nvSpPr>
+          <p:spPr>
+            <a:xfrm>
+              <a:off x="0" y="20752"/>
+              <a:ext cx="344594" cy="344594"/>
+            </a:xfrm>
+            <a:prstGeom prst="ellipse">
+              <a:avLst/>
+            </a:prstGeom>
+            <a:ln/>
+          </p:spPr>
+          <p:style>
+            <a:lnRef idx="2">
+              <a:schemeClr val="accent1">
+                <a:shade val="50000"/>
+              </a:schemeClr>
+            </a:lnRef>
+            <a:fillRef idx="1">
+              <a:schemeClr val="accent1"/>
+            </a:fillRef>
+            <a:effectRef idx="0">
+              <a:schemeClr val="accent1"/>
+            </a:effectRef>
+            <a:fontRef idx="minor">
+              <a:schemeClr val="lt1"/>
+            </a:fontRef>
+          </p:style>
+          <p:txBody>
+            <a:bodyPr wrap="square" lIns="50800" tIns="50800" rIns="50800" bIns="50800" numCol="1" anchor="ctr">
+              <a:noAutofit/>
+            </a:bodyPr>
+            <a:lstStyle/>
+            <a:p>
+              <a:pPr>
+                <a:defRPr sz="1000" b="1">
+                  <a:solidFill>
+                    <a:srgbClr val="FFFFFF"/>
+                  </a:solidFill>
+                  <a:latin typeface="Helvetica"/>
+                  <a:ea typeface="Helvetica"/>
+                  <a:cs typeface="Helvetica"/>
+                  <a:sym typeface="Helvetica"/>
+                </a:defRPr>
+              </a:pPr>
+              <a:endParaRPr/>
+            </a:p>
+          </p:txBody>
+        </p:sp>
+        <p:sp>
+          <p:nvSpPr>
+            <p:cNvPr id="111" name="Shape 235">
+              <a:extLst>
+                <a:ext uri="{FF2B5EF4-FFF2-40B4-BE49-F238E27FC236}">
+                  <a16:creationId xmlns:a16="http://schemas.microsoft.com/office/drawing/2014/main" id="{7DDBDF3C-ACE6-4C42-983A-3163F1D41B1E}"/>
+                </a:ext>
+              </a:extLst>
+            </p:cNvPr>
+            <p:cNvSpPr/>
+            <p:nvPr/>
+          </p:nvSpPr>
+          <p:spPr>
+            <a:xfrm>
+              <a:off x="42674" y="0"/>
+              <a:ext cx="259245" cy="386099"/>
+            </a:xfrm>
+            <a:prstGeom prst="rect">
+              <a:avLst/>
+            </a:prstGeom>
+            <a:noFill/>
+            <a:ln w="12700" cap="flat">
+              <a:noFill/>
+              <a:miter lim="400000"/>
+            </a:ln>
+            <a:effectLst/>
+            <a:extLst>
+              <a:ext uri="{C572A759-6A51-4108-AA02-DFA0A04FC94B}">
+                <ma14:wrappingTextBoxFlag xmlns="" xmlns:ma14="http://schemas.microsoft.com/office/mac/drawingml/2011/main" val="1"/>
+              </a:ext>
+            </a:extLst>
+          </p:spPr>
+          <p:txBody>
+            <a:bodyPr wrap="square" lIns="50800" tIns="50800" rIns="50800" bIns="50800" numCol="1" anchor="ctr">
+              <a:noAutofit/>
+            </a:bodyPr>
+            <a:lstStyle>
+              <a:lvl1pPr>
+                <a:defRPr sz="1500" b="1">
+                  <a:solidFill>
+                    <a:srgbClr val="FFFFFF"/>
+                  </a:solidFill>
+                  <a:latin typeface="Helvetica"/>
+                  <a:ea typeface="Helvetica"/>
+                  <a:cs typeface="Helvetica"/>
+                  <a:sym typeface="Helvetica"/>
+                </a:defRPr>
+              </a:lvl1pPr>
+            </a:lstStyle>
+            <a:p>
+              <a:r>
+                <a:rPr lang="en-US" dirty="0"/>
+                <a:t>4</a:t>
+              </a:r>
+              <a:endParaRPr dirty="0"/>
+            </a:p>
+          </p:txBody>
+        </p:sp>
+      </p:grpSp>
+      <p:grpSp>
+        <p:nvGrpSpPr>
+          <p:cNvPr id="112" name="Group 218">
+            <a:extLst>
+              <a:ext uri="{FF2B5EF4-FFF2-40B4-BE49-F238E27FC236}">
+                <a16:creationId xmlns:a16="http://schemas.microsoft.com/office/drawing/2014/main" id="{A6A4DA11-5AFF-E04D-9E77-5F47B4A9B0FE}"/>
+              </a:ext>
+            </a:extLst>
+          </p:cNvPr>
+          <p:cNvGrpSpPr/>
+          <p:nvPr/>
+        </p:nvGrpSpPr>
+        <p:grpSpPr>
+          <a:xfrm>
+            <a:off x="5887009" y="3571375"/>
+            <a:ext cx="344594" cy="386100"/>
+            <a:chOff x="0" y="0"/>
+            <a:chExt cx="344593" cy="386098"/>
+          </a:xfrm>
+        </p:grpSpPr>
+        <p:sp>
+          <p:nvSpPr>
+            <p:cNvPr id="113" name="Shape 216">
+              <a:extLst>
+                <a:ext uri="{FF2B5EF4-FFF2-40B4-BE49-F238E27FC236}">
+                  <a16:creationId xmlns:a16="http://schemas.microsoft.com/office/drawing/2014/main" id="{FEA8C0A4-5B73-D84C-B4CD-15D45833A914}"/>
+                </a:ext>
+              </a:extLst>
+            </p:cNvPr>
+            <p:cNvSpPr/>
+            <p:nvPr/>
+          </p:nvSpPr>
+          <p:spPr>
+            <a:xfrm>
+              <a:off x="0" y="20752"/>
+              <a:ext cx="344594" cy="344594"/>
+            </a:xfrm>
+            <a:prstGeom prst="ellipse">
+              <a:avLst/>
+            </a:prstGeom>
+            <a:ln/>
+          </p:spPr>
+          <p:style>
+            <a:lnRef idx="2">
+              <a:schemeClr val="accent1">
+                <a:shade val="50000"/>
+              </a:schemeClr>
+            </a:lnRef>
+            <a:fillRef idx="1">
+              <a:schemeClr val="accent1"/>
+            </a:fillRef>
+            <a:effectRef idx="0">
+              <a:schemeClr val="accent1"/>
+            </a:effectRef>
+            <a:fontRef idx="minor">
+              <a:schemeClr val="lt1"/>
+            </a:fontRef>
+          </p:style>
+          <p:txBody>
+            <a:bodyPr wrap="square" lIns="50800" tIns="50800" rIns="50800" bIns="50800" numCol="1" anchor="ctr">
+              <a:noAutofit/>
+            </a:bodyPr>
+            <a:lstStyle/>
+            <a:p>
+              <a:pPr>
+                <a:defRPr sz="1000" b="1">
+                  <a:solidFill>
+                    <a:srgbClr val="FFFFFF"/>
+                  </a:solidFill>
+                  <a:latin typeface="Helvetica"/>
+                  <a:ea typeface="Helvetica"/>
+                  <a:cs typeface="Helvetica"/>
+                  <a:sym typeface="Helvetica"/>
+                </a:defRPr>
+              </a:pPr>
+              <a:endParaRPr/>
+            </a:p>
+          </p:txBody>
+        </p:sp>
+        <p:sp>
+          <p:nvSpPr>
+            <p:cNvPr id="114" name="Shape 217">
+              <a:extLst>
+                <a:ext uri="{FF2B5EF4-FFF2-40B4-BE49-F238E27FC236}">
+                  <a16:creationId xmlns:a16="http://schemas.microsoft.com/office/drawing/2014/main" id="{8165EA7D-1FFA-2545-A240-67639DB02277}"/>
+                </a:ext>
+              </a:extLst>
+            </p:cNvPr>
+            <p:cNvSpPr/>
+            <p:nvPr/>
+          </p:nvSpPr>
+          <p:spPr>
+            <a:xfrm>
+              <a:off x="42674" y="0"/>
+              <a:ext cx="259245" cy="386099"/>
+            </a:xfrm>
+            <a:prstGeom prst="rect">
+              <a:avLst/>
+            </a:prstGeom>
+            <a:noFill/>
+            <a:ln w="12700" cap="flat">
+              <a:noFill/>
+              <a:miter lim="400000"/>
+            </a:ln>
+            <a:effectLst/>
+            <a:extLst>
+              <a:ext uri="{C572A759-6A51-4108-AA02-DFA0A04FC94B}">
+                <ma14:wrappingTextBoxFlag xmlns="" xmlns:ma14="http://schemas.microsoft.com/office/mac/drawingml/2011/main" val="1"/>
+              </a:ext>
+            </a:extLst>
+          </p:spPr>
+          <p:txBody>
+            <a:bodyPr wrap="square" lIns="50800" tIns="50800" rIns="50800" bIns="50800" numCol="1" anchor="ctr">
+              <a:noAutofit/>
+            </a:bodyPr>
+            <a:lstStyle>
+              <a:lvl1pPr>
+                <a:defRPr sz="1500" b="1">
+                  <a:solidFill>
+                    <a:srgbClr val="FFFFFF"/>
+                  </a:solidFill>
+                  <a:latin typeface="Helvetica"/>
+                  <a:ea typeface="Helvetica"/>
+                  <a:cs typeface="Helvetica"/>
+                  <a:sym typeface="Helvetica"/>
+                </a:defRPr>
+              </a:lvl1pPr>
+            </a:lstStyle>
+            <a:p>
+              <a:r>
+                <a:t>6</a:t>
+              </a:r>
+            </a:p>
+          </p:txBody>
+        </p:sp>
+      </p:grpSp>
+      <p:sp>
+        <p:nvSpPr>
+          <p:cNvPr id="2" name="Rounded Rectangle 1">
+            <a:extLst>
+              <a:ext uri="{FF2B5EF4-FFF2-40B4-BE49-F238E27FC236}">
+                <a16:creationId xmlns:a16="http://schemas.microsoft.com/office/drawing/2014/main" id="{FA0FBFCE-96E0-6140-9108-5BF0BFAEB3B4}"/>
+              </a:ext>
+            </a:extLst>
+          </p:cNvPr>
+          <p:cNvSpPr/>
+          <p:nvPr/>
+        </p:nvSpPr>
+        <p:spPr>
+          <a:xfrm>
+            <a:off x="7915518" y="563009"/>
+            <a:ext cx="640080" cy="640080"/>
+          </a:xfrm>
+          <a:prstGeom prst="roundRect">
+            <a:avLst/>
+          </a:prstGeom>
+          <a:solidFill>
+            <a:srgbClr val="FFFFFF"/>
+          </a:solidFill>
+          <a:ln w="25400" cap="flat">
+            <a:solidFill>
+              <a:srgbClr val="232F3D"/>
+            </a:solidFill>
+            <a:miter lim="400000"/>
+          </a:ln>
+          <a:effectLst/>
+          <a:sp3d/>
+        </p:spPr>
+        <p:style>
+          <a:lnRef idx="0">
+            <a:scrgbClr r="0" g="0" b="0"/>
+          </a:lnRef>
+          <a:fillRef idx="0">
+            <a:scrgbClr r="0" g="0" b="0"/>
+          </a:fillRef>
+          <a:effectRef idx="0">
+            <a:scrgbClr r="0" g="0" b="0"/>
+          </a:effectRef>
+          <a:fontRef idx="none"/>
+        </p:style>
+        <p:txBody>
+          <a:bodyPr rot="0" spcFirstLastPara="1" vertOverflow="overflow" horzOverflow="overflow" vert="horz" wrap="square" lIns="50800" tIns="50800" rIns="50800" bIns="50800" numCol="1" spcCol="38100" rtlCol="0" anchor="ctr">
+            <a:spAutoFit/>
+          </a:bodyPr>
+          <a:lstStyle/>
+          <a:p>
+            <a:pPr marL="0" marR="0" indent="0" algn="ctr" defTabSz="584200" rtl="0" fontAlgn="auto" latinLnBrk="0" hangingPunct="0">
+              <a:lnSpc>
+                <a:spcPct val="100000"/>
+              </a:lnSpc>
+              <a:spcBef>
+                <a:spcPts val="0"/>
+              </a:spcBef>
+              <a:spcAft>
+                <a:spcPts val="0"/>
+              </a:spcAft>
+              <a:buClrTx/>
+              <a:buSzTx/>
+              <a:buFontTx/>
+              <a:buNone/>
+              <a:tabLst/>
+            </a:pPr>
+            <a:endParaRPr kumimoji="0" lang="en-US" sz="2400" b="0" i="0" u="none" strike="noStrike" cap="none" spc="0" normalizeH="0" baseline="0">
+              <a:ln>
+                <a:noFill/>
+              </a:ln>
+              <a:solidFill>
+                <a:srgbClr val="FFFFFF"/>
+              </a:solidFill>
+              <a:effectLst/>
+              <a:uFillTx/>
+              <a:latin typeface="+mn-lt"/>
+              <a:ea typeface="+mn-ea"/>
+              <a:cs typeface="+mn-cs"/>
+              <a:sym typeface="Helvetica Light"/>
+            </a:endParaRPr>
+          </a:p>
+        </p:txBody>
+      </p:sp>
+      <p:sp>
+        <p:nvSpPr>
+          <p:cNvPr id="4" name="Snip Diagonal Corner Rectangle 3">
+            <a:extLst>
+              <a:ext uri="{FF2B5EF4-FFF2-40B4-BE49-F238E27FC236}">
+                <a16:creationId xmlns:a16="http://schemas.microsoft.com/office/drawing/2014/main" id="{E35C3C09-11F4-1D41-9285-B3170BB8C743}"/>
+              </a:ext>
+            </a:extLst>
+          </p:cNvPr>
+          <p:cNvSpPr/>
+          <p:nvPr/>
+        </p:nvSpPr>
+        <p:spPr>
+          <a:xfrm>
+            <a:off x="8098398" y="738003"/>
+            <a:ext cx="274320" cy="274320"/>
+          </a:xfrm>
+          <a:prstGeom prst="snip2DiagRect">
+            <a:avLst/>
+          </a:prstGeom>
+          <a:solidFill>
+            <a:srgbClr val="FFFFFF"/>
+          </a:solidFill>
+          <a:ln w="22225" cap="flat">
+            <a:solidFill>
+              <a:srgbClr val="232F3D"/>
+            </a:solidFill>
+            <a:miter lim="400000"/>
+          </a:ln>
+          <a:effectLst>
+            <a:outerShdw blurRad="38100" dist="25400" dir="5400000" rotWithShape="0">
+              <a:srgbClr val="000000">
+                <a:alpha val="50000"/>
+              </a:srgbClr>
+            </a:outerShdw>
+          </a:effectLst>
+          <a:sp3d/>
+        </p:spPr>
+        <p:style>
+          <a:lnRef idx="0">
+            <a:scrgbClr r="0" g="0" b="0"/>
+          </a:lnRef>
+          <a:fillRef idx="0">
+            <a:scrgbClr r="0" g="0" b="0"/>
+          </a:fillRef>
+          <a:effectRef idx="0">
+            <a:scrgbClr r="0" g="0" b="0"/>
+          </a:effectRef>
+          <a:fontRef idx="none"/>
+        </p:style>
+        <p:txBody>
+          <a:bodyPr rot="0" spcFirstLastPara="1" vertOverflow="overflow" horzOverflow="overflow" vert="horz" wrap="square" lIns="50800" tIns="50800" rIns="50800" bIns="50800" numCol="1" spcCol="38100" rtlCol="0" anchor="ctr">
+            <a:spAutoFit/>
+          </a:bodyPr>
+          <a:lstStyle/>
+          <a:p>
+            <a:pPr marL="0" marR="0" indent="0" algn="ctr" defTabSz="584200" rtl="0" fontAlgn="auto" latinLnBrk="0" hangingPunct="0">
+              <a:lnSpc>
+                <a:spcPct val="100000"/>
+              </a:lnSpc>
+              <a:spcBef>
+                <a:spcPts val="0"/>
+              </a:spcBef>
+              <a:spcAft>
+                <a:spcPts val="0"/>
+              </a:spcAft>
+              <a:buClrTx/>
+              <a:buSzTx/>
+              <a:buFontTx/>
+              <a:buNone/>
+              <a:tabLst/>
+            </a:pPr>
+            <a:endParaRPr kumimoji="0" lang="en-US" sz="2400" b="0" i="0" u="none" strike="noStrike" cap="none" spc="0" normalizeH="0" baseline="0">
+              <a:ln>
+                <a:noFill/>
+              </a:ln>
+              <a:solidFill>
+                <a:srgbClr val="FFFFFF"/>
+              </a:solidFill>
+              <a:effectLst/>
+              <a:uFillTx/>
+              <a:latin typeface="+mn-lt"/>
+              <a:ea typeface="+mn-ea"/>
+              <a:cs typeface="+mn-cs"/>
+              <a:sym typeface="Helvetica Light"/>
+            </a:endParaRPr>
+          </a:p>
+        </p:txBody>
+      </p:sp>
+      <p:sp>
+        <p:nvSpPr>
+          <p:cNvPr id="115" name="Rounded Rectangle 114">
+            <a:extLst>
+              <a:ext uri="{FF2B5EF4-FFF2-40B4-BE49-F238E27FC236}">
+                <a16:creationId xmlns:a16="http://schemas.microsoft.com/office/drawing/2014/main" id="{3BA0E724-4C86-BD43-A731-64A07B61ED14}"/>
+              </a:ext>
+            </a:extLst>
+          </p:cNvPr>
+          <p:cNvSpPr/>
+          <p:nvPr/>
+        </p:nvSpPr>
+        <p:spPr>
+          <a:xfrm>
+            <a:off x="6372720" y="3114506"/>
+            <a:ext cx="640080" cy="640080"/>
+          </a:xfrm>
+          <a:prstGeom prst="roundRect">
+            <a:avLst/>
+          </a:prstGeom>
+          <a:solidFill>
+            <a:srgbClr val="FFFFFF"/>
+          </a:solidFill>
+          <a:ln w="25400" cap="flat">
+            <a:solidFill>
+              <a:srgbClr val="232F3D"/>
+            </a:solidFill>
+            <a:miter lim="400000"/>
+          </a:ln>
+          <a:effectLst/>
+          <a:sp3d/>
+        </p:spPr>
+        <p:style>
+          <a:lnRef idx="0">
+            <a:scrgbClr r="0" g="0" b="0"/>
+          </a:lnRef>
+          <a:fillRef idx="0">
+            <a:scrgbClr r="0" g="0" b="0"/>
+          </a:fillRef>
+          <a:effectRef idx="0">
+            <a:scrgbClr r="0" g="0" b="0"/>
+          </a:effectRef>
+          <a:fontRef idx="none"/>
+        </p:style>
+        <p:txBody>
+          <a:bodyPr rot="0" spcFirstLastPara="1" vertOverflow="overflow" horzOverflow="overflow" vert="horz" wrap="square" lIns="50800" tIns="50800" rIns="50800" bIns="50800" numCol="1" spcCol="38100" rtlCol="0" anchor="ctr">
+            <a:spAutoFit/>
+          </a:bodyPr>
+          <a:lstStyle/>
+          <a:p>
+            <a:pPr marL="0" marR="0" indent="0" algn="ctr" defTabSz="584200" rtl="0" fontAlgn="auto" latinLnBrk="0" hangingPunct="0">
+              <a:lnSpc>
+                <a:spcPct val="100000"/>
+              </a:lnSpc>
+              <a:spcBef>
+                <a:spcPts val="0"/>
+              </a:spcBef>
+              <a:spcAft>
+                <a:spcPts val="0"/>
+              </a:spcAft>
+              <a:buClrTx/>
+              <a:buSzTx/>
+              <a:buFontTx/>
+              <a:buNone/>
+              <a:tabLst/>
+            </a:pPr>
+            <a:endParaRPr kumimoji="0" lang="en-US" sz="2400" b="0" i="0" u="none" strike="noStrike" cap="none" spc="0" normalizeH="0" baseline="0">
+              <a:ln>
+                <a:noFill/>
+              </a:ln>
+              <a:solidFill>
+                <a:srgbClr val="FFFFFF"/>
+              </a:solidFill>
+              <a:effectLst/>
+              <a:uFillTx/>
+              <a:latin typeface="+mn-lt"/>
+              <a:ea typeface="+mn-ea"/>
+              <a:cs typeface="+mn-cs"/>
+              <a:sym typeface="Helvetica Light"/>
+            </a:endParaRPr>
+          </a:p>
+        </p:txBody>
+      </p:sp>
+      <p:sp>
+        <p:nvSpPr>
+          <p:cNvPr id="116" name="Snip Diagonal Corner Rectangle 115">
+            <a:extLst>
+              <a:ext uri="{FF2B5EF4-FFF2-40B4-BE49-F238E27FC236}">
+                <a16:creationId xmlns:a16="http://schemas.microsoft.com/office/drawing/2014/main" id="{EC1FB0B6-C468-B046-A90F-E5F7BF01F700}"/>
+              </a:ext>
+            </a:extLst>
+          </p:cNvPr>
+          <p:cNvSpPr/>
+          <p:nvPr/>
+        </p:nvSpPr>
+        <p:spPr>
+          <a:xfrm>
+            <a:off x="6555600" y="3289500"/>
+            <a:ext cx="274320" cy="274320"/>
+          </a:xfrm>
+          <a:prstGeom prst="snip2DiagRect">
+            <a:avLst/>
+          </a:prstGeom>
+          <a:solidFill>
+            <a:srgbClr val="FFFFFF"/>
+          </a:solidFill>
+          <a:ln w="22225" cap="flat">
+            <a:solidFill>
+              <a:srgbClr val="232F3D"/>
+            </a:solidFill>
+            <a:miter lim="400000"/>
+          </a:ln>
+          <a:effectLst>
+            <a:outerShdw blurRad="38100" dist="25400" dir="5400000" rotWithShape="0">
+              <a:srgbClr val="000000">
+                <a:alpha val="50000"/>
+              </a:srgbClr>
+            </a:outerShdw>
+          </a:effectLst>
+          <a:sp3d/>
+        </p:spPr>
+        <p:style>
+          <a:lnRef idx="0">
+            <a:scrgbClr r="0" g="0" b="0"/>
+          </a:lnRef>
+          <a:fillRef idx="0">
+            <a:scrgbClr r="0" g="0" b="0"/>
+          </a:fillRef>
+          <a:effectRef idx="0">
+            <a:scrgbClr r="0" g="0" b="0"/>
+          </a:effectRef>
+          <a:fontRef idx="none"/>
+        </p:style>
+        <p:txBody>
+          <a:bodyPr rot="0" spcFirstLastPara="1" vertOverflow="overflow" horzOverflow="overflow" vert="horz" wrap="square" lIns="50800" tIns="50800" rIns="50800" bIns="50800" numCol="1" spcCol="38100" rtlCol="0" anchor="ctr">
+            <a:spAutoFit/>
+          </a:bodyPr>
+          <a:lstStyle/>
+          <a:p>
+            <a:pPr marL="0" marR="0" indent="0" algn="ctr" defTabSz="584200" rtl="0" fontAlgn="auto" latinLnBrk="0" hangingPunct="0">
+              <a:lnSpc>
+                <a:spcPct val="100000"/>
+              </a:lnSpc>
+              <a:spcBef>
+                <a:spcPts val="0"/>
+              </a:spcBef>
+              <a:spcAft>
+                <a:spcPts val="0"/>
+              </a:spcAft>
+              <a:buClrTx/>
+              <a:buSzTx/>
+              <a:buFontTx/>
+              <a:buNone/>
+              <a:tabLst/>
+            </a:pPr>
+            <a:endParaRPr kumimoji="0" lang="en-US" sz="2400" b="0" i="0" u="none" strike="noStrike" cap="none" spc="0" normalizeH="0" baseline="0">
+              <a:ln>
+                <a:noFill/>
+              </a:ln>
+              <a:solidFill>
+                <a:srgbClr val="FFFFFF"/>
+              </a:solidFill>
+              <a:effectLst/>
+              <a:uFillTx/>
+              <a:latin typeface="+mn-lt"/>
+              <a:ea typeface="+mn-ea"/>
+              <a:cs typeface="+mn-cs"/>
+              <a:sym typeface="Helvetica Light"/>
+            </a:endParaRPr>
+          </a:p>
+        </p:txBody>
+      </p:sp>
+      <p:sp>
+        <p:nvSpPr>
+          <p:cNvPr id="117" name="Shape 131">
+            <a:extLst>
+              <a:ext uri="{FF2B5EF4-FFF2-40B4-BE49-F238E27FC236}">
+                <a16:creationId xmlns:a16="http://schemas.microsoft.com/office/drawing/2014/main" id="{72F3CE4E-212A-EC45-B995-97CF188E084D}"/>
+              </a:ext>
+            </a:extLst>
+          </p:cNvPr>
+          <p:cNvSpPr/>
+          <p:nvPr/>
+        </p:nvSpPr>
+        <p:spPr>
+          <a:xfrm>
+            <a:off x="4798436" y="354515"/>
+            <a:ext cx="1938096" cy="416988"/>
+          </a:xfrm>
+          <a:prstGeom prst="rect">
+            <a:avLst/>
+          </a:prstGeom>
+          <a:ln w="12700">
+            <a:miter lim="400000"/>
+          </a:ln>
+          <a:extLst>
+            <a:ext uri="{C572A759-6A51-4108-AA02-DFA0A04FC94B}">
+              <ma14:wrappingTextBoxFlag xmlns="" xmlns:ma14="http://schemas.microsoft.com/office/mac/drawingml/2011/main" val="1"/>
+            </a:ext>
+          </a:extLst>
+        </p:spPr>
+        <p:txBody>
+          <a:bodyPr lIns="50800" tIns="50800" rIns="50800" bIns="50800" anchor="ctr"/>
+          <a:lstStyle>
+            <a:lvl1pPr>
+              <a:defRPr sz="1800">
+                <a:latin typeface="Helvetica"/>
+                <a:ea typeface="Helvetica"/>
+                <a:cs typeface="Helvetica"/>
+                <a:sym typeface="Helvetica"/>
+              </a:defRPr>
+            </a:lvl1pPr>
+          </a:lstStyle>
+          <a:p>
+            <a:r>
+              <a:rPr lang="en-US" dirty="0"/>
+              <a:t>Server</a:t>
+            </a:r>
+            <a:endParaRPr dirty="0"/>
+          </a:p>
+        </p:txBody>
+      </p:sp>
+    </p:spTree>
+    <p:extLst>
+      <p:ext uri="{BB962C8B-B14F-4D97-AF65-F5344CB8AC3E}">
+        <p14:creationId xmlns:p14="http://schemas.microsoft.com/office/powerpoint/2010/main" val="4201017359"/>
+      </p:ext>
+    </p:extLst>
+  </p:cSld>
+  <p:clrMapOvr>
+    <a:masterClrMapping/>
+  </p:clrMapOvr>
+  <p:transition spd="med"/>
 </p:sld>
 </file>
 
@@ -4636,7 +8484,7 @@
             <a:effectLst/>
             <a:extLst>
               <a:ext uri="{C572A759-6A51-4108-AA02-DFA0A04FC94B}">
-                <ma14:wrappingTextBoxFlag xmlns:ma14="http://schemas.microsoft.com/office/mac/drawingml/2011/main" xmlns="" val="1"/>
+                <ma14:wrappingTextBoxFlag xmlns="" xmlns:ma14="http://schemas.microsoft.com/office/mac/drawingml/2011/main" val="1"/>
               </a:ext>
             </a:extLst>
           </p:spPr>
@@ -4757,7 +8605,7 @@
           </a:ln>
           <a:extLst>
             <a:ext uri="{C572A759-6A51-4108-AA02-DFA0A04FC94B}">
-              <ma14:wrappingTextBoxFlag xmlns:ma14="http://schemas.microsoft.com/office/mac/drawingml/2011/main" xmlns="" val="1"/>
+              <ma14:wrappingTextBoxFlag xmlns="" xmlns:ma14="http://schemas.microsoft.com/office/mac/drawingml/2011/main" val="1"/>
             </a:ext>
           </a:extLst>
         </p:spPr>
@@ -4841,7 +8689,7 @@
           </a:ln>
           <a:extLst>
             <a:ext uri="{C572A759-6A51-4108-AA02-DFA0A04FC94B}">
-              <ma14:wrappingTextBoxFlag xmlns:ma14="http://schemas.microsoft.com/office/mac/drawingml/2011/main" xmlns="" val="1"/>
+              <ma14:wrappingTextBoxFlag xmlns="" xmlns:ma14="http://schemas.microsoft.com/office/mac/drawingml/2011/main" val="1"/>
             </a:ext>
           </a:extLst>
         </p:spPr>
@@ -4895,7 +8743,7 @@
           </a:ln>
           <a:extLst>
             <a:ext uri="{C572A759-6A51-4108-AA02-DFA0A04FC94B}">
-              <ma14:wrappingTextBoxFlag xmlns:ma14="http://schemas.microsoft.com/office/mac/drawingml/2011/main" xmlns="" val="1"/>
+              <ma14:wrappingTextBoxFlag xmlns="" xmlns:ma14="http://schemas.microsoft.com/office/mac/drawingml/2011/main" val="1"/>
             </a:ext>
           </a:extLst>
         </p:spPr>
@@ -4939,7 +8787,7 @@
           </a:ln>
           <a:extLst>
             <a:ext uri="{C572A759-6A51-4108-AA02-DFA0A04FC94B}">
-              <ma14:wrappingTextBoxFlag xmlns:ma14="http://schemas.microsoft.com/office/mac/drawingml/2011/main" xmlns="" val="1"/>
+              <ma14:wrappingTextBoxFlag xmlns="" xmlns:ma14="http://schemas.microsoft.com/office/mac/drawingml/2011/main" val="1"/>
             </a:ext>
           </a:extLst>
         </p:spPr>
@@ -5031,7 +8879,7 @@
           </a:ln>
           <a:extLst>
             <a:ext uri="{C572A759-6A51-4108-AA02-DFA0A04FC94B}">
-              <ma14:wrappingTextBoxFlag xmlns:ma14="http://schemas.microsoft.com/office/mac/drawingml/2011/main" xmlns="" val="1"/>
+              <ma14:wrappingTextBoxFlag xmlns="" xmlns:ma14="http://schemas.microsoft.com/office/mac/drawingml/2011/main" val="1"/>
             </a:ext>
           </a:extLst>
         </p:spPr>
@@ -5112,7 +8960,7 @@
           </a:ln>
           <a:extLst>
             <a:ext uri="{C572A759-6A51-4108-AA02-DFA0A04FC94B}">
-              <ma14:wrappingTextBoxFlag xmlns:ma14="http://schemas.microsoft.com/office/mac/drawingml/2011/main" xmlns="" val="1"/>
+              <ma14:wrappingTextBoxFlag xmlns="" xmlns:ma14="http://schemas.microsoft.com/office/mac/drawingml/2011/main" val="1"/>
             </a:ext>
           </a:extLst>
         </p:spPr>
@@ -5187,7 +9035,7 @@
           </a:ln>
           <a:extLst>
             <a:ext uri="{C572A759-6A51-4108-AA02-DFA0A04FC94B}">
-              <ma14:wrappingTextBoxFlag xmlns:ma14="http://schemas.microsoft.com/office/mac/drawingml/2011/main" xmlns="" val="1"/>
+              <ma14:wrappingTextBoxFlag xmlns="" xmlns:ma14="http://schemas.microsoft.com/office/mac/drawingml/2011/main" val="1"/>
             </a:ext>
           </a:extLst>
         </p:spPr>
@@ -5335,7 +9183,7 @@
             <a:effectLst/>
             <a:extLst>
               <a:ext uri="{C572A759-6A51-4108-AA02-DFA0A04FC94B}">
-                <ma14:wrappingTextBoxFlag xmlns:ma14="http://schemas.microsoft.com/office/mac/drawingml/2011/main" xmlns="" val="1"/>
+                <ma14:wrappingTextBoxFlag xmlns="" xmlns:ma14="http://schemas.microsoft.com/office/mac/drawingml/2011/main" val="1"/>
               </a:ext>
             </a:extLst>
           </p:spPr>
@@ -5519,7 +9367,7 @@
             <a:effectLst/>
             <a:extLst>
               <a:ext uri="{C572A759-6A51-4108-AA02-DFA0A04FC94B}">
-                <ma14:wrappingTextBoxFlag xmlns:ma14="http://schemas.microsoft.com/office/mac/drawingml/2011/main" xmlns="" val="1"/>
+                <ma14:wrappingTextBoxFlag xmlns="" xmlns:ma14="http://schemas.microsoft.com/office/mac/drawingml/2011/main" val="1"/>
               </a:ext>
             </a:extLst>
           </p:spPr>
@@ -5637,7 +9485,7 @@
             <a:effectLst/>
             <a:extLst>
               <a:ext uri="{C572A759-6A51-4108-AA02-DFA0A04FC94B}">
-                <ma14:wrappingTextBoxFlag xmlns:ma14="http://schemas.microsoft.com/office/mac/drawingml/2011/main" xmlns="" val="1"/>
+                <ma14:wrappingTextBoxFlag xmlns="" xmlns:ma14="http://schemas.microsoft.com/office/mac/drawingml/2011/main" val="1"/>
               </a:ext>
             </a:extLst>
           </p:spPr>
@@ -5755,7 +9603,7 @@
             <a:effectLst/>
             <a:extLst>
               <a:ext uri="{C572A759-6A51-4108-AA02-DFA0A04FC94B}">
-                <ma14:wrappingTextBoxFlag xmlns:ma14="http://schemas.microsoft.com/office/mac/drawingml/2011/main" xmlns="" val="1"/>
+                <ma14:wrappingTextBoxFlag xmlns="" xmlns:ma14="http://schemas.microsoft.com/office/mac/drawingml/2011/main" val="1"/>
               </a:ext>
             </a:extLst>
           </p:spPr>
@@ -5802,7 +9650,7 @@
           <a:blip r:embed="rId2">
             <a:extLst>
               <a:ext uri="{96DAC541-7B7A-43D3-8B79-37D633B846F1}">
-                <asvg:svgBlip xmlns:asvg="http://schemas.microsoft.com/office/drawing/2016/SVG/main" r:embed="rId3"/>
+                <asvg:svgBlip xmlns:asvg="http://schemas.microsoft.com/office/drawing/2016/SVG/main" xmlns="" r:embed="rId3"/>
               </a:ext>
             </a:extLst>
           </a:blip>
@@ -5838,7 +9686,7 @@
           <a:blip r:embed="rId4">
             <a:extLst>
               <a:ext uri="{96DAC541-7B7A-43D3-8B79-37D633B846F1}">
-                <asvg:svgBlip xmlns:asvg="http://schemas.microsoft.com/office/drawing/2016/SVG/main" r:embed="rId5"/>
+                <asvg:svgBlip xmlns:asvg="http://schemas.microsoft.com/office/drawing/2016/SVG/main" xmlns="" r:embed="rId5"/>
               </a:ext>
             </a:extLst>
           </a:blip>
@@ -5952,7 +9800,7 @@
           </a:ln>
           <a:extLst>
             <a:ext uri="{C572A759-6A51-4108-AA02-DFA0A04FC94B}">
-              <ma14:wrappingTextBoxFlag xmlns:ma14="http://schemas.microsoft.com/office/mac/drawingml/2011/main" xmlns="" val="1"/>
+              <ma14:wrappingTextBoxFlag xmlns="" xmlns:ma14="http://schemas.microsoft.com/office/mac/drawingml/2011/main" val="1"/>
             </a:ext>
           </a:extLst>
         </p:spPr>
@@ -5999,7 +9847,7 @@
           <a:blip r:embed="rId2">
             <a:extLst>
               <a:ext uri="{96DAC541-7B7A-43D3-8B79-37D633B846F1}">
-                <asvg:svgBlip xmlns:asvg="http://schemas.microsoft.com/office/drawing/2016/SVG/main" r:embed="rId3"/>
+                <asvg:svgBlip xmlns:asvg="http://schemas.microsoft.com/office/drawing/2016/SVG/main" xmlns="" r:embed="rId3"/>
               </a:ext>
             </a:extLst>
           </a:blip>
@@ -6154,7 +10002,7 @@
           </a:ln>
           <a:extLst>
             <a:ext uri="{C572A759-6A51-4108-AA02-DFA0A04FC94B}">
-              <ma14:wrappingTextBoxFlag xmlns:ma14="http://schemas.microsoft.com/office/mac/drawingml/2011/main" xmlns="" val="1"/>
+              <ma14:wrappingTextBoxFlag xmlns="" xmlns:ma14="http://schemas.microsoft.com/office/mac/drawingml/2011/main" val="1"/>
             </a:ext>
           </a:extLst>
         </p:spPr>
@@ -6307,7 +10155,7 @@
           </a:ln>
           <a:extLst>
             <a:ext uri="{C572A759-6A51-4108-AA02-DFA0A04FC94B}">
-              <ma14:wrappingTextBoxFlag xmlns:ma14="http://schemas.microsoft.com/office/mac/drawingml/2011/main" xmlns="" val="1"/>
+              <ma14:wrappingTextBoxFlag xmlns="" xmlns:ma14="http://schemas.microsoft.com/office/mac/drawingml/2011/main" val="1"/>
             </a:ext>
           </a:extLst>
         </p:spPr>
@@ -6352,7 +10200,7 @@
           </a:ln>
           <a:extLst>
             <a:ext uri="{C572A759-6A51-4108-AA02-DFA0A04FC94B}">
-              <ma14:wrappingTextBoxFlag xmlns:ma14="http://schemas.microsoft.com/office/mac/drawingml/2011/main" xmlns="" val="1"/>
+              <ma14:wrappingTextBoxFlag xmlns="" xmlns:ma14="http://schemas.microsoft.com/office/mac/drawingml/2011/main" val="1"/>
             </a:ext>
           </a:extLst>
         </p:spPr>
@@ -6529,7 +10377,7 @@
           </a:ln>
           <a:extLst>
             <a:ext uri="{C572A759-6A51-4108-AA02-DFA0A04FC94B}">
-              <ma14:wrappingTextBoxFlag xmlns:ma14="http://schemas.microsoft.com/office/mac/drawingml/2011/main" xmlns="" val="1"/>
+              <ma14:wrappingTextBoxFlag xmlns="" xmlns:ma14="http://schemas.microsoft.com/office/mac/drawingml/2011/main" val="1"/>
             </a:ext>
           </a:extLst>
         </p:spPr>
@@ -6607,7 +10455,7 @@
           </a:ln>
           <a:extLst>
             <a:ext uri="{C572A759-6A51-4108-AA02-DFA0A04FC94B}">
-              <ma14:wrappingTextBoxFlag xmlns:ma14="http://schemas.microsoft.com/office/mac/drawingml/2011/main" xmlns="" val="1"/>
+              <ma14:wrappingTextBoxFlag xmlns="" xmlns:ma14="http://schemas.microsoft.com/office/mac/drawingml/2011/main" val="1"/>
             </a:ext>
           </a:extLst>
         </p:spPr>
@@ -6722,7 +10570,7 @@
             <a:effectLst/>
             <a:extLst>
               <a:ext uri="{C572A759-6A51-4108-AA02-DFA0A04FC94B}">
-                <ma14:wrappingTextBoxFlag xmlns:ma14="http://schemas.microsoft.com/office/mac/drawingml/2011/main" xmlns="" val="1"/>
+                <ma14:wrappingTextBoxFlag xmlns="" xmlns:ma14="http://schemas.microsoft.com/office/mac/drawingml/2011/main" val="1"/>
               </a:ext>
             </a:extLst>
           </p:spPr>
@@ -6902,7 +10750,7 @@
           </a:ln>
           <a:extLst>
             <a:ext uri="{C572A759-6A51-4108-AA02-DFA0A04FC94B}">
-              <ma14:wrappingTextBoxFlag xmlns:ma14="http://schemas.microsoft.com/office/mac/drawingml/2011/main" xmlns="" val="1"/>
+              <ma14:wrappingTextBoxFlag xmlns="" xmlns:ma14="http://schemas.microsoft.com/office/mac/drawingml/2011/main" val="1"/>
             </a:ext>
           </a:extLst>
         </p:spPr>
@@ -7017,7 +10865,7 @@
             <a:effectLst/>
             <a:extLst>
               <a:ext uri="{C572A759-6A51-4108-AA02-DFA0A04FC94B}">
-                <ma14:wrappingTextBoxFlag xmlns:ma14="http://schemas.microsoft.com/office/mac/drawingml/2011/main" xmlns="" val="1"/>
+                <ma14:wrappingTextBoxFlag xmlns="" xmlns:ma14="http://schemas.microsoft.com/office/mac/drawingml/2011/main" val="1"/>
               </a:ext>
             </a:extLst>
           </p:spPr>
@@ -7135,7 +10983,7 @@
             <a:effectLst/>
             <a:extLst>
               <a:ext uri="{C572A759-6A51-4108-AA02-DFA0A04FC94B}">
-                <ma14:wrappingTextBoxFlag xmlns:ma14="http://schemas.microsoft.com/office/mac/drawingml/2011/main" xmlns="" val="1"/>
+                <ma14:wrappingTextBoxFlag xmlns="" xmlns:ma14="http://schemas.microsoft.com/office/mac/drawingml/2011/main" val="1"/>
               </a:ext>
             </a:extLst>
           </p:spPr>
@@ -7253,7 +11101,7 @@
             <a:effectLst/>
             <a:extLst>
               <a:ext uri="{C572A759-6A51-4108-AA02-DFA0A04FC94B}">
-                <ma14:wrappingTextBoxFlag xmlns:ma14="http://schemas.microsoft.com/office/mac/drawingml/2011/main" xmlns="" val="1"/>
+                <ma14:wrappingTextBoxFlag xmlns="" xmlns:ma14="http://schemas.microsoft.com/office/mac/drawingml/2011/main" val="1"/>
               </a:ext>
             </a:extLst>
           </p:spPr>
@@ -7466,7 +11314,7 @@
           </a:ln>
           <a:extLst>
             <a:ext uri="{C572A759-6A51-4108-AA02-DFA0A04FC94B}">
-              <ma14:wrappingTextBoxFlag xmlns:ma14="http://schemas.microsoft.com/office/mac/drawingml/2011/main" xmlns="" val="1"/>
+              <ma14:wrappingTextBoxFlag xmlns="" xmlns:ma14="http://schemas.microsoft.com/office/mac/drawingml/2011/main" val="1"/>
             </a:ext>
           </a:extLst>
         </p:spPr>
@@ -7581,7 +11429,7 @@
             <a:effectLst/>
             <a:extLst>
               <a:ext uri="{C572A759-6A51-4108-AA02-DFA0A04FC94B}">
-                <ma14:wrappingTextBoxFlag xmlns:ma14="http://schemas.microsoft.com/office/mac/drawingml/2011/main" xmlns="" val="1"/>
+                <ma14:wrappingTextBoxFlag xmlns="" xmlns:ma14="http://schemas.microsoft.com/office/mac/drawingml/2011/main" val="1"/>
               </a:ext>
             </a:extLst>
           </p:spPr>
@@ -7700,7 +11548,7 @@
             <a:effectLst/>
             <a:extLst>
               <a:ext uri="{C572A759-6A51-4108-AA02-DFA0A04FC94B}">
-                <ma14:wrappingTextBoxFlag xmlns:ma14="http://schemas.microsoft.com/office/mac/drawingml/2011/main" xmlns="" val="1"/>
+                <ma14:wrappingTextBoxFlag xmlns="" xmlns:ma14="http://schemas.microsoft.com/office/mac/drawingml/2011/main" val="1"/>
               </a:ext>
             </a:extLst>
           </p:spPr>
@@ -7818,7 +11666,7 @@
             <a:effectLst/>
             <a:extLst>
               <a:ext uri="{C572A759-6A51-4108-AA02-DFA0A04FC94B}">
-                <ma14:wrappingTextBoxFlag xmlns:ma14="http://schemas.microsoft.com/office/mac/drawingml/2011/main" xmlns="" val="1"/>
+                <ma14:wrappingTextBoxFlag xmlns="" xmlns:ma14="http://schemas.microsoft.com/office/mac/drawingml/2011/main" val="1"/>
               </a:ext>
             </a:extLst>
           </p:spPr>
@@ -7936,7 +11784,7 @@
             <a:effectLst/>
             <a:extLst>
               <a:ext uri="{C572A759-6A51-4108-AA02-DFA0A04FC94B}">
-                <ma14:wrappingTextBoxFlag xmlns:ma14="http://schemas.microsoft.com/office/mac/drawingml/2011/main" xmlns="" val="1"/>
+                <ma14:wrappingTextBoxFlag xmlns="" xmlns:ma14="http://schemas.microsoft.com/office/mac/drawingml/2011/main" val="1"/>
               </a:ext>
             </a:extLst>
           </p:spPr>
@@ -8054,7 +11902,7 @@
             <a:effectLst/>
             <a:extLst>
               <a:ext uri="{C572A759-6A51-4108-AA02-DFA0A04FC94B}">
-                <ma14:wrappingTextBoxFlag xmlns:ma14="http://schemas.microsoft.com/office/mac/drawingml/2011/main" xmlns="" val="1"/>
+                <ma14:wrappingTextBoxFlag xmlns="" xmlns:ma14="http://schemas.microsoft.com/office/mac/drawingml/2011/main" val="1"/>
               </a:ext>
             </a:extLst>
           </p:spPr>
@@ -8172,7 +12020,7 @@
             <a:effectLst/>
             <a:extLst>
               <a:ext uri="{C572A759-6A51-4108-AA02-DFA0A04FC94B}">
-                <ma14:wrappingTextBoxFlag xmlns:ma14="http://schemas.microsoft.com/office/mac/drawingml/2011/main" xmlns="" val="1"/>
+                <ma14:wrappingTextBoxFlag xmlns="" xmlns:ma14="http://schemas.microsoft.com/office/mac/drawingml/2011/main" val="1"/>
               </a:ext>
             </a:extLst>
           </p:spPr>
@@ -8220,7 +12068,7 @@
           <a:blip r:embed="rId5">
             <a:extLst>
               <a:ext uri="{96DAC541-7B7A-43D3-8B79-37D633B846F1}">
-                <asvg:svgBlip xmlns:asvg="http://schemas.microsoft.com/office/drawing/2016/SVG/main" r:embed="rId6"/>
+                <asvg:svgBlip xmlns:asvg="http://schemas.microsoft.com/office/drawing/2016/SVG/main" xmlns="" r:embed="rId6"/>
               </a:ext>
             </a:extLst>
           </a:blip>
@@ -8286,7 +12134,7 @@
           <a:blip r:embed="rId8">
             <a:extLst>
               <a:ext uri="{96DAC541-7B7A-43D3-8B79-37D633B846F1}">
-                <asvg:svgBlip xmlns:asvg="http://schemas.microsoft.com/office/drawing/2016/SVG/main" r:embed="rId9"/>
+                <asvg:svgBlip xmlns:asvg="http://schemas.microsoft.com/office/drawing/2016/SVG/main" xmlns="" r:embed="rId9"/>
               </a:ext>
             </a:extLst>
           </a:blip>
@@ -8400,7 +12248,7 @@
           </a:ln>
           <a:extLst>
             <a:ext uri="{C572A759-6A51-4108-AA02-DFA0A04FC94B}">
-              <ma14:wrappingTextBoxFlag xmlns:ma14="http://schemas.microsoft.com/office/mac/drawingml/2011/main" xmlns="" val="1"/>
+              <ma14:wrappingTextBoxFlag xmlns="" xmlns:ma14="http://schemas.microsoft.com/office/mac/drawingml/2011/main" val="1"/>
             </a:ext>
           </a:extLst>
         </p:spPr>
@@ -8447,7 +12295,7 @@
           <a:blip r:embed="rId2">
             <a:extLst>
               <a:ext uri="{96DAC541-7B7A-43D3-8B79-37D633B846F1}">
-                <asvg:svgBlip xmlns:asvg="http://schemas.microsoft.com/office/drawing/2016/SVG/main" r:embed="rId3"/>
+                <asvg:svgBlip xmlns:asvg="http://schemas.microsoft.com/office/drawing/2016/SVG/main" xmlns="" r:embed="rId3"/>
               </a:ext>
             </a:extLst>
           </a:blip>
@@ -8602,7 +12450,7 @@
           </a:ln>
           <a:extLst>
             <a:ext uri="{C572A759-6A51-4108-AA02-DFA0A04FC94B}">
-              <ma14:wrappingTextBoxFlag xmlns:ma14="http://schemas.microsoft.com/office/mac/drawingml/2011/main" xmlns="" val="1"/>
+              <ma14:wrappingTextBoxFlag xmlns="" xmlns:ma14="http://schemas.microsoft.com/office/mac/drawingml/2011/main" val="1"/>
             </a:ext>
           </a:extLst>
         </p:spPr>
@@ -8755,7 +12603,7 @@
           </a:ln>
           <a:extLst>
             <a:ext uri="{C572A759-6A51-4108-AA02-DFA0A04FC94B}">
-              <ma14:wrappingTextBoxFlag xmlns:ma14="http://schemas.microsoft.com/office/mac/drawingml/2011/main" xmlns="" val="1"/>
+              <ma14:wrappingTextBoxFlag xmlns="" xmlns:ma14="http://schemas.microsoft.com/office/mac/drawingml/2011/main" val="1"/>
             </a:ext>
           </a:extLst>
         </p:spPr>
@@ -8800,7 +12648,7 @@
           </a:ln>
           <a:extLst>
             <a:ext uri="{C572A759-6A51-4108-AA02-DFA0A04FC94B}">
-              <ma14:wrappingTextBoxFlag xmlns:ma14="http://schemas.microsoft.com/office/mac/drawingml/2011/main" xmlns="" val="1"/>
+              <ma14:wrappingTextBoxFlag xmlns="" xmlns:ma14="http://schemas.microsoft.com/office/mac/drawingml/2011/main" val="1"/>
             </a:ext>
           </a:extLst>
         </p:spPr>
@@ -8844,7 +12692,7 @@
           </a:ln>
           <a:extLst>
             <a:ext uri="{C572A759-6A51-4108-AA02-DFA0A04FC94B}">
-              <ma14:wrappingTextBoxFlag xmlns:ma14="http://schemas.microsoft.com/office/mac/drawingml/2011/main" xmlns="" val="1"/>
+              <ma14:wrappingTextBoxFlag xmlns="" xmlns:ma14="http://schemas.microsoft.com/office/mac/drawingml/2011/main" val="1"/>
             </a:ext>
           </a:extLst>
         </p:spPr>
@@ -8959,7 +12807,7 @@
             <a:effectLst/>
             <a:extLst>
               <a:ext uri="{C572A759-6A51-4108-AA02-DFA0A04FC94B}">
-                <ma14:wrappingTextBoxFlag xmlns:ma14="http://schemas.microsoft.com/office/mac/drawingml/2011/main" xmlns="" val="1"/>
+                <ma14:wrappingTextBoxFlag xmlns="" xmlns:ma14="http://schemas.microsoft.com/office/mac/drawingml/2011/main" val="1"/>
               </a:ext>
             </a:extLst>
           </p:spPr>
@@ -9141,7 +12989,7 @@
           </a:ln>
           <a:extLst>
             <a:ext uri="{C572A759-6A51-4108-AA02-DFA0A04FC94B}">
-              <ma14:wrappingTextBoxFlag xmlns:ma14="http://schemas.microsoft.com/office/mac/drawingml/2011/main" xmlns="" val="1"/>
+              <ma14:wrappingTextBoxFlag xmlns="" xmlns:ma14="http://schemas.microsoft.com/office/mac/drawingml/2011/main" val="1"/>
             </a:ext>
           </a:extLst>
         </p:spPr>
@@ -9256,7 +13104,7 @@
             <a:effectLst/>
             <a:extLst>
               <a:ext uri="{C572A759-6A51-4108-AA02-DFA0A04FC94B}">
-                <ma14:wrappingTextBoxFlag xmlns:ma14="http://schemas.microsoft.com/office/mac/drawingml/2011/main" xmlns="" val="1"/>
+                <ma14:wrappingTextBoxFlag xmlns="" xmlns:ma14="http://schemas.microsoft.com/office/mac/drawingml/2011/main" val="1"/>
               </a:ext>
             </a:extLst>
           </p:spPr>
@@ -9469,7 +13317,7 @@
           </a:ln>
           <a:extLst>
             <a:ext uri="{C572A759-6A51-4108-AA02-DFA0A04FC94B}">
-              <ma14:wrappingTextBoxFlag xmlns:ma14="http://schemas.microsoft.com/office/mac/drawingml/2011/main" xmlns="" val="1"/>
+              <ma14:wrappingTextBoxFlag xmlns="" xmlns:ma14="http://schemas.microsoft.com/office/mac/drawingml/2011/main" val="1"/>
             </a:ext>
           </a:extLst>
         </p:spPr>
@@ -9584,7 +13432,7 @@
             <a:effectLst/>
             <a:extLst>
               <a:ext uri="{C572A759-6A51-4108-AA02-DFA0A04FC94B}">
-                <ma14:wrappingTextBoxFlag xmlns:ma14="http://schemas.microsoft.com/office/mac/drawingml/2011/main" xmlns="" val="1"/>
+                <ma14:wrappingTextBoxFlag xmlns="" xmlns:ma14="http://schemas.microsoft.com/office/mac/drawingml/2011/main" val="1"/>
               </a:ext>
             </a:extLst>
           </p:spPr>
@@ -9702,7 +13550,7 @@
             <a:effectLst/>
             <a:extLst>
               <a:ext uri="{C572A759-6A51-4108-AA02-DFA0A04FC94B}">
-                <ma14:wrappingTextBoxFlag xmlns:ma14="http://schemas.microsoft.com/office/mac/drawingml/2011/main" xmlns="" val="1"/>
+                <ma14:wrappingTextBoxFlag xmlns="" xmlns:ma14="http://schemas.microsoft.com/office/mac/drawingml/2011/main" val="1"/>
               </a:ext>
             </a:extLst>
           </p:spPr>
@@ -9822,7 +13670,7 @@
             <a:effectLst/>
             <a:extLst>
               <a:ext uri="{C572A759-6A51-4108-AA02-DFA0A04FC94B}">
-                <ma14:wrappingTextBoxFlag xmlns:ma14="http://schemas.microsoft.com/office/mac/drawingml/2011/main" xmlns="" val="1"/>
+                <ma14:wrappingTextBoxFlag xmlns="" xmlns:ma14="http://schemas.microsoft.com/office/mac/drawingml/2011/main" val="1"/>
               </a:ext>
             </a:extLst>
           </p:spPr>
@@ -9942,7 +13790,7 @@
             <a:effectLst/>
             <a:extLst>
               <a:ext uri="{C572A759-6A51-4108-AA02-DFA0A04FC94B}">
-                <ma14:wrappingTextBoxFlag xmlns:ma14="http://schemas.microsoft.com/office/mac/drawingml/2011/main" xmlns="" val="1"/>
+                <ma14:wrappingTextBoxFlag xmlns="" xmlns:ma14="http://schemas.microsoft.com/office/mac/drawingml/2011/main" val="1"/>
               </a:ext>
             </a:extLst>
           </p:spPr>
@@ -9991,7 +13839,7 @@
           <a:blip r:embed="rId5">
             <a:extLst>
               <a:ext uri="{96DAC541-7B7A-43D3-8B79-37D633B846F1}">
-                <asvg:svgBlip xmlns:asvg="http://schemas.microsoft.com/office/drawing/2016/SVG/main" r:embed="rId6"/>
+                <asvg:svgBlip xmlns:asvg="http://schemas.microsoft.com/office/drawing/2016/SVG/main" xmlns="" r:embed="rId6"/>
               </a:ext>
             </a:extLst>
           </a:blip>
@@ -10057,7 +13905,7 @@
           <a:blip r:embed="rId8">
             <a:extLst>
               <a:ext uri="{96DAC541-7B7A-43D3-8B79-37D633B846F1}">
-                <asvg:svgBlip xmlns:asvg="http://schemas.microsoft.com/office/drawing/2016/SVG/main" r:embed="rId9"/>
+                <asvg:svgBlip xmlns:asvg="http://schemas.microsoft.com/office/drawing/2016/SVG/main" xmlns="" r:embed="rId9"/>
               </a:ext>
             </a:extLst>
           </a:blip>
@@ -10125,7 +13973,7 @@
           </a:ln>
           <a:extLst>
             <a:ext uri="{C572A759-6A51-4108-AA02-DFA0A04FC94B}">
-              <ma14:wrappingTextBoxFlag xmlns:ma14="http://schemas.microsoft.com/office/mac/drawingml/2011/main" xmlns="" val="1"/>
+              <ma14:wrappingTextBoxFlag xmlns="" xmlns:ma14="http://schemas.microsoft.com/office/mac/drawingml/2011/main" val="1"/>
             </a:ext>
           </a:extLst>
         </p:spPr>
@@ -10241,7 +14089,7 @@
             <a:effectLst/>
             <a:extLst>
               <a:ext uri="{C572A759-6A51-4108-AA02-DFA0A04FC94B}">
-                <ma14:wrappingTextBoxFlag xmlns:ma14="http://schemas.microsoft.com/office/mac/drawingml/2011/main" xmlns="" val="1"/>
+                <ma14:wrappingTextBoxFlag xmlns="" xmlns:ma14="http://schemas.microsoft.com/office/mac/drawingml/2011/main" val="1"/>
               </a:ext>
             </a:extLst>
           </p:spPr>
@@ -10342,7 +14190,7 @@
           </a:ln>
           <a:extLst>
             <a:ext uri="{C572A759-6A51-4108-AA02-DFA0A04FC94B}">
-              <ma14:wrappingTextBoxFlag xmlns:ma14="http://schemas.microsoft.com/office/mac/drawingml/2011/main" xmlns="" val="1"/>
+              <ma14:wrappingTextBoxFlag xmlns="" xmlns:ma14="http://schemas.microsoft.com/office/mac/drawingml/2011/main" val="1"/>
             </a:ext>
           </a:extLst>
         </p:spPr>
@@ -10437,7 +14285,7 @@
           </a:ln>
           <a:extLst>
             <a:ext uri="{C572A759-6A51-4108-AA02-DFA0A04FC94B}">
-              <ma14:wrappingTextBoxFlag xmlns:ma14="http://schemas.microsoft.com/office/mac/drawingml/2011/main" xmlns="" val="1"/>
+              <ma14:wrappingTextBoxFlag xmlns="" xmlns:ma14="http://schemas.microsoft.com/office/mac/drawingml/2011/main" val="1"/>
             </a:ext>
           </a:extLst>
         </p:spPr>
@@ -10487,7 +14335,7 @@
           </a:ln>
           <a:extLst>
             <a:ext uri="{C572A759-6A51-4108-AA02-DFA0A04FC94B}">
-              <ma14:wrappingTextBoxFlag xmlns:ma14="http://schemas.microsoft.com/office/mac/drawingml/2011/main" xmlns="" val="1"/>
+              <ma14:wrappingTextBoxFlag xmlns="" xmlns:ma14="http://schemas.microsoft.com/office/mac/drawingml/2011/main" val="1"/>
             </a:ext>
           </a:extLst>
         </p:spPr>
@@ -10539,7 +14387,7 @@
           </a:ln>
           <a:extLst>
             <a:ext uri="{C572A759-6A51-4108-AA02-DFA0A04FC94B}">
-              <ma14:wrappingTextBoxFlag xmlns:ma14="http://schemas.microsoft.com/office/mac/drawingml/2011/main" xmlns="" val="1"/>
+              <ma14:wrappingTextBoxFlag xmlns="" xmlns:ma14="http://schemas.microsoft.com/office/mac/drawingml/2011/main" val="1"/>
             </a:ext>
           </a:extLst>
         </p:spPr>
@@ -10851,7 +14699,7 @@
             </a:ln>
             <a:extLst>
               <a:ext uri="{C572A759-6A51-4108-AA02-DFA0A04FC94B}">
-                <ma14:wrappingTextBoxFlag xmlns:ma14="http://schemas.microsoft.com/office/mac/drawingml/2011/main" xmlns="" val="1"/>
+                <ma14:wrappingTextBoxFlag xmlns="" xmlns:ma14="http://schemas.microsoft.com/office/mac/drawingml/2011/main" val="1"/>
               </a:ext>
             </a:extLst>
           </p:spPr>
@@ -11098,7 +14946,7 @@
             </a:ln>
             <a:extLst>
               <a:ext uri="{C572A759-6A51-4108-AA02-DFA0A04FC94B}">
-                <ma14:wrappingTextBoxFlag xmlns:ma14="http://schemas.microsoft.com/office/mac/drawingml/2011/main" xmlns="" val="1"/>
+                <ma14:wrappingTextBoxFlag xmlns="" xmlns:ma14="http://schemas.microsoft.com/office/mac/drawingml/2011/main" val="1"/>
               </a:ext>
             </a:extLst>
           </p:spPr>
@@ -11365,7 +15213,7 @@
             </a:ln>
             <a:extLst>
               <a:ext uri="{C572A759-6A51-4108-AA02-DFA0A04FC94B}">
-                <ma14:wrappingTextBoxFlag xmlns:ma14="http://schemas.microsoft.com/office/mac/drawingml/2011/main" xmlns="" val="1"/>
+                <ma14:wrappingTextBoxFlag xmlns="" xmlns:ma14="http://schemas.microsoft.com/office/mac/drawingml/2011/main" val="1"/>
               </a:ext>
             </a:extLst>
           </p:spPr>
@@ -11612,7 +15460,7 @@
             </a:ln>
             <a:extLst>
               <a:ext uri="{C572A759-6A51-4108-AA02-DFA0A04FC94B}">
-                <ma14:wrappingTextBoxFlag xmlns:ma14="http://schemas.microsoft.com/office/mac/drawingml/2011/main" xmlns="" val="1"/>
+                <ma14:wrappingTextBoxFlag xmlns="" xmlns:ma14="http://schemas.microsoft.com/office/mac/drawingml/2011/main" val="1"/>
               </a:ext>
             </a:extLst>
           </p:spPr>
@@ -11664,7 +15512,7 @@
           </a:ln>
           <a:extLst>
             <a:ext uri="{C572A759-6A51-4108-AA02-DFA0A04FC94B}">
-              <ma14:wrappingTextBoxFlag xmlns:ma14="http://schemas.microsoft.com/office/mac/drawingml/2011/main" xmlns="" val="1"/>
+              <ma14:wrappingTextBoxFlag xmlns="" xmlns:ma14="http://schemas.microsoft.com/office/mac/drawingml/2011/main" val="1"/>
             </a:ext>
           </a:extLst>
         </p:spPr>
@@ -11761,7 +15609,7 @@
           </a:ln>
           <a:extLst>
             <a:ext uri="{C572A759-6A51-4108-AA02-DFA0A04FC94B}">
-              <ma14:wrappingTextBoxFlag xmlns:ma14="http://schemas.microsoft.com/office/mac/drawingml/2011/main" xmlns="" val="1"/>
+              <ma14:wrappingTextBoxFlag xmlns="" xmlns:ma14="http://schemas.microsoft.com/office/mac/drawingml/2011/main" val="1"/>
             </a:ext>
           </a:extLst>
         </p:spPr>
@@ -11887,7 +15735,7 @@
             <a:effectLst/>
             <a:extLst>
               <a:ext uri="{C572A759-6A51-4108-AA02-DFA0A04FC94B}">
-                <ma14:wrappingTextBoxFlag xmlns:ma14="http://schemas.microsoft.com/office/mac/drawingml/2011/main" xmlns="" val="1"/>
+                <ma14:wrappingTextBoxFlag xmlns="" xmlns:ma14="http://schemas.microsoft.com/office/mac/drawingml/2011/main" val="1"/>
               </a:ext>
             </a:extLst>
           </p:spPr>
@@ -11936,7 +15784,7 @@
           <a:blip r:embed="rId2">
             <a:extLst>
               <a:ext uri="{96DAC541-7B7A-43D3-8B79-37D633B846F1}">
-                <asvg:svgBlip xmlns:asvg="http://schemas.microsoft.com/office/drawing/2016/SVG/main" r:embed="rId3"/>
+                <asvg:svgBlip xmlns:asvg="http://schemas.microsoft.com/office/drawing/2016/SVG/main" xmlns="" r:embed="rId3"/>
               </a:ext>
             </a:extLst>
           </a:blip>
@@ -11972,7 +15820,7 @@
           <a:blip r:embed="rId4">
             <a:extLst>
               <a:ext uri="{96DAC541-7B7A-43D3-8B79-37D633B846F1}">
-                <asvg:svgBlip xmlns:asvg="http://schemas.microsoft.com/office/drawing/2016/SVG/main" r:embed="rId5"/>
+                <asvg:svgBlip xmlns:asvg="http://schemas.microsoft.com/office/drawing/2016/SVG/main" xmlns="" r:embed="rId5"/>
               </a:ext>
             </a:extLst>
           </a:blip>
@@ -12097,7 +15945,7 @@
             <a:effectLst/>
             <a:extLst>
               <a:ext uri="{C572A759-6A51-4108-AA02-DFA0A04FC94B}">
-                <ma14:wrappingTextBoxFlag xmlns:ma14="http://schemas.microsoft.com/office/mac/drawingml/2011/main" xmlns="" val="1"/>
+                <ma14:wrappingTextBoxFlag xmlns="" xmlns:ma14="http://schemas.microsoft.com/office/mac/drawingml/2011/main" val="1"/>
               </a:ext>
             </a:extLst>
           </p:spPr>
@@ -12235,7 +16083,7 @@
             <a:effectLst/>
             <a:extLst>
               <a:ext uri="{C572A759-6A51-4108-AA02-DFA0A04FC94B}">
-                <ma14:wrappingTextBoxFlag xmlns:ma14="http://schemas.microsoft.com/office/mac/drawingml/2011/main" xmlns="" val="1"/>
+                <ma14:wrappingTextBoxFlag xmlns="" xmlns:ma14="http://schemas.microsoft.com/office/mac/drawingml/2011/main" val="1"/>
               </a:ext>
             </a:extLst>
           </p:spPr>
@@ -12291,7 +16139,7 @@
           </a:ln>
           <a:extLst>
             <a:ext uri="{C572A759-6A51-4108-AA02-DFA0A04FC94B}">
-              <ma14:wrappingTextBoxFlag xmlns:ma14="http://schemas.microsoft.com/office/mac/drawingml/2011/main" xmlns="" val="1"/>
+              <ma14:wrappingTextBoxFlag xmlns="" xmlns:ma14="http://schemas.microsoft.com/office/mac/drawingml/2011/main" val="1"/>
             </a:ext>
           </a:extLst>
         </p:spPr>
@@ -12425,7 +16273,7 @@
             <a:effectLst/>
             <a:extLst>
               <a:ext uri="{C572A759-6A51-4108-AA02-DFA0A04FC94B}">
-                <ma14:wrappingTextBoxFlag xmlns:ma14="http://schemas.microsoft.com/office/mac/drawingml/2011/main" xmlns="" val="1"/>
+                <ma14:wrappingTextBoxFlag xmlns="" xmlns:ma14="http://schemas.microsoft.com/office/mac/drawingml/2011/main" val="1"/>
               </a:ext>
             </a:extLst>
           </p:spPr>
@@ -12526,7 +16374,7 @@
           </a:ln>
           <a:extLst>
             <a:ext uri="{C572A759-6A51-4108-AA02-DFA0A04FC94B}">
-              <ma14:wrappingTextBoxFlag xmlns:ma14="http://schemas.microsoft.com/office/mac/drawingml/2011/main" xmlns="" val="1"/>
+              <ma14:wrappingTextBoxFlag xmlns="" xmlns:ma14="http://schemas.microsoft.com/office/mac/drawingml/2011/main" val="1"/>
             </a:ext>
           </a:extLst>
         </p:spPr>
@@ -12621,7 +16469,7 @@
           </a:ln>
           <a:extLst>
             <a:ext uri="{C572A759-6A51-4108-AA02-DFA0A04FC94B}">
-              <ma14:wrappingTextBoxFlag xmlns:ma14="http://schemas.microsoft.com/office/mac/drawingml/2011/main" xmlns="" val="1"/>
+              <ma14:wrappingTextBoxFlag xmlns="" xmlns:ma14="http://schemas.microsoft.com/office/mac/drawingml/2011/main" val="1"/>
             </a:ext>
           </a:extLst>
         </p:spPr>
@@ -12671,7 +16519,7 @@
           </a:ln>
           <a:extLst>
             <a:ext uri="{C572A759-6A51-4108-AA02-DFA0A04FC94B}">
-              <ma14:wrappingTextBoxFlag xmlns:ma14="http://schemas.microsoft.com/office/mac/drawingml/2011/main" xmlns="" val="1"/>
+              <ma14:wrappingTextBoxFlag xmlns="" xmlns:ma14="http://schemas.microsoft.com/office/mac/drawingml/2011/main" val="1"/>
             </a:ext>
           </a:extLst>
         </p:spPr>
@@ -12723,7 +16571,7 @@
           </a:ln>
           <a:extLst>
             <a:ext uri="{C572A759-6A51-4108-AA02-DFA0A04FC94B}">
-              <ma14:wrappingTextBoxFlag xmlns:ma14="http://schemas.microsoft.com/office/mac/drawingml/2011/main" xmlns="" val="1"/>
+              <ma14:wrappingTextBoxFlag xmlns="" xmlns:ma14="http://schemas.microsoft.com/office/mac/drawingml/2011/main" val="1"/>
             </a:ext>
           </a:extLst>
         </p:spPr>
@@ -13035,7 +16883,7 @@
             </a:ln>
             <a:extLst>
               <a:ext uri="{C572A759-6A51-4108-AA02-DFA0A04FC94B}">
-                <ma14:wrappingTextBoxFlag xmlns:ma14="http://schemas.microsoft.com/office/mac/drawingml/2011/main" xmlns="" val="1"/>
+                <ma14:wrappingTextBoxFlag xmlns="" xmlns:ma14="http://schemas.microsoft.com/office/mac/drawingml/2011/main" val="1"/>
               </a:ext>
             </a:extLst>
           </p:spPr>
@@ -13282,7 +17130,7 @@
             </a:ln>
             <a:extLst>
               <a:ext uri="{C572A759-6A51-4108-AA02-DFA0A04FC94B}">
-                <ma14:wrappingTextBoxFlag xmlns:ma14="http://schemas.microsoft.com/office/mac/drawingml/2011/main" xmlns="" val="1"/>
+                <ma14:wrappingTextBoxFlag xmlns="" xmlns:ma14="http://schemas.microsoft.com/office/mac/drawingml/2011/main" val="1"/>
               </a:ext>
             </a:extLst>
           </p:spPr>
@@ -13549,7 +17397,7 @@
             </a:ln>
             <a:extLst>
               <a:ext uri="{C572A759-6A51-4108-AA02-DFA0A04FC94B}">
-                <ma14:wrappingTextBoxFlag xmlns:ma14="http://schemas.microsoft.com/office/mac/drawingml/2011/main" xmlns="" val="1"/>
+                <ma14:wrappingTextBoxFlag xmlns="" xmlns:ma14="http://schemas.microsoft.com/office/mac/drawingml/2011/main" val="1"/>
               </a:ext>
             </a:extLst>
           </p:spPr>
@@ -13796,7 +17644,7 @@
             </a:ln>
             <a:extLst>
               <a:ext uri="{C572A759-6A51-4108-AA02-DFA0A04FC94B}">
-                <ma14:wrappingTextBoxFlag xmlns:ma14="http://schemas.microsoft.com/office/mac/drawingml/2011/main" xmlns="" val="1"/>
+                <ma14:wrappingTextBoxFlag xmlns="" xmlns:ma14="http://schemas.microsoft.com/office/mac/drawingml/2011/main" val="1"/>
               </a:ext>
             </a:extLst>
           </p:spPr>
@@ -13848,7 +17696,7 @@
           </a:ln>
           <a:extLst>
             <a:ext uri="{C572A759-6A51-4108-AA02-DFA0A04FC94B}">
-              <ma14:wrappingTextBoxFlag xmlns:ma14="http://schemas.microsoft.com/office/mac/drawingml/2011/main" xmlns="" val="1"/>
+              <ma14:wrappingTextBoxFlag xmlns="" xmlns:ma14="http://schemas.microsoft.com/office/mac/drawingml/2011/main" val="1"/>
             </a:ext>
           </a:extLst>
         </p:spPr>
@@ -14027,7 +17875,7 @@
             <a:effectLst/>
             <a:extLst>
               <a:ext uri="{C572A759-6A51-4108-AA02-DFA0A04FC94B}">
-                <ma14:wrappingTextBoxFlag xmlns:ma14="http://schemas.microsoft.com/office/mac/drawingml/2011/main" xmlns="" val="1"/>
+                <ma14:wrappingTextBoxFlag xmlns="" xmlns:ma14="http://schemas.microsoft.com/office/mac/drawingml/2011/main" val="1"/>
               </a:ext>
             </a:extLst>
           </p:spPr>
@@ -14076,7 +17924,7 @@
           <a:blip r:embed="rId2">
             <a:extLst>
               <a:ext uri="{96DAC541-7B7A-43D3-8B79-37D633B846F1}">
-                <asvg:svgBlip xmlns:asvg="http://schemas.microsoft.com/office/drawing/2016/SVG/main" r:embed="rId3"/>
+                <asvg:svgBlip xmlns:asvg="http://schemas.microsoft.com/office/drawing/2016/SVG/main" xmlns="" r:embed="rId3"/>
               </a:ext>
             </a:extLst>
           </a:blip>
@@ -14112,7 +17960,7 @@
           <a:blip r:embed="rId4">
             <a:extLst>
               <a:ext uri="{96DAC541-7B7A-43D3-8B79-37D633B846F1}">
-                <asvg:svgBlip xmlns:asvg="http://schemas.microsoft.com/office/drawing/2016/SVG/main" r:embed="rId5"/>
+                <asvg:svgBlip xmlns:asvg="http://schemas.microsoft.com/office/drawing/2016/SVG/main" xmlns="" r:embed="rId5"/>
               </a:ext>
             </a:extLst>
           </a:blip>
@@ -14237,7 +18085,7 @@
             <a:effectLst/>
             <a:extLst>
               <a:ext uri="{C572A759-6A51-4108-AA02-DFA0A04FC94B}">
-                <ma14:wrappingTextBoxFlag xmlns:ma14="http://schemas.microsoft.com/office/mac/drawingml/2011/main" xmlns="" val="1"/>
+                <ma14:wrappingTextBoxFlag xmlns="" xmlns:ma14="http://schemas.microsoft.com/office/mac/drawingml/2011/main" val="1"/>
               </a:ext>
             </a:extLst>
           </p:spPr>
@@ -14375,7 +18223,7 @@
             <a:effectLst/>
             <a:extLst>
               <a:ext uri="{C572A759-6A51-4108-AA02-DFA0A04FC94B}">
-                <ma14:wrappingTextBoxFlag xmlns:ma14="http://schemas.microsoft.com/office/mac/drawingml/2011/main" xmlns="" val="1"/>
+                <ma14:wrappingTextBoxFlag xmlns="" xmlns:ma14="http://schemas.microsoft.com/office/mac/drawingml/2011/main" val="1"/>
               </a:ext>
             </a:extLst>
           </p:spPr>
@@ -14513,7 +18361,7 @@
             <a:effectLst/>
             <a:extLst>
               <a:ext uri="{C572A759-6A51-4108-AA02-DFA0A04FC94B}">
-                <ma14:wrappingTextBoxFlag xmlns:ma14="http://schemas.microsoft.com/office/mac/drawingml/2011/main" xmlns="" val="1"/>
+                <ma14:wrappingTextBoxFlag xmlns="" xmlns:ma14="http://schemas.microsoft.com/office/mac/drawingml/2011/main" val="1"/>
               </a:ext>
             </a:extLst>
           </p:spPr>
@@ -15219,7 +19067,7 @@
             <a:effectLst/>
             <a:extLst>
               <a:ext uri="{C572A759-6A51-4108-AA02-DFA0A04FC94B}">
-                <ma14:wrappingTextBoxFlag xmlns:ma14="http://schemas.microsoft.com/office/mac/drawingml/2011/main" xmlns="" val="1"/>
+                <ma14:wrappingTextBoxFlag xmlns="" xmlns:ma14="http://schemas.microsoft.com/office/mac/drawingml/2011/main" val="1"/>
               </a:ext>
             </a:extLst>
           </p:spPr>
@@ -15336,6 +19184,116 @@
           <a:chExt cx="0" cy="0"/>
         </a:xfrm>
       </p:grpSpPr>
+      <p:pic>
+        <p:nvPicPr>
+          <p:cNvPr id="2" name="Picture 1"/>
+          <p:cNvPicPr>
+            <a:picLocks noChangeAspect="1"/>
+          </p:cNvPicPr>
+          <p:nvPr/>
+        </p:nvPicPr>
+        <p:blipFill>
+          <a:blip r:embed="rId2"/>
+          <a:stretch>
+            <a:fillRect/>
+          </a:stretch>
+        </p:blipFill>
+        <p:spPr>
+          <a:xfrm>
+            <a:off x="829880" y="2029581"/>
+            <a:ext cx="11741914" cy="4541914"/>
+          </a:xfrm>
+          <a:prstGeom prst="rect">
+            <a:avLst/>
+          </a:prstGeom>
+        </p:spPr>
+      </p:pic>
+    </p:spTree>
+    <p:extLst>
+      <p:ext uri="{BB962C8B-B14F-4D97-AF65-F5344CB8AC3E}">
+        <p14:creationId xmlns:p14="http://schemas.microsoft.com/office/powerpoint/2010/main" val="2885894491"/>
+      </p:ext>
+    </p:extLst>
+  </p:cSld>
+  <p:clrMapOvr>
+    <a:masterClrMapping/>
+  </p:clrMapOvr>
+  <p:transition spd="med"/>
+</p:sld>
+</file>
+
+<file path=ppt/slides/slide8.xml><?xml version="1.0" encoding="utf-8"?>
+<p:sld xmlns:a="http://schemas.openxmlformats.org/drawingml/2006/main" xmlns:r="http://schemas.openxmlformats.org/officeDocument/2006/relationships" xmlns:p="http://schemas.openxmlformats.org/presentationml/2006/main">
+  <p:cSld>
+    <p:spTree>
+      <p:nvGrpSpPr>
+        <p:cNvPr id="1" name=""/>
+        <p:cNvGrpSpPr/>
+        <p:nvPr/>
+      </p:nvGrpSpPr>
+      <p:grpSpPr>
+        <a:xfrm>
+          <a:off x="0" y="0"/>
+          <a:ext cx="0" cy="0"/>
+          <a:chOff x="0" y="0"/>
+          <a:chExt cx="0" cy="0"/>
+        </a:xfrm>
+      </p:grpSpPr>
+      <p:pic>
+        <p:nvPicPr>
+          <p:cNvPr id="2" name="Picture 1"/>
+          <p:cNvPicPr>
+            <a:picLocks noChangeAspect="1"/>
+          </p:cNvPicPr>
+          <p:nvPr/>
+        </p:nvPicPr>
+        <p:blipFill>
+          <a:blip r:embed="rId2"/>
+          <a:stretch>
+            <a:fillRect/>
+          </a:stretch>
+        </p:blipFill>
+        <p:spPr>
+          <a:xfrm>
+            <a:off x="735571" y="2127685"/>
+            <a:ext cx="12016257" cy="4602879"/>
+          </a:xfrm>
+          <a:prstGeom prst="rect">
+            <a:avLst/>
+          </a:prstGeom>
+        </p:spPr>
+      </p:pic>
+    </p:spTree>
+    <p:extLst>
+      <p:ext uri="{BB962C8B-B14F-4D97-AF65-F5344CB8AC3E}">
+        <p14:creationId xmlns:p14="http://schemas.microsoft.com/office/powerpoint/2010/main" val="1463828784"/>
+      </p:ext>
+    </p:extLst>
+  </p:cSld>
+  <p:clrMapOvr>
+    <a:masterClrMapping/>
+  </p:clrMapOvr>
+  <p:transition spd="med"/>
+</p:sld>
+</file>
+
+<file path=ppt/slides/slide9.xml><?xml version="1.0" encoding="utf-8"?>
+<p:sld xmlns:a="http://schemas.openxmlformats.org/drawingml/2006/main" xmlns:r="http://schemas.openxmlformats.org/officeDocument/2006/relationships" xmlns:p="http://schemas.openxmlformats.org/presentationml/2006/main">
+  <p:cSld>
+    <p:spTree>
+      <p:nvGrpSpPr>
+        <p:cNvPr id="1" name=""/>
+        <p:cNvGrpSpPr/>
+        <p:nvPr/>
+      </p:nvGrpSpPr>
+      <p:grpSpPr>
+        <a:xfrm>
+          <a:off x="0" y="0"/>
+          <a:ext cx="0" cy="0"/>
+          <a:chOff x="0" y="0"/>
+          <a:chExt cx="0" cy="0"/>
+        </a:xfrm>
+      </p:grpSpPr>
       <p:sp>
         <p:nvSpPr>
           <p:cNvPr id="245" name="Shape 245"/>
@@ -15421,7 +19379,7 @@
           </a:ln>
           <a:extLst>
             <a:ext uri="{C572A759-6A51-4108-AA02-DFA0A04FC94B}">
-              <ma14:wrappingTextBoxFlag xmlns:ma14="http://schemas.microsoft.com/office/mac/drawingml/2011/main" xmlns="" val="1"/>
+              <ma14:wrappingTextBoxFlag xmlns="" xmlns:ma14="http://schemas.microsoft.com/office/mac/drawingml/2011/main" val="1"/>
             </a:ext>
           </a:extLst>
         </p:spPr>
@@ -15513,7 +19471,7 @@
           </a:ln>
           <a:extLst>
             <a:ext uri="{C572A759-6A51-4108-AA02-DFA0A04FC94B}">
-              <ma14:wrappingTextBoxFlag xmlns:ma14="http://schemas.microsoft.com/office/mac/drawingml/2011/main" xmlns="" val="1"/>
+              <ma14:wrappingTextBoxFlag xmlns="" xmlns:ma14="http://schemas.microsoft.com/office/mac/drawingml/2011/main" val="1"/>
             </a:ext>
           </a:extLst>
         </p:spPr>
@@ -15666,7 +19624,7 @@
           </a:ln>
           <a:extLst>
             <a:ext uri="{C572A759-6A51-4108-AA02-DFA0A04FC94B}">
-              <ma14:wrappingTextBoxFlag xmlns:ma14="http://schemas.microsoft.com/office/mac/drawingml/2011/main" xmlns="" val="1"/>
+              <ma14:wrappingTextBoxFlag xmlns="" xmlns:ma14="http://schemas.microsoft.com/office/mac/drawingml/2011/main" val="1"/>
             </a:ext>
           </a:extLst>
         </p:spPr>
@@ -15711,7 +19669,7 @@
           </a:ln>
           <a:extLst>
             <a:ext uri="{C572A759-6A51-4108-AA02-DFA0A04FC94B}">
-              <ma14:wrappingTextBoxFlag xmlns:ma14="http://schemas.microsoft.com/office/mac/drawingml/2011/main" xmlns="" val="1"/>
+              <ma14:wrappingTextBoxFlag xmlns="" xmlns:ma14="http://schemas.microsoft.com/office/mac/drawingml/2011/main" val="1"/>
             </a:ext>
           </a:extLst>
         </p:spPr>
@@ -15888,7 +19846,7 @@
           </a:ln>
           <a:extLst>
             <a:ext uri="{C572A759-6A51-4108-AA02-DFA0A04FC94B}">
-              <ma14:wrappingTextBoxFlag xmlns:ma14="http://schemas.microsoft.com/office/mac/drawingml/2011/main" xmlns="" val="1"/>
+              <ma14:wrappingTextBoxFlag xmlns="" xmlns:ma14="http://schemas.microsoft.com/office/mac/drawingml/2011/main" val="1"/>
             </a:ext>
           </a:extLst>
         </p:spPr>
@@ -15966,7 +19924,7 @@
           </a:ln>
           <a:extLst>
             <a:ext uri="{C572A759-6A51-4108-AA02-DFA0A04FC94B}">
-              <ma14:wrappingTextBoxFlag xmlns:ma14="http://schemas.microsoft.com/office/mac/drawingml/2011/main" xmlns="" val="1"/>
+              <ma14:wrappingTextBoxFlag xmlns="" xmlns:ma14="http://schemas.microsoft.com/office/mac/drawingml/2011/main" val="1"/>
             </a:ext>
           </a:extLst>
         </p:spPr>
@@ -16050,7 +20008,7 @@
           </a:ln>
           <a:extLst>
             <a:ext uri="{C572A759-6A51-4108-AA02-DFA0A04FC94B}">
-              <ma14:wrappingTextBoxFlag xmlns:ma14="http://schemas.microsoft.com/office/mac/drawingml/2011/main" xmlns="" val="1"/>
+              <ma14:wrappingTextBoxFlag xmlns="" xmlns:ma14="http://schemas.microsoft.com/office/mac/drawingml/2011/main" val="1"/>
             </a:ext>
           </a:extLst>
         </p:spPr>
@@ -16168,7 +20126,7 @@
             <a:effectLst/>
             <a:extLst>
               <a:ext uri="{C572A759-6A51-4108-AA02-DFA0A04FC94B}">
-                <ma14:wrappingTextBoxFlag xmlns:ma14="http://schemas.microsoft.com/office/mac/drawingml/2011/main" xmlns="" val="1"/>
+                <ma14:wrappingTextBoxFlag xmlns="" xmlns:ma14="http://schemas.microsoft.com/office/mac/drawingml/2011/main" val="1"/>
               </a:ext>
             </a:extLst>
           </p:spPr>
@@ -16382,7 +20340,7 @@
           </a:ln>
           <a:extLst>
             <a:ext uri="{C572A759-6A51-4108-AA02-DFA0A04FC94B}">
-              <ma14:wrappingTextBoxFlag xmlns:ma14="http://schemas.microsoft.com/office/mac/drawingml/2011/main" xmlns="" val="1"/>
+              <ma14:wrappingTextBoxFlag xmlns="" xmlns:ma14="http://schemas.microsoft.com/office/mac/drawingml/2011/main" val="1"/>
             </a:ext>
           </a:extLst>
         </p:spPr>
@@ -16497,7 +20455,7 @@
             <a:effectLst/>
             <a:extLst>
               <a:ext uri="{C572A759-6A51-4108-AA02-DFA0A04FC94B}">
-                <ma14:wrappingTextBoxFlag xmlns:ma14="http://schemas.microsoft.com/office/mac/drawingml/2011/main" xmlns="" val="1"/>
+                <ma14:wrappingTextBoxFlag xmlns="" xmlns:ma14="http://schemas.microsoft.com/office/mac/drawingml/2011/main" val="1"/>
               </a:ext>
             </a:extLst>
           </p:spPr>
@@ -16615,7 +20573,7 @@
             <a:effectLst/>
             <a:extLst>
               <a:ext uri="{C572A759-6A51-4108-AA02-DFA0A04FC94B}">
-                <ma14:wrappingTextBoxFlag xmlns:ma14="http://schemas.microsoft.com/office/mac/drawingml/2011/main" xmlns="" val="1"/>
+                <ma14:wrappingTextBoxFlag xmlns="" xmlns:ma14="http://schemas.microsoft.com/office/mac/drawingml/2011/main" val="1"/>
               </a:ext>
             </a:extLst>
           </p:spPr>
@@ -16733,7 +20691,7 @@
             <a:effectLst/>
             <a:extLst>
               <a:ext uri="{C572A759-6A51-4108-AA02-DFA0A04FC94B}">
-                <ma14:wrappingTextBoxFlag xmlns:ma14="http://schemas.microsoft.com/office/mac/drawingml/2011/main" xmlns="" val="1"/>
+                <ma14:wrappingTextBoxFlag xmlns="" xmlns:ma14="http://schemas.microsoft.com/office/mac/drawingml/2011/main" val="1"/>
               </a:ext>
             </a:extLst>
           </p:spPr>
@@ -16851,7 +20809,7 @@
             <a:effectLst/>
             <a:extLst>
               <a:ext uri="{C572A759-6A51-4108-AA02-DFA0A04FC94B}">
-                <ma14:wrappingTextBoxFlag xmlns:ma14="http://schemas.microsoft.com/office/mac/drawingml/2011/main" xmlns="" val="1"/>
+                <ma14:wrappingTextBoxFlag xmlns="" xmlns:ma14="http://schemas.microsoft.com/office/mac/drawingml/2011/main" val="1"/>
               </a:ext>
             </a:extLst>
           </p:spPr>
@@ -16969,7 +20927,7 @@
             <a:effectLst/>
             <a:extLst>
               <a:ext uri="{C572A759-6A51-4108-AA02-DFA0A04FC94B}">
-                <ma14:wrappingTextBoxFlag xmlns:ma14="http://schemas.microsoft.com/office/mac/drawingml/2011/main" xmlns="" val="1"/>
+                <ma14:wrappingTextBoxFlag xmlns="" xmlns:ma14="http://schemas.microsoft.com/office/mac/drawingml/2011/main" val="1"/>
               </a:ext>
             </a:extLst>
           </p:spPr>
@@ -17087,7 +21045,7 @@
             <a:effectLst/>
             <a:extLst>
               <a:ext uri="{C572A759-6A51-4108-AA02-DFA0A04FC94B}">
-                <ma14:wrappingTextBoxFlag xmlns:ma14="http://schemas.microsoft.com/office/mac/drawingml/2011/main" xmlns="" val="1"/>
+                <ma14:wrappingTextBoxFlag xmlns="" xmlns:ma14="http://schemas.microsoft.com/office/mac/drawingml/2011/main" val="1"/>
               </a:ext>
             </a:extLst>
           </p:spPr>
@@ -17205,7 +21163,7 @@
             <a:effectLst/>
             <a:extLst>
               <a:ext uri="{C572A759-6A51-4108-AA02-DFA0A04FC94B}">
-                <ma14:wrappingTextBoxFlag xmlns:ma14="http://schemas.microsoft.com/office/mac/drawingml/2011/main" xmlns="" val="1"/>
+                <ma14:wrappingTextBoxFlag xmlns="" xmlns:ma14="http://schemas.microsoft.com/office/mac/drawingml/2011/main" val="1"/>
               </a:ext>
             </a:extLst>
           </p:spPr>
@@ -17356,7 +21314,7 @@
             <a:effectLst/>
             <a:extLst>
               <a:ext uri="{C572A759-6A51-4108-AA02-DFA0A04FC94B}">
-                <ma14:wrappingTextBoxFlag xmlns:ma14="http://schemas.microsoft.com/office/mac/drawingml/2011/main" xmlns="" val="1"/>
+                <ma14:wrappingTextBoxFlag xmlns="" xmlns:ma14="http://schemas.microsoft.com/office/mac/drawingml/2011/main" val="1"/>
               </a:ext>
             </a:extLst>
           </p:spPr>
@@ -17403,7 +21361,7 @@
           <a:blip r:embed="rId2">
             <a:extLst>
               <a:ext uri="{96DAC541-7B7A-43D3-8B79-37D633B846F1}">
-                <asvg:svgBlip xmlns:asvg="http://schemas.microsoft.com/office/drawing/2016/SVG/main" r:embed="rId3"/>
+                <asvg:svgBlip xmlns:asvg="http://schemas.microsoft.com/office/drawing/2016/SVG/main" xmlns="" r:embed="rId3"/>
               </a:ext>
             </a:extLst>
           </a:blip>
@@ -17469,7 +21427,7 @@
           <a:blip r:embed="rId5">
             <a:extLst>
               <a:ext uri="{96DAC541-7B7A-43D3-8B79-37D633B846F1}">
-                <asvg:svgBlip xmlns:asvg="http://schemas.microsoft.com/office/drawing/2016/SVG/main" r:embed="rId6"/>
+                <asvg:svgBlip xmlns:asvg="http://schemas.microsoft.com/office/drawing/2016/SVG/main" xmlns="" r:embed="rId6"/>
               </a:ext>
             </a:extLst>
           </a:blip>
@@ -17505,7 +21463,7 @@
           <a:blip r:embed="rId7">
             <a:extLst>
               <a:ext uri="{96DAC541-7B7A-43D3-8B79-37D633B846F1}">
-                <asvg:svgBlip xmlns:asvg="http://schemas.microsoft.com/office/drawing/2016/SVG/main" r:embed="rId8"/>
+                <asvg:svgBlip xmlns:asvg="http://schemas.microsoft.com/office/drawing/2016/SVG/main" xmlns="" r:embed="rId8"/>
               </a:ext>
             </a:extLst>
           </a:blip>
@@ -17541,7 +21499,7 @@
           <a:blip r:embed="rId9">
             <a:extLst>
               <a:ext uri="{96DAC541-7B7A-43D3-8B79-37D633B846F1}">
-                <asvg:svgBlip xmlns:asvg="http://schemas.microsoft.com/office/drawing/2016/SVG/main" r:embed="rId10"/>
+                <asvg:svgBlip xmlns:asvg="http://schemas.microsoft.com/office/drawing/2016/SVG/main" xmlns="" r:embed="rId10"/>
               </a:ext>
             </a:extLst>
           </a:blip>
@@ -17644,3846 +21602,6 @@
     <a:masterClrMapping/>
   </p:clrMapOvr>
   <p:transition spd="slow"/>
-</p:sld>
-</file>
-
-<file path=ppt/slides/slide8.xml><?xml version="1.0" encoding="utf-8"?>
-<p:sld xmlns:a="http://schemas.openxmlformats.org/drawingml/2006/main" xmlns:r="http://schemas.openxmlformats.org/officeDocument/2006/relationships" xmlns:p="http://schemas.openxmlformats.org/presentationml/2006/main">
-  <p:cSld>
-    <p:spTree>
-      <p:nvGrpSpPr>
-        <p:cNvPr id="1" name=""/>
-        <p:cNvGrpSpPr/>
-        <p:nvPr/>
-      </p:nvGrpSpPr>
-      <p:grpSpPr>
-        <a:xfrm>
-          <a:off x="0" y="0"/>
-          <a:ext cx="0" cy="0"/>
-          <a:chOff x="0" y="0"/>
-          <a:chExt cx="0" cy="0"/>
-        </a:xfrm>
-      </p:grpSpPr>
-      <p:sp>
-        <p:nvSpPr>
-          <p:cNvPr id="119" name="Shape 119"/>
-          <p:cNvSpPr/>
-          <p:nvPr/>
-        </p:nvSpPr>
-        <p:spPr>
-          <a:xfrm>
-            <a:off x="4535678" y="322481"/>
-            <a:ext cx="2463613" cy="2335366"/>
-          </a:xfrm>
-          <a:prstGeom prst="roundRect">
-            <a:avLst>
-              <a:gd name="adj" fmla="val 12953"/>
-            </a:avLst>
-          </a:prstGeom>
-          <a:ln w="25400">
-            <a:solidFill>
-              <a:srgbClr val="85888D"/>
-            </a:solidFill>
-            <a:miter lim="400000"/>
-          </a:ln>
-        </p:spPr>
-        <p:txBody>
-          <a:bodyPr lIns="25400" tIns="25400" rIns="25400" bIns="25400"/>
-          <a:lstStyle/>
-          <a:p>
-            <a:pPr defTabSz="914400">
-              <a:defRPr sz="1600">
-                <a:latin typeface="Helvetica"/>
-                <a:ea typeface="Helvetica"/>
-                <a:cs typeface="Helvetica"/>
-                <a:sym typeface="Helvetica"/>
-              </a:defRPr>
-            </a:pPr>
-            <a:endParaRPr/>
-          </a:p>
-        </p:txBody>
-      </p:sp>
-      <p:sp>
-        <p:nvSpPr>
-          <p:cNvPr id="120" name="Shape 120"/>
-          <p:cNvSpPr/>
-          <p:nvPr/>
-        </p:nvSpPr>
-        <p:spPr>
-          <a:xfrm flipH="1" flipV="1">
-            <a:off x="2157417" y="1363560"/>
-            <a:ext cx="2156128" cy="1"/>
-          </a:xfrm>
-          <a:prstGeom prst="line">
-            <a:avLst/>
-          </a:prstGeom>
-          <a:ln w="50800">
-            <a:solidFill>
-              <a:srgbClr val="000000"/>
-            </a:solidFill>
-            <a:miter lim="400000"/>
-            <a:headEnd type="stealth"/>
-          </a:ln>
-        </p:spPr>
-        <p:txBody>
-          <a:bodyPr lIns="50800" tIns="50800" rIns="50800" bIns="50800" anchor="ctr"/>
-          <a:lstStyle/>
-          <a:p>
-            <a:pPr>
-              <a:defRPr sz="2400"/>
-            </a:pPr>
-            <a:endParaRPr/>
-          </a:p>
-        </p:txBody>
-      </p:sp>
-      <p:sp>
-        <p:nvSpPr>
-          <p:cNvPr id="124" name="Shape 124"/>
-          <p:cNvSpPr/>
-          <p:nvPr/>
-        </p:nvSpPr>
-        <p:spPr>
-          <a:xfrm>
-            <a:off x="1081421" y="2822012"/>
-            <a:ext cx="921933" cy="416988"/>
-          </a:xfrm>
-          <a:prstGeom prst="rect">
-            <a:avLst/>
-          </a:prstGeom>
-          <a:ln w="12700">
-            <a:miter lim="400000"/>
-          </a:ln>
-          <a:extLst>
-            <a:ext uri="{C572A759-6A51-4108-AA02-DFA0A04FC94B}">
-              <ma14:wrappingTextBoxFlag xmlns:ma14="http://schemas.microsoft.com/office/mac/drawingml/2011/main" xmlns="" val="1"/>
-            </a:ext>
-          </a:extLst>
-        </p:spPr>
-        <p:txBody>
-          <a:bodyPr lIns="50800" tIns="50800" rIns="50800" bIns="50800" anchor="ctr"/>
-          <a:lstStyle>
-            <a:lvl1pPr>
-              <a:spcBef>
-                <a:spcPts val="4200"/>
-              </a:spcBef>
-              <a:defRPr sz="1800">
-                <a:latin typeface="Helvetica"/>
-                <a:ea typeface="Helvetica"/>
-                <a:cs typeface="Helvetica"/>
-                <a:sym typeface="Helvetica"/>
-              </a:defRPr>
-            </a:lvl1pPr>
-          </a:lstStyle>
-          <a:p>
-            <a:r>
-              <a:t>Sensor</a:t>
-            </a:r>
-          </a:p>
-        </p:txBody>
-      </p:sp>
-      <p:sp>
-        <p:nvSpPr>
-          <p:cNvPr id="125" name="Shape 125"/>
-          <p:cNvSpPr/>
-          <p:nvPr/>
-        </p:nvSpPr>
-        <p:spPr>
-          <a:xfrm>
-            <a:off x="1110680" y="354515"/>
-            <a:ext cx="894303" cy="416988"/>
-          </a:xfrm>
-          <a:prstGeom prst="rect">
-            <a:avLst/>
-          </a:prstGeom>
-          <a:ln w="12700">
-            <a:miter lim="400000"/>
-          </a:ln>
-          <a:extLst>
-            <a:ext uri="{C572A759-6A51-4108-AA02-DFA0A04FC94B}">
-              <ma14:wrappingTextBoxFlag xmlns:ma14="http://schemas.microsoft.com/office/mac/drawingml/2011/main" xmlns="" val="1"/>
-            </a:ext>
-          </a:extLst>
-        </p:spPr>
-        <p:txBody>
-          <a:bodyPr lIns="50800" tIns="50800" rIns="50800" bIns="50800" anchor="ctr"/>
-          <a:lstStyle>
-            <a:lvl1pPr>
-              <a:spcBef>
-                <a:spcPts val="4200"/>
-              </a:spcBef>
-              <a:defRPr sz="1800">
-                <a:latin typeface="Helvetica"/>
-                <a:ea typeface="Helvetica"/>
-                <a:cs typeface="Helvetica"/>
-                <a:sym typeface="Helvetica"/>
-              </a:defRPr>
-            </a:lvl1pPr>
-          </a:lstStyle>
-          <a:p>
-            <a:r>
-              <a:t>Device</a:t>
-            </a:r>
-          </a:p>
-        </p:txBody>
-      </p:sp>
-      <p:sp>
-        <p:nvSpPr>
-          <p:cNvPr id="127" name="Shape 127"/>
-          <p:cNvSpPr/>
-          <p:nvPr/>
-        </p:nvSpPr>
-        <p:spPr>
-          <a:xfrm>
-            <a:off x="5887846" y="1839729"/>
-            <a:ext cx="643745" cy="386099"/>
-          </a:xfrm>
-          <a:prstGeom prst="rect">
-            <a:avLst/>
-          </a:prstGeom>
-          <a:ln w="12700">
-            <a:miter lim="400000"/>
-          </a:ln>
-          <a:extLst>
-            <a:ext uri="{C572A759-6A51-4108-AA02-DFA0A04FC94B}">
-              <ma14:wrappingTextBoxFlag xmlns:ma14="http://schemas.microsoft.com/office/mac/drawingml/2011/main" xmlns="" val="1"/>
-            </a:ext>
-          </a:extLst>
-        </p:spPr>
-        <p:txBody>
-          <a:bodyPr lIns="50800" tIns="50800" rIns="50800" bIns="50800" anchor="ctr"/>
-          <a:lstStyle>
-            <a:lvl1pPr>
-              <a:spcBef>
-                <a:spcPts val="4200"/>
-              </a:spcBef>
-              <a:defRPr sz="1600">
-                <a:latin typeface="Helvetica"/>
-                <a:ea typeface="Helvetica"/>
-                <a:cs typeface="Helvetica"/>
-                <a:sym typeface="Helvetica"/>
-              </a:defRPr>
-            </a:lvl1pPr>
-          </a:lstStyle>
-          <a:p>
-            <a:r>
-              <a:t>Topic</a:t>
-            </a:r>
-          </a:p>
-        </p:txBody>
-      </p:sp>
-      <p:sp>
-        <p:nvSpPr>
-          <p:cNvPr id="128" name="Shape 128"/>
-          <p:cNvSpPr/>
-          <p:nvPr/>
-        </p:nvSpPr>
-        <p:spPr>
-          <a:xfrm>
-            <a:off x="2733034" y="1456224"/>
-            <a:ext cx="818862" cy="339768"/>
-          </a:xfrm>
-          <a:prstGeom prst="rect">
-            <a:avLst/>
-          </a:prstGeom>
-          <a:ln w="12700">
-            <a:miter lim="400000"/>
-          </a:ln>
-          <a:extLst>
-            <a:ext uri="{C572A759-6A51-4108-AA02-DFA0A04FC94B}">
-              <ma14:wrappingTextBoxFlag xmlns:ma14="http://schemas.microsoft.com/office/mac/drawingml/2011/main" xmlns="" val="1"/>
-            </a:ext>
-          </a:extLst>
-        </p:spPr>
-        <p:txBody>
-          <a:bodyPr lIns="50800" tIns="50800" rIns="50800" bIns="50800" anchor="ctr"/>
-          <a:lstStyle>
-            <a:lvl1pPr>
-              <a:spcBef>
-                <a:spcPts val="4200"/>
-              </a:spcBef>
-              <a:defRPr sz="1400">
-                <a:latin typeface="Helvetica"/>
-                <a:ea typeface="Helvetica"/>
-                <a:cs typeface="Helvetica"/>
-                <a:sym typeface="Helvetica"/>
-              </a:defRPr>
-            </a:lvl1pPr>
-          </a:lstStyle>
-          <a:p>
-            <a:r>
-              <a:t>Protocol</a:t>
-            </a:r>
-          </a:p>
-        </p:txBody>
-      </p:sp>
-      <p:sp>
-        <p:nvSpPr>
-          <p:cNvPr id="129" name="Shape 129"/>
-          <p:cNvSpPr/>
-          <p:nvPr/>
-        </p:nvSpPr>
-        <p:spPr>
-          <a:xfrm>
-            <a:off x="4330865" y="1168098"/>
-            <a:ext cx="390926" cy="390926"/>
-          </a:xfrm>
-          <a:prstGeom prst="ellipse">
-            <a:avLst/>
-          </a:prstGeom>
-          <a:solidFill>
-            <a:schemeClr val="tx1">
-              <a:lumMod val="75000"/>
-              <a:lumOff val="25000"/>
-            </a:schemeClr>
-          </a:solidFill>
-          <a:ln w="12700">
-            <a:noFill/>
-            <a:miter lim="400000"/>
-          </a:ln>
-        </p:spPr>
-        <p:txBody>
-          <a:bodyPr lIns="50800" tIns="50800" rIns="50800" bIns="50800" anchor="ctr"/>
-          <a:lstStyle/>
-          <a:p>
-            <a:pPr>
-              <a:defRPr sz="2400">
-                <a:solidFill>
-                  <a:srgbClr val="FFFFFF"/>
-                </a:solidFill>
-              </a:defRPr>
-            </a:pPr>
-            <a:endParaRPr/>
-          </a:p>
-        </p:txBody>
-      </p:sp>
-      <p:sp>
-        <p:nvSpPr>
-          <p:cNvPr id="130" name="Shape 130"/>
-          <p:cNvSpPr/>
-          <p:nvPr/>
-        </p:nvSpPr>
-        <p:spPr>
-          <a:xfrm>
-            <a:off x="4649072" y="1474202"/>
-            <a:ext cx="870623" cy="555983"/>
-          </a:xfrm>
-          <a:prstGeom prst="rect">
-            <a:avLst/>
-          </a:prstGeom>
-          <a:ln w="12700">
-            <a:miter lim="400000"/>
-          </a:ln>
-          <a:extLst>
-            <a:ext uri="{C572A759-6A51-4108-AA02-DFA0A04FC94B}">
-              <ma14:wrappingTextBoxFlag xmlns:ma14="http://schemas.microsoft.com/office/mac/drawingml/2011/main" xmlns="" val="1"/>
-            </a:ext>
-          </a:extLst>
-        </p:spPr>
-        <p:txBody>
-          <a:bodyPr lIns="50800" tIns="50800" rIns="50800" bIns="50800" anchor="ctr"/>
-          <a:lstStyle/>
-          <a:p>
-            <a:pPr algn="l">
-              <a:defRPr sz="1400">
-                <a:latin typeface="Helvetica"/>
-                <a:ea typeface="Helvetica"/>
-                <a:cs typeface="Helvetica"/>
-                <a:sym typeface="Helvetica"/>
-              </a:defRPr>
-            </a:pPr>
-            <a:r>
-              <a:t>Protocol</a:t>
-            </a:r>
-          </a:p>
-          <a:p>
-            <a:pPr algn="l">
-              <a:defRPr sz="1400">
-                <a:latin typeface="Helvetica"/>
-                <a:ea typeface="Helvetica"/>
-                <a:cs typeface="Helvetica"/>
-                <a:sym typeface="Helvetica"/>
-              </a:defRPr>
-            </a:pPr>
-            <a:r>
-              <a:t>Endpoint</a:t>
-            </a:r>
-          </a:p>
-        </p:txBody>
-      </p:sp>
-      <p:sp>
-        <p:nvSpPr>
-          <p:cNvPr id="131" name="Shape 131"/>
-          <p:cNvSpPr/>
-          <p:nvPr/>
-        </p:nvSpPr>
-        <p:spPr>
-          <a:xfrm>
-            <a:off x="4798436" y="354515"/>
-            <a:ext cx="1938096" cy="416988"/>
-          </a:xfrm>
-          <a:prstGeom prst="rect">
-            <a:avLst/>
-          </a:prstGeom>
-          <a:ln w="12700">
-            <a:miter lim="400000"/>
-          </a:ln>
-          <a:extLst>
-            <a:ext uri="{C572A759-6A51-4108-AA02-DFA0A04FC94B}">
-              <ma14:wrappingTextBoxFlag xmlns:ma14="http://schemas.microsoft.com/office/mac/drawingml/2011/main" xmlns="" val="1"/>
-            </a:ext>
-          </a:extLst>
-        </p:spPr>
-        <p:txBody>
-          <a:bodyPr lIns="50800" tIns="50800" rIns="50800" bIns="50800" anchor="ctr"/>
-          <a:lstStyle>
-            <a:lvl1pPr>
-              <a:defRPr sz="1800">
-                <a:latin typeface="Helvetica"/>
-                <a:ea typeface="Helvetica"/>
-                <a:cs typeface="Helvetica"/>
-                <a:sym typeface="Helvetica"/>
-              </a:defRPr>
-            </a:lvl1pPr>
-          </a:lstStyle>
-          <a:p>
-            <a:r>
-              <a:rPr lang="en-US" dirty="0"/>
-              <a:t>Server</a:t>
-            </a:r>
-            <a:endParaRPr dirty="0"/>
-          </a:p>
-        </p:txBody>
-      </p:sp>
-      <p:grpSp>
-        <p:nvGrpSpPr>
-          <p:cNvPr id="135" name="Group 135"/>
-          <p:cNvGrpSpPr/>
-          <p:nvPr/>
-        </p:nvGrpSpPr>
-        <p:grpSpPr>
-          <a:xfrm>
-            <a:off x="2427216" y="1035616"/>
-            <a:ext cx="382033" cy="253092"/>
-            <a:chOff x="0" y="0"/>
-            <a:chExt cx="382032" cy="253090"/>
-          </a:xfrm>
-          <a:solidFill>
-            <a:schemeClr val="tx1">
-              <a:lumMod val="75000"/>
-              <a:lumOff val="25000"/>
-            </a:schemeClr>
-          </a:solidFill>
-        </p:grpSpPr>
-        <p:sp>
-          <p:nvSpPr>
-            <p:cNvPr id="132" name="Shape 132"/>
-            <p:cNvSpPr/>
-            <p:nvPr/>
-          </p:nvSpPr>
-          <p:spPr>
-            <a:xfrm>
-              <a:off x="1816" y="0"/>
-              <a:ext cx="379416" cy="253091"/>
-            </a:xfrm>
-            <a:prstGeom prst="rect">
-              <a:avLst/>
-            </a:prstGeom>
-            <a:grpFill/>
-            <a:ln w="12700" cap="flat">
-              <a:noFill/>
-              <a:miter lim="400000"/>
-            </a:ln>
-            <a:effectLst/>
-          </p:spPr>
-          <p:txBody>
-            <a:bodyPr wrap="square" lIns="50800" tIns="50800" rIns="50800" bIns="50800" numCol="1" anchor="ctr">
-              <a:noAutofit/>
-            </a:bodyPr>
-            <a:lstStyle/>
-            <a:p>
-              <a:pPr>
-                <a:defRPr sz="2400">
-                  <a:solidFill>
-                    <a:srgbClr val="FFFFFF"/>
-                  </a:solidFill>
-                </a:defRPr>
-              </a:pPr>
-              <a:endParaRPr/>
-            </a:p>
-          </p:txBody>
-        </p:sp>
-        <p:sp>
-          <p:nvSpPr>
-            <p:cNvPr id="133" name="Shape 133"/>
-            <p:cNvSpPr/>
-            <p:nvPr/>
-          </p:nvSpPr>
-          <p:spPr>
-            <a:xfrm flipV="1">
-              <a:off x="198113" y="4121"/>
-              <a:ext cx="183920" cy="117762"/>
-            </a:xfrm>
-            <a:prstGeom prst="line">
-              <a:avLst/>
-            </a:prstGeom>
-            <a:grpFill/>
-            <a:ln w="12700" cap="flat">
-              <a:solidFill>
-                <a:srgbClr val="FFFFFF"/>
-              </a:solidFill>
-              <a:prstDash val="solid"/>
-              <a:miter lim="400000"/>
-            </a:ln>
-            <a:effectLst/>
-          </p:spPr>
-          <p:txBody>
-            <a:bodyPr wrap="square" lIns="50800" tIns="50800" rIns="50800" bIns="50800" numCol="1" anchor="ctr">
-              <a:noAutofit/>
-            </a:bodyPr>
-            <a:lstStyle/>
-            <a:p>
-              <a:pPr>
-                <a:defRPr sz="2400"/>
-              </a:pPr>
-              <a:endParaRPr/>
-            </a:p>
-          </p:txBody>
-        </p:sp>
-        <p:sp>
-          <p:nvSpPr>
-            <p:cNvPr id="134" name="Shape 134"/>
-            <p:cNvSpPr/>
-            <p:nvPr/>
-          </p:nvSpPr>
-          <p:spPr>
-            <a:xfrm flipH="1" flipV="1">
-              <a:off x="0" y="4012"/>
-              <a:ext cx="200712" cy="117871"/>
-            </a:xfrm>
-            <a:prstGeom prst="line">
-              <a:avLst/>
-            </a:prstGeom>
-            <a:grpFill/>
-            <a:ln w="12700" cap="flat">
-              <a:solidFill>
-                <a:srgbClr val="FFFFFF"/>
-              </a:solidFill>
-              <a:prstDash val="solid"/>
-              <a:miter lim="400000"/>
-            </a:ln>
-            <a:effectLst/>
-          </p:spPr>
-          <p:txBody>
-            <a:bodyPr wrap="square" lIns="50800" tIns="50800" rIns="50800" bIns="50800" numCol="1" anchor="ctr">
-              <a:noAutofit/>
-            </a:bodyPr>
-            <a:lstStyle/>
-            <a:p>
-              <a:pPr>
-                <a:defRPr sz="2400"/>
-              </a:pPr>
-              <a:endParaRPr/>
-            </a:p>
-          </p:txBody>
-        </p:sp>
-      </p:grpSp>
-      <p:sp>
-        <p:nvSpPr>
-          <p:cNvPr id="136" name="Shape 136"/>
-          <p:cNvSpPr/>
-          <p:nvPr/>
-        </p:nvSpPr>
-        <p:spPr>
-          <a:xfrm>
-            <a:off x="2172740" y="699184"/>
-            <a:ext cx="890985" cy="339768"/>
-          </a:xfrm>
-          <a:prstGeom prst="rect">
-            <a:avLst/>
-          </a:prstGeom>
-          <a:ln w="12700">
-            <a:miter lim="400000"/>
-          </a:ln>
-          <a:extLst>
-            <a:ext uri="{C572A759-6A51-4108-AA02-DFA0A04FC94B}">
-              <ma14:wrappingTextBoxFlag xmlns:ma14="http://schemas.microsoft.com/office/mac/drawingml/2011/main" xmlns="" val="1"/>
-            </a:ext>
-          </a:extLst>
-        </p:spPr>
-        <p:txBody>
-          <a:bodyPr lIns="50800" tIns="50800" rIns="50800" bIns="50800" anchor="ctr"/>
-          <a:lstStyle>
-            <a:lvl1pPr>
-              <a:spcBef>
-                <a:spcPts val="4200"/>
-              </a:spcBef>
-              <a:defRPr sz="1400">
-                <a:latin typeface="Helvetica"/>
-                <a:ea typeface="Helvetica"/>
-                <a:cs typeface="Helvetica"/>
-                <a:sym typeface="Helvetica"/>
-              </a:defRPr>
-            </a:lvl1pPr>
-          </a:lstStyle>
-          <a:p>
-            <a:r>
-              <a:rPr dirty="0"/>
-              <a:t>Message</a:t>
-            </a:r>
-          </a:p>
-        </p:txBody>
-      </p:sp>
-      <p:grpSp>
-        <p:nvGrpSpPr>
-          <p:cNvPr id="139" name="Group 139"/>
-          <p:cNvGrpSpPr/>
-          <p:nvPr/>
-        </p:nvGrpSpPr>
-        <p:grpSpPr>
-          <a:xfrm>
-            <a:off x="1013806" y="1991574"/>
-            <a:ext cx="313706" cy="386100"/>
-            <a:chOff x="0" y="0"/>
-            <a:chExt cx="313705" cy="386098"/>
-          </a:xfrm>
-        </p:grpSpPr>
-        <p:sp>
-          <p:nvSpPr>
-            <p:cNvPr id="137" name="Shape 137"/>
-            <p:cNvSpPr/>
-            <p:nvPr/>
-          </p:nvSpPr>
-          <p:spPr>
-            <a:xfrm>
-              <a:off x="0" y="36196"/>
-              <a:ext cx="313706" cy="313707"/>
-            </a:xfrm>
-            <a:prstGeom prst="ellipse">
-              <a:avLst/>
-            </a:prstGeom>
-            <a:ln/>
-          </p:spPr>
-          <p:style>
-            <a:lnRef idx="2">
-              <a:schemeClr val="accent1">
-                <a:shade val="50000"/>
-              </a:schemeClr>
-            </a:lnRef>
-            <a:fillRef idx="1">
-              <a:schemeClr val="accent1"/>
-            </a:fillRef>
-            <a:effectRef idx="0">
-              <a:schemeClr val="accent1"/>
-            </a:effectRef>
-            <a:fontRef idx="minor">
-              <a:schemeClr val="lt1"/>
-            </a:fontRef>
-          </p:style>
-          <p:txBody>
-            <a:bodyPr wrap="square" lIns="50800" tIns="50800" rIns="50800" bIns="50800" numCol="1" anchor="ctr">
-              <a:noAutofit/>
-            </a:bodyPr>
-            <a:lstStyle/>
-            <a:p>
-              <a:pPr>
-                <a:defRPr sz="1000" b="1">
-                  <a:solidFill>
-                    <a:srgbClr val="FFFFFF"/>
-                  </a:solidFill>
-                  <a:latin typeface="Helvetica"/>
-                  <a:ea typeface="Helvetica"/>
-                  <a:cs typeface="Helvetica"/>
-                  <a:sym typeface="Helvetica"/>
-                </a:defRPr>
-              </a:pPr>
-              <a:endParaRPr/>
-            </a:p>
-          </p:txBody>
-        </p:sp>
-        <p:sp>
-          <p:nvSpPr>
-            <p:cNvPr id="138" name="Shape 138"/>
-            <p:cNvSpPr/>
-            <p:nvPr/>
-          </p:nvSpPr>
-          <p:spPr>
-            <a:xfrm>
-              <a:off x="27230" y="0"/>
-              <a:ext cx="259245" cy="386099"/>
-            </a:xfrm>
-            <a:prstGeom prst="rect">
-              <a:avLst/>
-            </a:prstGeom>
-            <a:noFill/>
-            <a:ln w="12700" cap="flat">
-              <a:noFill/>
-              <a:miter lim="400000"/>
-            </a:ln>
-            <a:effectLst/>
-            <a:extLst>
-              <a:ext uri="{C572A759-6A51-4108-AA02-DFA0A04FC94B}">
-                <ma14:wrappingTextBoxFlag xmlns:ma14="http://schemas.microsoft.com/office/mac/drawingml/2011/main" xmlns="" val="1"/>
-              </a:ext>
-            </a:extLst>
-          </p:spPr>
-          <p:txBody>
-            <a:bodyPr wrap="square" lIns="50800" tIns="50800" rIns="50800" bIns="50800" numCol="1" anchor="ctr">
-              <a:noAutofit/>
-            </a:bodyPr>
-            <a:lstStyle>
-              <a:lvl1pPr>
-                <a:defRPr sz="1500" b="1">
-                  <a:solidFill>
-                    <a:srgbClr val="FFFFFF"/>
-                  </a:solidFill>
-                  <a:latin typeface="Helvetica"/>
-                  <a:ea typeface="Helvetica"/>
-                  <a:cs typeface="Helvetica"/>
-                  <a:sym typeface="Helvetica"/>
-                </a:defRPr>
-              </a:lvl1pPr>
-            </a:lstStyle>
-            <a:p>
-              <a:r>
-                <a:t>1</a:t>
-              </a:r>
-            </a:p>
-          </p:txBody>
-        </p:sp>
-      </p:grpSp>
-      <p:grpSp>
-        <p:nvGrpSpPr>
-          <p:cNvPr id="142" name="Group 142"/>
-          <p:cNvGrpSpPr/>
-          <p:nvPr/>
-        </p:nvGrpSpPr>
-        <p:grpSpPr>
-          <a:xfrm>
-            <a:off x="3074430" y="676018"/>
-            <a:ext cx="313706" cy="386100"/>
-            <a:chOff x="0" y="0"/>
-            <a:chExt cx="313705" cy="386098"/>
-          </a:xfrm>
-        </p:grpSpPr>
-        <p:sp>
-          <p:nvSpPr>
-            <p:cNvPr id="140" name="Shape 140"/>
-            <p:cNvSpPr/>
-            <p:nvPr/>
-          </p:nvSpPr>
-          <p:spPr>
-            <a:xfrm>
-              <a:off x="0" y="36196"/>
-              <a:ext cx="313706" cy="313707"/>
-            </a:xfrm>
-            <a:prstGeom prst="ellipse">
-              <a:avLst/>
-            </a:prstGeom>
-            <a:ln/>
-          </p:spPr>
-          <p:style>
-            <a:lnRef idx="2">
-              <a:schemeClr val="accent1">
-                <a:shade val="50000"/>
-              </a:schemeClr>
-            </a:lnRef>
-            <a:fillRef idx="1">
-              <a:schemeClr val="accent1"/>
-            </a:fillRef>
-            <a:effectRef idx="0">
-              <a:schemeClr val="accent1"/>
-            </a:effectRef>
-            <a:fontRef idx="minor">
-              <a:schemeClr val="lt1"/>
-            </a:fontRef>
-          </p:style>
-          <p:txBody>
-            <a:bodyPr wrap="square" lIns="50800" tIns="50800" rIns="50800" bIns="50800" numCol="1" anchor="ctr">
-              <a:noAutofit/>
-            </a:bodyPr>
-            <a:lstStyle/>
-            <a:p>
-              <a:pPr>
-                <a:defRPr sz="1000" b="1">
-                  <a:solidFill>
-                    <a:srgbClr val="FFFFFF"/>
-                  </a:solidFill>
-                  <a:latin typeface="Helvetica"/>
-                  <a:ea typeface="Helvetica"/>
-                  <a:cs typeface="Helvetica"/>
-                  <a:sym typeface="Helvetica"/>
-                </a:defRPr>
-              </a:pPr>
-              <a:endParaRPr/>
-            </a:p>
-          </p:txBody>
-        </p:sp>
-        <p:sp>
-          <p:nvSpPr>
-            <p:cNvPr id="141" name="Shape 141"/>
-            <p:cNvSpPr/>
-            <p:nvPr/>
-          </p:nvSpPr>
-          <p:spPr>
-            <a:xfrm>
-              <a:off x="27230" y="0"/>
-              <a:ext cx="259245" cy="386099"/>
-            </a:xfrm>
-            <a:prstGeom prst="rect">
-              <a:avLst/>
-            </a:prstGeom>
-            <a:noFill/>
-            <a:ln w="12700" cap="flat">
-              <a:noFill/>
-              <a:miter lim="400000"/>
-            </a:ln>
-            <a:effectLst/>
-            <a:extLst>
-              <a:ext uri="{C572A759-6A51-4108-AA02-DFA0A04FC94B}">
-                <ma14:wrappingTextBoxFlag xmlns:ma14="http://schemas.microsoft.com/office/mac/drawingml/2011/main" xmlns="" val="1"/>
-              </a:ext>
-            </a:extLst>
-          </p:spPr>
-          <p:txBody>
-            <a:bodyPr wrap="square" lIns="50800" tIns="50800" rIns="50800" bIns="50800" numCol="1" anchor="ctr">
-              <a:noAutofit/>
-            </a:bodyPr>
-            <a:lstStyle>
-              <a:lvl1pPr>
-                <a:defRPr sz="1500" b="1">
-                  <a:solidFill>
-                    <a:srgbClr val="FFFFFF"/>
-                  </a:solidFill>
-                  <a:latin typeface="Helvetica"/>
-                  <a:ea typeface="Helvetica"/>
-                  <a:cs typeface="Helvetica"/>
-                  <a:sym typeface="Helvetica"/>
-                </a:defRPr>
-              </a:lvl1pPr>
-            </a:lstStyle>
-            <a:p>
-              <a:r>
-                <a:t>2</a:t>
-              </a:r>
-            </a:p>
-          </p:txBody>
-        </p:sp>
-      </p:grpSp>
-      <p:grpSp>
-        <p:nvGrpSpPr>
-          <p:cNvPr id="2" name="Group 1">
-            <a:extLst>
-              <a:ext uri="{FF2B5EF4-FFF2-40B4-BE49-F238E27FC236}">
-                <a16:creationId xmlns:a16="http://schemas.microsoft.com/office/drawing/2014/main" id="{8DA6BD79-1CC4-784C-B1B8-3F951BEB8E58}"/>
-              </a:ext>
-            </a:extLst>
-          </p:cNvPr>
-          <p:cNvGrpSpPr/>
-          <p:nvPr/>
-        </p:nvGrpSpPr>
-        <p:grpSpPr>
-          <a:xfrm>
-            <a:off x="5242522" y="1170511"/>
-            <a:ext cx="344594" cy="386100"/>
-            <a:chOff x="5242522" y="1170511"/>
-            <a:chExt cx="344594" cy="386100"/>
-          </a:xfrm>
-        </p:grpSpPr>
-        <p:sp>
-          <p:nvSpPr>
-            <p:cNvPr id="143" name="Shape 143"/>
-            <p:cNvSpPr/>
-            <p:nvPr/>
-          </p:nvSpPr>
-          <p:spPr>
-            <a:xfrm>
-              <a:off x="5242522" y="1191264"/>
-              <a:ext cx="344594" cy="344594"/>
-            </a:xfrm>
-            <a:prstGeom prst="ellipse">
-              <a:avLst/>
-            </a:prstGeom>
-            <a:ln/>
-          </p:spPr>
-          <p:style>
-            <a:lnRef idx="2">
-              <a:schemeClr val="accent1">
-                <a:shade val="50000"/>
-              </a:schemeClr>
-            </a:lnRef>
-            <a:fillRef idx="1">
-              <a:schemeClr val="accent1"/>
-            </a:fillRef>
-            <a:effectRef idx="0">
-              <a:schemeClr val="accent1"/>
-            </a:effectRef>
-            <a:fontRef idx="minor">
-              <a:schemeClr val="lt1"/>
-            </a:fontRef>
-          </p:style>
-          <p:txBody>
-            <a:bodyPr lIns="50800" tIns="50800" rIns="50800" bIns="50800" anchor="ctr"/>
-            <a:lstStyle/>
-            <a:p>
-              <a:pPr>
-                <a:defRPr sz="1000" b="1">
-                  <a:solidFill>
-                    <a:srgbClr val="FFFFFF"/>
-                  </a:solidFill>
-                  <a:latin typeface="Helvetica"/>
-                  <a:ea typeface="Helvetica"/>
-                  <a:cs typeface="Helvetica"/>
-                  <a:sym typeface="Helvetica"/>
-                </a:defRPr>
-              </a:pPr>
-              <a:endParaRPr/>
-            </a:p>
-          </p:txBody>
-        </p:sp>
-        <p:sp>
-          <p:nvSpPr>
-            <p:cNvPr id="144" name="Shape 144"/>
-            <p:cNvSpPr/>
-            <p:nvPr/>
-          </p:nvSpPr>
-          <p:spPr>
-            <a:xfrm>
-              <a:off x="5285196" y="1170511"/>
-              <a:ext cx="259245" cy="386100"/>
-            </a:xfrm>
-            <a:prstGeom prst="rect">
-              <a:avLst/>
-            </a:prstGeom>
-            <a:ln w="12700">
-              <a:miter lim="400000"/>
-            </a:ln>
-            <a:extLst>
-              <a:ext uri="{C572A759-6A51-4108-AA02-DFA0A04FC94B}">
-                <ma14:wrappingTextBoxFlag xmlns:ma14="http://schemas.microsoft.com/office/mac/drawingml/2011/main" xmlns="" val="1"/>
-              </a:ext>
-            </a:extLst>
-          </p:spPr>
-          <p:txBody>
-            <a:bodyPr lIns="50800" tIns="50800" rIns="50800" bIns="50800" anchor="ctr"/>
-            <a:lstStyle>
-              <a:lvl1pPr>
-                <a:defRPr sz="1500" b="1">
-                  <a:solidFill>
-                    <a:srgbClr val="FFFFFF"/>
-                  </a:solidFill>
-                  <a:latin typeface="Helvetica"/>
-                  <a:ea typeface="Helvetica"/>
-                  <a:cs typeface="Helvetica"/>
-                  <a:sym typeface="Helvetica"/>
-                </a:defRPr>
-              </a:lvl1pPr>
-            </a:lstStyle>
-            <a:p>
-              <a:r>
-                <a:rPr dirty="0"/>
-                <a:t>3</a:t>
-              </a:r>
-            </a:p>
-          </p:txBody>
-        </p:sp>
-      </p:grpSp>
-      <p:sp>
-        <p:nvSpPr>
-          <p:cNvPr id="145" name="Shape 145"/>
-          <p:cNvSpPr/>
-          <p:nvPr/>
-        </p:nvSpPr>
-        <p:spPr>
-          <a:xfrm>
-            <a:off x="4649072" y="2243972"/>
-            <a:ext cx="1776127" cy="287258"/>
-          </a:xfrm>
-          <a:prstGeom prst="rect">
-            <a:avLst/>
-          </a:prstGeom>
-          <a:ln w="12700">
-            <a:miter lim="400000"/>
-          </a:ln>
-          <a:extLst>
-            <a:ext uri="{C572A759-6A51-4108-AA02-DFA0A04FC94B}">
-              <ma14:wrappingTextBoxFlag xmlns:ma14="http://schemas.microsoft.com/office/mac/drawingml/2011/main" xmlns="" val="1"/>
-            </a:ext>
-          </a:extLst>
-        </p:spPr>
-        <p:txBody>
-          <a:bodyPr wrap="none" lIns="50800" tIns="50800" rIns="50800" bIns="50800" anchor="ctr">
-            <a:spAutoFit/>
-          </a:bodyPr>
-          <a:lstStyle>
-            <a:lvl1pPr algn="l">
-              <a:defRPr sz="1200">
-                <a:latin typeface="Menlo"/>
-                <a:ea typeface="Menlo"/>
-                <a:cs typeface="Menlo"/>
-                <a:sym typeface="Menlo"/>
-              </a:defRPr>
-            </a:lvl1pPr>
-          </a:lstStyle>
-          <a:p>
-            <a:r>
-              <a:rPr lang="en-US" dirty="0"/>
-              <a:t>t</a:t>
-            </a:r>
-            <a:r>
-              <a:rPr dirty="0"/>
-              <a:t>elemetry</a:t>
-            </a:r>
-            <a:r>
-              <a:rPr lang="en-US" dirty="0"/>
-              <a:t>/</a:t>
-            </a:r>
-            <a:r>
-              <a:rPr lang="en-US" dirty="0" err="1"/>
-              <a:t>deviceID</a:t>
-            </a:r>
-            <a:endParaRPr dirty="0"/>
-          </a:p>
-        </p:txBody>
-      </p:sp>
-      <p:pic>
-        <p:nvPicPr>
-          <p:cNvPr id="29" name="Graphic 28">
-            <a:extLst>
-              <a:ext uri="{FF2B5EF4-FFF2-40B4-BE49-F238E27FC236}">
-                <a16:creationId xmlns:a16="http://schemas.microsoft.com/office/drawing/2014/main" id="{923CB61D-3900-8747-9239-18E83E37EEDE}"/>
-              </a:ext>
-            </a:extLst>
-          </p:cNvPr>
-          <p:cNvPicPr>
-            <a:picLocks noChangeAspect="1"/>
-          </p:cNvPicPr>
-          <p:nvPr/>
-        </p:nvPicPr>
-        <p:blipFill>
-          <a:blip r:embed="rId2">
-            <a:extLst>
-              <a:ext uri="{96DAC541-7B7A-43D3-8B79-37D633B846F1}">
-                <asvg:svgBlip xmlns:asvg="http://schemas.microsoft.com/office/drawing/2016/SVG/main" r:embed="rId3"/>
-              </a:ext>
-            </a:extLst>
-          </a:blip>
-          <a:stretch>
-            <a:fillRect/>
-          </a:stretch>
-        </p:blipFill>
-        <p:spPr>
-          <a:xfrm>
-            <a:off x="1043310" y="860641"/>
-            <a:ext cx="1005840" cy="1005840"/>
-          </a:xfrm>
-          <a:prstGeom prst="rect">
-            <a:avLst/>
-          </a:prstGeom>
-        </p:spPr>
-      </p:pic>
-      <p:pic>
-        <p:nvPicPr>
-          <p:cNvPr id="30" name="Graphic 29">
-            <a:extLst>
-              <a:ext uri="{FF2B5EF4-FFF2-40B4-BE49-F238E27FC236}">
-                <a16:creationId xmlns:a16="http://schemas.microsoft.com/office/drawing/2014/main" id="{491C9A8A-06D9-6943-807A-C53CAD0BC589}"/>
-              </a:ext>
-            </a:extLst>
-          </p:cNvPr>
-          <p:cNvPicPr>
-            <a:picLocks noChangeAspect="1"/>
-          </p:cNvPicPr>
-          <p:nvPr/>
-        </p:nvPicPr>
-        <p:blipFill rotWithShape="1">
-          <a:blip r:embed="rId4">
-            <a:extLst>
-              <a:ext uri="{96DAC541-7B7A-43D3-8B79-37D633B846F1}">
-                <asvg:svgBlip xmlns:asvg="http://schemas.microsoft.com/office/drawing/2016/SVG/main" r:embed="rId5"/>
-              </a:ext>
-            </a:extLst>
-          </a:blip>
-          <a:srcRect t="69927"/>
-          <a:stretch/>
-        </p:blipFill>
-        <p:spPr>
-          <a:xfrm>
-            <a:off x="938115" y="2456252"/>
-            <a:ext cx="1216231" cy="365760"/>
-          </a:xfrm>
-          <a:prstGeom prst="rect">
-            <a:avLst/>
-          </a:prstGeom>
-        </p:spPr>
-      </p:pic>
-      <p:cxnSp>
-        <p:nvCxnSpPr>
-          <p:cNvPr id="3" name="Straight Connector 2">
-            <a:extLst>
-              <a:ext uri="{FF2B5EF4-FFF2-40B4-BE49-F238E27FC236}">
-                <a16:creationId xmlns:a16="http://schemas.microsoft.com/office/drawing/2014/main" id="{5AED6F37-8DC3-A34D-BCB2-E03645FE1F56}"/>
-              </a:ext>
-            </a:extLst>
-          </p:cNvPr>
-          <p:cNvCxnSpPr>
-            <a:stCxn id="29" idx="2"/>
-            <a:endCxn id="30" idx="0"/>
-          </p:cNvCxnSpPr>
-          <p:nvPr/>
-        </p:nvCxnSpPr>
-        <p:spPr>
-          <a:xfrm>
-            <a:off x="1546230" y="1866481"/>
-            <a:ext cx="1" cy="589771"/>
-          </a:xfrm>
-          <a:prstGeom prst="line">
-            <a:avLst/>
-          </a:prstGeom>
-          <a:noFill/>
-          <a:ln w="38100" cap="flat">
-            <a:solidFill>
-              <a:srgbClr val="000000"/>
-            </a:solidFill>
-            <a:prstDash val="solid"/>
-            <a:miter lim="400000"/>
-          </a:ln>
-          <a:effectLst/>
-          <a:sp3d/>
-        </p:spPr>
-        <p:style>
-          <a:lnRef idx="0">
-            <a:scrgbClr r="0" g="0" b="0"/>
-          </a:lnRef>
-          <a:fillRef idx="0">
-            <a:scrgbClr r="0" g="0" b="0"/>
-          </a:fillRef>
-          <a:effectRef idx="0">
-            <a:scrgbClr r="0" g="0" b="0"/>
-          </a:effectRef>
-          <a:fontRef idx="none"/>
-        </p:style>
-      </p:cxnSp>
-      <p:pic>
-        <p:nvPicPr>
-          <p:cNvPr id="33" name="Graphic 32">
-            <a:extLst>
-              <a:ext uri="{FF2B5EF4-FFF2-40B4-BE49-F238E27FC236}">
-                <a16:creationId xmlns:a16="http://schemas.microsoft.com/office/drawing/2014/main" id="{384AC94A-F352-A94A-BE7B-72D4473AB860}"/>
-              </a:ext>
-            </a:extLst>
-          </p:cNvPr>
-          <p:cNvPicPr>
-            <a:picLocks noChangeAspect="1"/>
-          </p:cNvPicPr>
-          <p:nvPr/>
-        </p:nvPicPr>
-        <p:blipFill>
-          <a:blip r:embed="rId6">
-            <a:extLst>
-              <a:ext uri="{96DAC541-7B7A-43D3-8B79-37D633B846F1}">
-                <asvg:svgBlip xmlns:asvg="http://schemas.microsoft.com/office/drawing/2016/SVG/main" r:embed="rId7"/>
-              </a:ext>
-            </a:extLst>
-          </a:blip>
-          <a:stretch>
-            <a:fillRect/>
-          </a:stretch>
-        </p:blipFill>
-        <p:spPr>
-          <a:xfrm>
-            <a:off x="5752517" y="906891"/>
-            <a:ext cx="914400" cy="914400"/>
-          </a:xfrm>
-          <a:prstGeom prst="rect">
-            <a:avLst/>
-          </a:prstGeom>
-        </p:spPr>
-      </p:pic>
-    </p:spTree>
-  </p:cSld>
-  <p:clrMapOvr>
-    <a:masterClrMapping/>
-  </p:clrMapOvr>
-  <p:transition spd="med"/>
-</p:sld>
-</file>
-
-<file path=ppt/slides/slide9.xml><?xml version="1.0" encoding="utf-8"?>
-<p:sld xmlns:a="http://schemas.openxmlformats.org/drawingml/2006/main" xmlns:r="http://schemas.openxmlformats.org/officeDocument/2006/relationships" xmlns:p="http://schemas.openxmlformats.org/presentationml/2006/main">
-  <p:cSld>
-    <p:spTree>
-      <p:nvGrpSpPr>
-        <p:cNvPr id="1" name=""/>
-        <p:cNvGrpSpPr/>
-        <p:nvPr/>
-      </p:nvGrpSpPr>
-      <p:grpSpPr>
-        <a:xfrm>
-          <a:off x="0" y="0"/>
-          <a:ext cx="0" cy="0"/>
-          <a:chOff x="0" y="0"/>
-          <a:chExt cx="0" cy="0"/>
-        </a:xfrm>
-      </p:grpSpPr>
-      <p:sp>
-        <p:nvSpPr>
-          <p:cNvPr id="35" name="Shape 119"/>
-          <p:cNvSpPr/>
-          <p:nvPr/>
-        </p:nvSpPr>
-        <p:spPr>
-          <a:xfrm>
-            <a:off x="4535497" y="322205"/>
-            <a:ext cx="2572586" cy="2662394"/>
-          </a:xfrm>
-          <a:prstGeom prst="roundRect">
-            <a:avLst>
-              <a:gd name="adj" fmla="val 12953"/>
-            </a:avLst>
-          </a:prstGeom>
-          <a:ln w="25400">
-            <a:solidFill>
-              <a:srgbClr val="85888D"/>
-            </a:solidFill>
-            <a:miter lim="400000"/>
-          </a:ln>
-        </p:spPr>
-        <p:txBody>
-          <a:bodyPr lIns="25400" tIns="25400" rIns="25400" bIns="25400"/>
-          <a:lstStyle/>
-          <a:p>
-            <a:pPr defTabSz="914400">
-              <a:defRPr sz="1600">
-                <a:latin typeface="Helvetica"/>
-                <a:ea typeface="Helvetica"/>
-                <a:cs typeface="Helvetica"/>
-                <a:sym typeface="Helvetica"/>
-              </a:defRPr>
-            </a:pPr>
-            <a:endParaRPr/>
-          </a:p>
-        </p:txBody>
-      </p:sp>
-      <p:sp>
-        <p:nvSpPr>
-          <p:cNvPr id="37" name="Shape 145"/>
-          <p:cNvSpPr/>
-          <p:nvPr/>
-        </p:nvSpPr>
-        <p:spPr>
-          <a:xfrm>
-            <a:off x="4654397" y="2260734"/>
-            <a:ext cx="1776127" cy="287258"/>
-          </a:xfrm>
-          <a:prstGeom prst="rect">
-            <a:avLst/>
-          </a:prstGeom>
-          <a:ln w="12700">
-            <a:miter lim="400000"/>
-          </a:ln>
-          <a:extLst>
-            <a:ext uri="{C572A759-6A51-4108-AA02-DFA0A04FC94B}">
-              <ma14:wrappingTextBoxFlag xmlns:ma14="http://schemas.microsoft.com/office/mac/drawingml/2011/main" xmlns="" val="1"/>
-            </a:ext>
-          </a:extLst>
-        </p:spPr>
-        <p:txBody>
-          <a:bodyPr wrap="none" lIns="50800" tIns="50800" rIns="50800" bIns="50800" anchor="ctr">
-            <a:spAutoFit/>
-          </a:bodyPr>
-          <a:lstStyle>
-            <a:lvl1pPr algn="l">
-              <a:defRPr sz="1200">
-                <a:latin typeface="Menlo"/>
-                <a:ea typeface="Menlo"/>
-                <a:cs typeface="Menlo"/>
-                <a:sym typeface="Menlo"/>
-              </a:defRPr>
-            </a:lvl1pPr>
-          </a:lstStyle>
-          <a:p>
-            <a:r>
-              <a:rPr lang="en-US" dirty="0"/>
-              <a:t>t</a:t>
-            </a:r>
-            <a:r>
-              <a:rPr dirty="0"/>
-              <a:t>elemetry</a:t>
-            </a:r>
-            <a:r>
-              <a:rPr lang="en-US" dirty="0"/>
-              <a:t>/</a:t>
-            </a:r>
-            <a:r>
-              <a:rPr lang="en-US" dirty="0" err="1"/>
-              <a:t>deviceID</a:t>
-            </a:r>
-            <a:endParaRPr dirty="0"/>
-          </a:p>
-        </p:txBody>
-      </p:sp>
-      <p:cxnSp>
-        <p:nvCxnSpPr>
-          <p:cNvPr id="9" name="Elbow Connector 8"/>
-          <p:cNvCxnSpPr/>
-          <p:nvPr/>
-        </p:nvCxnSpPr>
-        <p:spPr>
-          <a:xfrm>
-            <a:off x="6525358" y="1691469"/>
-            <a:ext cx="1256162" cy="517831"/>
-          </a:xfrm>
-          <a:prstGeom prst="bentConnector3">
-            <a:avLst>
-              <a:gd name="adj1" fmla="val 58399"/>
-            </a:avLst>
-          </a:prstGeom>
-          <a:noFill/>
-          <a:ln w="38100" cap="flat">
-            <a:solidFill>
-              <a:srgbClr val="000000"/>
-            </a:solidFill>
-            <a:prstDash val="solid"/>
-            <a:miter lim="400000"/>
-            <a:headEnd w="lg" len="lg"/>
-            <a:tailEnd type="stealth" w="lg" len="lg"/>
-          </a:ln>
-          <a:effectLst/>
-          <a:sp3d/>
-        </p:spPr>
-        <p:style>
-          <a:lnRef idx="0">
-            <a:scrgbClr r="0" g="0" b="0"/>
-          </a:lnRef>
-          <a:fillRef idx="0">
-            <a:scrgbClr r="0" g="0" b="0"/>
-          </a:fillRef>
-          <a:effectRef idx="0">
-            <a:scrgbClr r="0" g="0" b="0"/>
-          </a:effectRef>
-          <a:fontRef idx="none"/>
-        </p:style>
-      </p:cxnSp>
-      <p:sp>
-        <p:nvSpPr>
-          <p:cNvPr id="43" name="Shape 125"/>
-          <p:cNvSpPr/>
-          <p:nvPr/>
-        </p:nvSpPr>
-        <p:spPr>
-          <a:xfrm>
-            <a:off x="7670996" y="2589244"/>
-            <a:ext cx="1126515" cy="525262"/>
-          </a:xfrm>
-          <a:prstGeom prst="rect">
-            <a:avLst/>
-          </a:prstGeom>
-          <a:ln w="12700">
-            <a:miter lim="400000"/>
-          </a:ln>
-          <a:extLst>
-            <a:ext uri="{C572A759-6A51-4108-AA02-DFA0A04FC94B}">
-              <ma14:wrappingTextBoxFlag xmlns:ma14="http://schemas.microsoft.com/office/mac/drawingml/2011/main" xmlns="" val="1"/>
-            </a:ext>
-          </a:extLst>
-        </p:spPr>
-        <p:txBody>
-          <a:bodyPr lIns="50800" tIns="50800" rIns="50800" bIns="50800" anchor="ctr"/>
-          <a:lstStyle>
-            <a:lvl1pPr>
-              <a:spcBef>
-                <a:spcPts val="4200"/>
-              </a:spcBef>
-              <a:defRPr sz="1800">
-                <a:latin typeface="Helvetica"/>
-                <a:ea typeface="Helvetica"/>
-                <a:cs typeface="Helvetica"/>
-                <a:sym typeface="Helvetica"/>
-              </a:defRPr>
-            </a:lvl1pPr>
-          </a:lstStyle>
-          <a:p>
-            <a:r>
-              <a:rPr lang="en-US" dirty="0"/>
-              <a:t>Raw Records</a:t>
-            </a:r>
-            <a:endParaRPr dirty="0"/>
-          </a:p>
-        </p:txBody>
-      </p:sp>
-      <p:sp>
-        <p:nvSpPr>
-          <p:cNvPr id="49" name="Shape 125"/>
-          <p:cNvSpPr/>
-          <p:nvPr/>
-        </p:nvSpPr>
-        <p:spPr>
-          <a:xfrm>
-            <a:off x="8971887" y="2605221"/>
-            <a:ext cx="1266194" cy="525262"/>
-          </a:xfrm>
-          <a:prstGeom prst="rect">
-            <a:avLst/>
-          </a:prstGeom>
-          <a:ln w="12700">
-            <a:miter lim="400000"/>
-          </a:ln>
-          <a:extLst>
-            <a:ext uri="{C572A759-6A51-4108-AA02-DFA0A04FC94B}">
-              <ma14:wrappingTextBoxFlag xmlns:ma14="http://schemas.microsoft.com/office/mac/drawingml/2011/main" xmlns="" val="1"/>
-            </a:ext>
-          </a:extLst>
-        </p:spPr>
-        <p:txBody>
-          <a:bodyPr lIns="50800" tIns="50800" rIns="50800" bIns="50800" anchor="ctr"/>
-          <a:lstStyle>
-            <a:lvl1pPr>
-              <a:spcBef>
-                <a:spcPts val="4200"/>
-              </a:spcBef>
-              <a:defRPr sz="1800">
-                <a:latin typeface="Helvetica"/>
-                <a:ea typeface="Helvetica"/>
-                <a:cs typeface="Helvetica"/>
-                <a:sym typeface="Helvetica"/>
-              </a:defRPr>
-            </a:lvl1pPr>
-          </a:lstStyle>
-          <a:p>
-            <a:r>
-              <a:rPr lang="en-US" dirty="0"/>
-              <a:t>Processed Records</a:t>
-            </a:r>
-            <a:endParaRPr dirty="0"/>
-          </a:p>
-        </p:txBody>
-      </p:sp>
-      <p:cxnSp>
-        <p:nvCxnSpPr>
-          <p:cNvPr id="26" name="Straight Arrow Connector 25"/>
-          <p:cNvCxnSpPr/>
-          <p:nvPr/>
-        </p:nvCxnSpPr>
-        <p:spPr>
-          <a:xfrm>
-            <a:off x="9605253" y="869447"/>
-            <a:ext cx="0" cy="928802"/>
-          </a:xfrm>
-          <a:prstGeom prst="straightConnector1">
-            <a:avLst/>
-          </a:prstGeom>
-          <a:noFill/>
-          <a:ln w="38100" cap="flat">
-            <a:solidFill>
-              <a:srgbClr val="000000"/>
-            </a:solidFill>
-            <a:prstDash val="solid"/>
-            <a:miter lim="400000"/>
-            <a:tailEnd type="stealth" w="lg" len="lg"/>
-          </a:ln>
-          <a:effectLst/>
-          <a:sp3d/>
-        </p:spPr>
-        <p:style>
-          <a:lnRef idx="0">
-            <a:scrgbClr r="0" g="0" b="0"/>
-          </a:lnRef>
-          <a:fillRef idx="0">
-            <a:scrgbClr r="0" g="0" b="0"/>
-          </a:fillRef>
-          <a:effectRef idx="0">
-            <a:scrgbClr r="0" g="0" b="0"/>
-          </a:effectRef>
-          <a:fontRef idx="none"/>
-        </p:style>
-      </p:cxnSp>
-      <p:cxnSp>
-        <p:nvCxnSpPr>
-          <p:cNvPr id="28" name="Straight Connector 27"/>
-          <p:cNvCxnSpPr/>
-          <p:nvPr/>
-        </p:nvCxnSpPr>
-        <p:spPr>
-          <a:xfrm>
-            <a:off x="8389407" y="869447"/>
-            <a:ext cx="1215846" cy="0"/>
-          </a:xfrm>
-          <a:prstGeom prst="line">
-            <a:avLst/>
-          </a:prstGeom>
-          <a:noFill/>
-          <a:ln w="38100" cap="flat">
-            <a:solidFill>
-              <a:srgbClr val="000000"/>
-            </a:solidFill>
-            <a:prstDash val="solid"/>
-            <a:miter lim="400000"/>
-            <a:tailEnd type="oval"/>
-          </a:ln>
-          <a:effectLst/>
-          <a:sp3d/>
-        </p:spPr>
-        <p:style>
-          <a:lnRef idx="0">
-            <a:scrgbClr r="0" g="0" b="0"/>
-          </a:lnRef>
-          <a:fillRef idx="0">
-            <a:scrgbClr r="0" g="0" b="0"/>
-          </a:fillRef>
-          <a:effectRef idx="0">
-            <a:scrgbClr r="0" g="0" b="0"/>
-          </a:effectRef>
-          <a:fontRef idx="none"/>
-        </p:style>
-      </p:cxnSp>
-      <p:cxnSp>
-        <p:nvCxnSpPr>
-          <p:cNvPr id="67" name="Straight Connector 66"/>
-          <p:cNvCxnSpPr/>
-          <p:nvPr/>
-        </p:nvCxnSpPr>
-        <p:spPr>
-          <a:xfrm>
-            <a:off x="6684955" y="869447"/>
-            <a:ext cx="1324776" cy="0"/>
-          </a:xfrm>
-          <a:prstGeom prst="line">
-            <a:avLst/>
-          </a:prstGeom>
-          <a:noFill/>
-          <a:ln w="38100" cap="flat">
-            <a:solidFill>
-              <a:srgbClr val="000000"/>
-            </a:solidFill>
-            <a:prstDash val="solid"/>
-            <a:miter lim="400000"/>
-          </a:ln>
-          <a:effectLst/>
-          <a:sp3d/>
-        </p:spPr>
-        <p:style>
-          <a:lnRef idx="0">
-            <a:scrgbClr r="0" g="0" b="0"/>
-          </a:lnRef>
-          <a:fillRef idx="0">
-            <a:scrgbClr r="0" g="0" b="0"/>
-          </a:fillRef>
-          <a:effectRef idx="0">
-            <a:scrgbClr r="0" g="0" b="0"/>
-          </a:effectRef>
-          <a:fontRef idx="none"/>
-        </p:style>
-      </p:cxnSp>
-      <p:sp>
-        <p:nvSpPr>
-          <p:cNvPr id="74" name="Shape 145"/>
-          <p:cNvSpPr/>
-          <p:nvPr/>
-        </p:nvSpPr>
-        <p:spPr>
-          <a:xfrm>
-            <a:off x="4654397" y="2501109"/>
-            <a:ext cx="2426946" cy="287258"/>
-          </a:xfrm>
-          <a:prstGeom prst="rect">
-            <a:avLst/>
-          </a:prstGeom>
-          <a:ln w="12700">
-            <a:miter lim="400000"/>
-          </a:ln>
-          <a:extLst>
-            <a:ext uri="{C572A759-6A51-4108-AA02-DFA0A04FC94B}">
-              <ma14:wrappingTextBoxFlag xmlns:ma14="http://schemas.microsoft.com/office/mac/drawingml/2011/main" xmlns="" val="1"/>
-            </a:ext>
-          </a:extLst>
-        </p:spPr>
-        <p:txBody>
-          <a:bodyPr wrap="none" lIns="50800" tIns="50800" rIns="50800" bIns="50800" anchor="ctr">
-            <a:spAutoFit/>
-          </a:bodyPr>
-          <a:lstStyle>
-            <a:lvl1pPr algn="l">
-              <a:defRPr sz="1200">
-                <a:latin typeface="Menlo"/>
-                <a:ea typeface="Menlo"/>
-                <a:cs typeface="Menlo"/>
-                <a:sym typeface="Menlo"/>
-              </a:defRPr>
-            </a:lvl1pPr>
-          </a:lstStyle>
-          <a:p>
-            <a:r>
-              <a:rPr dirty="0"/>
-              <a:t>telemetry</a:t>
-            </a:r>
-            <a:r>
-              <a:rPr lang="en-US" dirty="0"/>
-              <a:t>/</a:t>
-            </a:r>
-            <a:r>
-              <a:rPr lang="en-US" dirty="0" err="1"/>
-              <a:t>deviceID</a:t>
-            </a:r>
-            <a:r>
-              <a:rPr lang="en-US" dirty="0"/>
-              <a:t>/replay</a:t>
-            </a:r>
-            <a:endParaRPr dirty="0"/>
-          </a:p>
-        </p:txBody>
-      </p:sp>
-      <p:sp>
-        <p:nvSpPr>
-          <p:cNvPr id="87" name="Shape 125"/>
-          <p:cNvSpPr/>
-          <p:nvPr/>
-        </p:nvSpPr>
-        <p:spPr>
-          <a:xfrm>
-            <a:off x="5974009" y="3849066"/>
-            <a:ext cx="1437502" cy="525262"/>
-          </a:xfrm>
-          <a:prstGeom prst="rect">
-            <a:avLst/>
-          </a:prstGeom>
-          <a:ln w="12700">
-            <a:miter lim="400000"/>
-          </a:ln>
-          <a:extLst>
-            <a:ext uri="{C572A759-6A51-4108-AA02-DFA0A04FC94B}">
-              <ma14:wrappingTextBoxFlag xmlns:ma14="http://schemas.microsoft.com/office/mac/drawingml/2011/main" xmlns="" val="1"/>
-            </a:ext>
-          </a:extLst>
-        </p:spPr>
-        <p:txBody>
-          <a:bodyPr lIns="50800" tIns="50800" rIns="50800" bIns="50800" anchor="ctr"/>
-          <a:lstStyle>
-            <a:lvl1pPr>
-              <a:spcBef>
-                <a:spcPts val="4200"/>
-              </a:spcBef>
-              <a:defRPr sz="1800">
-                <a:latin typeface="Helvetica"/>
-                <a:ea typeface="Helvetica"/>
-                <a:cs typeface="Helvetica"/>
-                <a:sym typeface="Helvetica"/>
-              </a:defRPr>
-            </a:lvl1pPr>
-          </a:lstStyle>
-          <a:p>
-            <a:r>
-              <a:rPr lang="en-US" dirty="0"/>
-              <a:t>Replay Component</a:t>
-            </a:r>
-            <a:endParaRPr dirty="0"/>
-          </a:p>
-        </p:txBody>
-      </p:sp>
-      <p:cxnSp>
-        <p:nvCxnSpPr>
-          <p:cNvPr id="41" name="Straight Arrow Connector 40"/>
-          <p:cNvCxnSpPr/>
-          <p:nvPr/>
-        </p:nvCxnSpPr>
-        <p:spPr>
-          <a:xfrm flipH="1">
-            <a:off x="7109919" y="3444759"/>
-            <a:ext cx="1124334" cy="0"/>
-          </a:xfrm>
-          <a:prstGeom prst="straightConnector1">
-            <a:avLst/>
-          </a:prstGeom>
-          <a:noFill/>
-          <a:ln w="38100" cap="flat">
-            <a:solidFill>
-              <a:srgbClr val="000000"/>
-            </a:solidFill>
-            <a:prstDash val="solid"/>
-            <a:miter lim="400000"/>
-            <a:tailEnd type="stealth" w="lg" len="lg"/>
-          </a:ln>
-          <a:effectLst/>
-          <a:sp3d/>
-        </p:spPr>
-        <p:style>
-          <a:lnRef idx="0">
-            <a:scrgbClr r="0" g="0" b="0"/>
-          </a:lnRef>
-          <a:fillRef idx="0">
-            <a:scrgbClr r="0" g="0" b="0"/>
-          </a:fillRef>
-          <a:effectRef idx="0">
-            <a:scrgbClr r="0" g="0" b="0"/>
-          </a:effectRef>
-          <a:fontRef idx="none"/>
-        </p:style>
-      </p:cxnSp>
-      <p:cxnSp>
-        <p:nvCxnSpPr>
-          <p:cNvPr id="93" name="Straight Connector 92"/>
-          <p:cNvCxnSpPr/>
-          <p:nvPr/>
-        </p:nvCxnSpPr>
-        <p:spPr>
-          <a:xfrm>
-            <a:off x="8234253" y="3206690"/>
-            <a:ext cx="1" cy="238069"/>
-          </a:xfrm>
-          <a:prstGeom prst="line">
-            <a:avLst/>
-          </a:prstGeom>
-          <a:noFill/>
-          <a:ln w="38100" cap="flat">
-            <a:solidFill>
-              <a:srgbClr val="000000"/>
-            </a:solidFill>
-            <a:prstDash val="solid"/>
-            <a:miter lim="400000"/>
-            <a:tailEnd type="oval"/>
-          </a:ln>
-          <a:effectLst/>
-          <a:sp3d/>
-        </p:spPr>
-        <p:style>
-          <a:lnRef idx="0">
-            <a:scrgbClr r="0" g="0" b="0"/>
-          </a:lnRef>
-          <a:fillRef idx="0">
-            <a:scrgbClr r="0" g="0" b="0"/>
-          </a:fillRef>
-          <a:effectRef idx="0">
-            <a:scrgbClr r="0" g="0" b="0"/>
-          </a:effectRef>
-          <a:fontRef idx="none"/>
-        </p:style>
-      </p:cxnSp>
-      <p:cxnSp>
-        <p:nvCxnSpPr>
-          <p:cNvPr id="99" name="Straight Arrow Connector 98"/>
-          <p:cNvCxnSpPr/>
-          <p:nvPr/>
-        </p:nvCxnSpPr>
-        <p:spPr>
-          <a:xfrm flipV="1">
-            <a:off x="5170347" y="3080176"/>
-            <a:ext cx="0" cy="397794"/>
-          </a:xfrm>
-          <a:prstGeom prst="straightConnector1">
-            <a:avLst/>
-          </a:prstGeom>
-          <a:noFill/>
-          <a:ln w="38100" cap="flat">
-            <a:solidFill>
-              <a:srgbClr val="000000"/>
-            </a:solidFill>
-            <a:prstDash val="solid"/>
-            <a:miter lim="400000"/>
-            <a:tailEnd type="stealth" w="lg" len="lg"/>
-          </a:ln>
-          <a:effectLst/>
-          <a:sp3d/>
-        </p:spPr>
-        <p:style>
-          <a:lnRef idx="0">
-            <a:scrgbClr r="0" g="0" b="0"/>
-          </a:lnRef>
-          <a:fillRef idx="0">
-            <a:scrgbClr r="0" g="0" b="0"/>
-          </a:fillRef>
-          <a:effectRef idx="0">
-            <a:scrgbClr r="0" g="0" b="0"/>
-          </a:effectRef>
-          <a:fontRef idx="none"/>
-        </p:style>
-      </p:cxnSp>
-      <p:cxnSp>
-        <p:nvCxnSpPr>
-          <p:cNvPr id="100" name="Straight Connector 99"/>
-          <p:cNvCxnSpPr/>
-          <p:nvPr/>
-        </p:nvCxnSpPr>
-        <p:spPr>
-          <a:xfrm flipH="1">
-            <a:off x="5170348" y="3444759"/>
-            <a:ext cx="1123726" cy="0"/>
-          </a:xfrm>
-          <a:prstGeom prst="line">
-            <a:avLst/>
-          </a:prstGeom>
-          <a:noFill/>
-          <a:ln w="38100" cap="flat">
-            <a:solidFill>
-              <a:srgbClr val="000000"/>
-            </a:solidFill>
-            <a:prstDash val="solid"/>
-            <a:miter lim="400000"/>
-            <a:tailEnd type="oval"/>
-          </a:ln>
-          <a:effectLst/>
-          <a:sp3d/>
-        </p:spPr>
-        <p:style>
-          <a:lnRef idx="0">
-            <a:scrgbClr r="0" g="0" b="0"/>
-          </a:lnRef>
-          <a:fillRef idx="0">
-            <a:scrgbClr r="0" g="0" b="0"/>
-          </a:fillRef>
-          <a:effectRef idx="0">
-            <a:scrgbClr r="0" g="0" b="0"/>
-          </a:effectRef>
-          <a:fontRef idx="none"/>
-        </p:style>
-      </p:cxnSp>
-      <p:sp>
-        <p:nvSpPr>
-          <p:cNvPr id="54" name="Shape 124">
-            <a:extLst>
-              <a:ext uri="{FF2B5EF4-FFF2-40B4-BE49-F238E27FC236}">
-                <a16:creationId xmlns:a16="http://schemas.microsoft.com/office/drawing/2014/main" id="{37B9B3B9-ABCD-E34E-8D62-2D3812D18A29}"/>
-              </a:ext>
-            </a:extLst>
-          </p:cNvPr>
-          <p:cNvSpPr/>
-          <p:nvPr/>
-        </p:nvSpPr>
-        <p:spPr>
-          <a:xfrm>
-            <a:off x="1081421" y="2822012"/>
-            <a:ext cx="921933" cy="416988"/>
-          </a:xfrm>
-          <a:prstGeom prst="rect">
-            <a:avLst/>
-          </a:prstGeom>
-          <a:ln w="12700">
-            <a:miter lim="400000"/>
-          </a:ln>
-          <a:extLst>
-            <a:ext uri="{C572A759-6A51-4108-AA02-DFA0A04FC94B}">
-              <ma14:wrappingTextBoxFlag xmlns:ma14="http://schemas.microsoft.com/office/mac/drawingml/2011/main" xmlns="" val="1"/>
-            </a:ext>
-          </a:extLst>
-        </p:spPr>
-        <p:txBody>
-          <a:bodyPr lIns="50800" tIns="50800" rIns="50800" bIns="50800" anchor="ctr"/>
-          <a:lstStyle>
-            <a:lvl1pPr>
-              <a:spcBef>
-                <a:spcPts val="4200"/>
-              </a:spcBef>
-              <a:defRPr sz="1800">
-                <a:latin typeface="Helvetica"/>
-                <a:ea typeface="Helvetica"/>
-                <a:cs typeface="Helvetica"/>
-                <a:sym typeface="Helvetica"/>
-              </a:defRPr>
-            </a:lvl1pPr>
-          </a:lstStyle>
-          <a:p>
-            <a:r>
-              <a:t>Sensor</a:t>
-            </a:r>
-          </a:p>
-        </p:txBody>
-      </p:sp>
-      <p:sp>
-        <p:nvSpPr>
-          <p:cNvPr id="55" name="Shape 125">
-            <a:extLst>
-              <a:ext uri="{FF2B5EF4-FFF2-40B4-BE49-F238E27FC236}">
-                <a16:creationId xmlns:a16="http://schemas.microsoft.com/office/drawing/2014/main" id="{4F61E78B-0BB1-8A4E-9171-08318D0C3C37}"/>
-              </a:ext>
-            </a:extLst>
-          </p:cNvPr>
-          <p:cNvSpPr/>
-          <p:nvPr/>
-        </p:nvSpPr>
-        <p:spPr>
-          <a:xfrm>
-            <a:off x="1110680" y="354515"/>
-            <a:ext cx="894303" cy="416988"/>
-          </a:xfrm>
-          <a:prstGeom prst="rect">
-            <a:avLst/>
-          </a:prstGeom>
-          <a:ln w="12700">
-            <a:miter lim="400000"/>
-          </a:ln>
-          <a:extLst>
-            <a:ext uri="{C572A759-6A51-4108-AA02-DFA0A04FC94B}">
-              <ma14:wrappingTextBoxFlag xmlns:ma14="http://schemas.microsoft.com/office/mac/drawingml/2011/main" xmlns="" val="1"/>
-            </a:ext>
-          </a:extLst>
-        </p:spPr>
-        <p:txBody>
-          <a:bodyPr lIns="50800" tIns="50800" rIns="50800" bIns="50800" anchor="ctr"/>
-          <a:lstStyle>
-            <a:lvl1pPr>
-              <a:spcBef>
-                <a:spcPts val="4200"/>
-              </a:spcBef>
-              <a:defRPr sz="1800">
-                <a:latin typeface="Helvetica"/>
-                <a:ea typeface="Helvetica"/>
-                <a:cs typeface="Helvetica"/>
-                <a:sym typeface="Helvetica"/>
-              </a:defRPr>
-            </a:lvl1pPr>
-          </a:lstStyle>
-          <a:p>
-            <a:r>
-              <a:t>Device</a:t>
-            </a:r>
-          </a:p>
-        </p:txBody>
-      </p:sp>
-      <p:grpSp>
-        <p:nvGrpSpPr>
-          <p:cNvPr id="56" name="Group 139">
-            <a:extLst>
-              <a:ext uri="{FF2B5EF4-FFF2-40B4-BE49-F238E27FC236}">
-                <a16:creationId xmlns:a16="http://schemas.microsoft.com/office/drawing/2014/main" id="{FB2A5AC2-B7A0-9A4C-8D5D-EF632C712BB7}"/>
-              </a:ext>
-            </a:extLst>
-          </p:cNvPr>
-          <p:cNvGrpSpPr/>
-          <p:nvPr/>
-        </p:nvGrpSpPr>
-        <p:grpSpPr>
-          <a:xfrm>
-            <a:off x="1013806" y="1991574"/>
-            <a:ext cx="313706" cy="386100"/>
-            <a:chOff x="0" y="0"/>
-            <a:chExt cx="313705" cy="386098"/>
-          </a:xfrm>
-        </p:grpSpPr>
-        <p:sp>
-          <p:nvSpPr>
-            <p:cNvPr id="57" name="Shape 137">
-              <a:extLst>
-                <a:ext uri="{FF2B5EF4-FFF2-40B4-BE49-F238E27FC236}">
-                  <a16:creationId xmlns:a16="http://schemas.microsoft.com/office/drawing/2014/main" id="{16F57DBE-362A-7D4C-8DEB-16CE487EB764}"/>
-                </a:ext>
-              </a:extLst>
-            </p:cNvPr>
-            <p:cNvSpPr/>
-            <p:nvPr/>
-          </p:nvSpPr>
-          <p:spPr>
-            <a:xfrm>
-              <a:off x="0" y="36196"/>
-              <a:ext cx="313706" cy="313707"/>
-            </a:xfrm>
-            <a:prstGeom prst="ellipse">
-              <a:avLst/>
-            </a:prstGeom>
-            <a:ln/>
-          </p:spPr>
-          <p:style>
-            <a:lnRef idx="2">
-              <a:schemeClr val="accent1">
-                <a:shade val="50000"/>
-              </a:schemeClr>
-            </a:lnRef>
-            <a:fillRef idx="1">
-              <a:schemeClr val="accent1"/>
-            </a:fillRef>
-            <a:effectRef idx="0">
-              <a:schemeClr val="accent1"/>
-            </a:effectRef>
-            <a:fontRef idx="minor">
-              <a:schemeClr val="lt1"/>
-            </a:fontRef>
-          </p:style>
-          <p:txBody>
-            <a:bodyPr wrap="square" lIns="50800" tIns="50800" rIns="50800" bIns="50800" numCol="1" anchor="ctr">
-              <a:noAutofit/>
-            </a:bodyPr>
-            <a:lstStyle/>
-            <a:p>
-              <a:pPr>
-                <a:defRPr sz="1000" b="1">
-                  <a:solidFill>
-                    <a:srgbClr val="FFFFFF"/>
-                  </a:solidFill>
-                  <a:latin typeface="Helvetica"/>
-                  <a:ea typeface="Helvetica"/>
-                  <a:cs typeface="Helvetica"/>
-                  <a:sym typeface="Helvetica"/>
-                </a:defRPr>
-              </a:pPr>
-              <a:endParaRPr/>
-            </a:p>
-          </p:txBody>
-        </p:sp>
-        <p:sp>
-          <p:nvSpPr>
-            <p:cNvPr id="58" name="Shape 138">
-              <a:extLst>
-                <a:ext uri="{FF2B5EF4-FFF2-40B4-BE49-F238E27FC236}">
-                  <a16:creationId xmlns:a16="http://schemas.microsoft.com/office/drawing/2014/main" id="{67AF445F-BD27-2B4A-BF34-E8DF293C771F}"/>
-                </a:ext>
-              </a:extLst>
-            </p:cNvPr>
-            <p:cNvSpPr/>
-            <p:nvPr/>
-          </p:nvSpPr>
-          <p:spPr>
-            <a:xfrm>
-              <a:off x="27230" y="0"/>
-              <a:ext cx="259245" cy="386099"/>
-            </a:xfrm>
-            <a:prstGeom prst="rect">
-              <a:avLst/>
-            </a:prstGeom>
-            <a:noFill/>
-            <a:ln w="12700" cap="flat">
-              <a:noFill/>
-              <a:miter lim="400000"/>
-            </a:ln>
-            <a:effectLst/>
-            <a:extLst>
-              <a:ext uri="{C572A759-6A51-4108-AA02-DFA0A04FC94B}">
-                <ma14:wrappingTextBoxFlag xmlns:ma14="http://schemas.microsoft.com/office/mac/drawingml/2011/main" xmlns="" val="1"/>
-              </a:ext>
-            </a:extLst>
-          </p:spPr>
-          <p:txBody>
-            <a:bodyPr wrap="square" lIns="50800" tIns="50800" rIns="50800" bIns="50800" numCol="1" anchor="ctr">
-              <a:noAutofit/>
-            </a:bodyPr>
-            <a:lstStyle>
-              <a:lvl1pPr>
-                <a:defRPr sz="1500" b="1">
-                  <a:solidFill>
-                    <a:srgbClr val="FFFFFF"/>
-                  </a:solidFill>
-                  <a:latin typeface="Helvetica"/>
-                  <a:ea typeface="Helvetica"/>
-                  <a:cs typeface="Helvetica"/>
-                  <a:sym typeface="Helvetica"/>
-                </a:defRPr>
-              </a:lvl1pPr>
-            </a:lstStyle>
-            <a:p>
-              <a:r>
-                <a:t>1</a:t>
-              </a:r>
-            </a:p>
-          </p:txBody>
-        </p:sp>
-      </p:grpSp>
-      <p:pic>
-        <p:nvPicPr>
-          <p:cNvPr id="59" name="Graphic 58">
-            <a:extLst>
-              <a:ext uri="{FF2B5EF4-FFF2-40B4-BE49-F238E27FC236}">
-                <a16:creationId xmlns:a16="http://schemas.microsoft.com/office/drawing/2014/main" id="{0460D933-63D1-9E48-8463-67B282CE95B2}"/>
-              </a:ext>
-            </a:extLst>
-          </p:cNvPr>
-          <p:cNvPicPr>
-            <a:picLocks noChangeAspect="1"/>
-          </p:cNvPicPr>
-          <p:nvPr/>
-        </p:nvPicPr>
-        <p:blipFill>
-          <a:blip r:embed="rId2">
-            <a:extLst>
-              <a:ext uri="{96DAC541-7B7A-43D3-8B79-37D633B846F1}">
-                <asvg:svgBlip xmlns:asvg="http://schemas.microsoft.com/office/drawing/2016/SVG/main" r:embed="rId3"/>
-              </a:ext>
-            </a:extLst>
-          </a:blip>
-          <a:stretch>
-            <a:fillRect/>
-          </a:stretch>
-        </p:blipFill>
-        <p:spPr>
-          <a:xfrm>
-            <a:off x="1043310" y="860641"/>
-            <a:ext cx="1005840" cy="1005840"/>
-          </a:xfrm>
-          <a:prstGeom prst="rect">
-            <a:avLst/>
-          </a:prstGeom>
-        </p:spPr>
-      </p:pic>
-      <p:pic>
-        <p:nvPicPr>
-          <p:cNvPr id="60" name="Graphic 59">
-            <a:extLst>
-              <a:ext uri="{FF2B5EF4-FFF2-40B4-BE49-F238E27FC236}">
-                <a16:creationId xmlns:a16="http://schemas.microsoft.com/office/drawing/2014/main" id="{C2BDA4D1-88C3-AF45-904A-3578627704B1}"/>
-              </a:ext>
-            </a:extLst>
-          </p:cNvPr>
-          <p:cNvPicPr>
-            <a:picLocks noChangeAspect="1"/>
-          </p:cNvPicPr>
-          <p:nvPr/>
-        </p:nvPicPr>
-        <p:blipFill rotWithShape="1">
-          <a:blip r:embed="rId4">
-            <a:extLst>
-              <a:ext uri="{96DAC541-7B7A-43D3-8B79-37D633B846F1}">
-                <asvg:svgBlip xmlns:asvg="http://schemas.microsoft.com/office/drawing/2016/SVG/main" r:embed="rId5"/>
-              </a:ext>
-            </a:extLst>
-          </a:blip>
-          <a:srcRect t="69927"/>
-          <a:stretch/>
-        </p:blipFill>
-        <p:spPr>
-          <a:xfrm>
-            <a:off x="938115" y="2456252"/>
-            <a:ext cx="1216231" cy="365760"/>
-          </a:xfrm>
-          <a:prstGeom prst="rect">
-            <a:avLst/>
-          </a:prstGeom>
-        </p:spPr>
-      </p:pic>
-      <p:cxnSp>
-        <p:nvCxnSpPr>
-          <p:cNvPr id="61" name="Straight Connector 60">
-            <a:extLst>
-              <a:ext uri="{FF2B5EF4-FFF2-40B4-BE49-F238E27FC236}">
-                <a16:creationId xmlns:a16="http://schemas.microsoft.com/office/drawing/2014/main" id="{6B06A4B3-AEE6-284A-8BFD-E935D795E6E0}"/>
-              </a:ext>
-            </a:extLst>
-          </p:cNvPr>
-          <p:cNvCxnSpPr>
-            <a:stCxn id="59" idx="2"/>
-            <a:endCxn id="60" idx="0"/>
-          </p:cNvCxnSpPr>
-          <p:nvPr/>
-        </p:nvCxnSpPr>
-        <p:spPr>
-          <a:xfrm>
-            <a:off x="1546230" y="1866481"/>
-            <a:ext cx="1" cy="589771"/>
-          </a:xfrm>
-          <a:prstGeom prst="line">
-            <a:avLst/>
-          </a:prstGeom>
-          <a:noFill/>
-          <a:ln w="38100" cap="flat">
-            <a:solidFill>
-              <a:srgbClr val="000000"/>
-            </a:solidFill>
-            <a:prstDash val="solid"/>
-            <a:miter lim="400000"/>
-          </a:ln>
-          <a:effectLst/>
-          <a:sp3d/>
-        </p:spPr>
-        <p:style>
-          <a:lnRef idx="0">
-            <a:scrgbClr r="0" g="0" b="0"/>
-          </a:lnRef>
-          <a:fillRef idx="0">
-            <a:scrgbClr r="0" g="0" b="0"/>
-          </a:fillRef>
-          <a:effectRef idx="0">
-            <a:scrgbClr r="0" g="0" b="0"/>
-          </a:effectRef>
-          <a:fontRef idx="none"/>
-        </p:style>
-      </p:cxnSp>
-      <p:sp>
-        <p:nvSpPr>
-          <p:cNvPr id="62" name="Shape 120">
-            <a:extLst>
-              <a:ext uri="{FF2B5EF4-FFF2-40B4-BE49-F238E27FC236}">
-                <a16:creationId xmlns:a16="http://schemas.microsoft.com/office/drawing/2014/main" id="{D0D74435-DE74-DF49-80C5-CDB51F075F6C}"/>
-              </a:ext>
-            </a:extLst>
-          </p:cNvPr>
-          <p:cNvSpPr/>
-          <p:nvPr/>
-        </p:nvSpPr>
-        <p:spPr>
-          <a:xfrm flipH="1" flipV="1">
-            <a:off x="2157417" y="1363560"/>
-            <a:ext cx="2156128" cy="1"/>
-          </a:xfrm>
-          <a:prstGeom prst="line">
-            <a:avLst/>
-          </a:prstGeom>
-          <a:ln w="50800">
-            <a:solidFill>
-              <a:srgbClr val="000000"/>
-            </a:solidFill>
-            <a:miter lim="400000"/>
-            <a:headEnd type="stealth"/>
-          </a:ln>
-        </p:spPr>
-        <p:txBody>
-          <a:bodyPr lIns="50800" tIns="50800" rIns="50800" bIns="50800" anchor="ctr"/>
-          <a:lstStyle/>
-          <a:p>
-            <a:pPr>
-              <a:defRPr sz="2400"/>
-            </a:pPr>
-            <a:endParaRPr/>
-          </a:p>
-        </p:txBody>
-      </p:sp>
-      <p:sp>
-        <p:nvSpPr>
-          <p:cNvPr id="63" name="Shape 128">
-            <a:extLst>
-              <a:ext uri="{FF2B5EF4-FFF2-40B4-BE49-F238E27FC236}">
-                <a16:creationId xmlns:a16="http://schemas.microsoft.com/office/drawing/2014/main" id="{BE92C6D3-61A0-0841-9263-45F25835FD95}"/>
-              </a:ext>
-            </a:extLst>
-          </p:cNvPr>
-          <p:cNvSpPr/>
-          <p:nvPr/>
-        </p:nvSpPr>
-        <p:spPr>
-          <a:xfrm>
-            <a:off x="2733034" y="1456224"/>
-            <a:ext cx="818862" cy="339768"/>
-          </a:xfrm>
-          <a:prstGeom prst="rect">
-            <a:avLst/>
-          </a:prstGeom>
-          <a:ln w="12700">
-            <a:miter lim="400000"/>
-          </a:ln>
-          <a:extLst>
-            <a:ext uri="{C572A759-6A51-4108-AA02-DFA0A04FC94B}">
-              <ma14:wrappingTextBoxFlag xmlns:ma14="http://schemas.microsoft.com/office/mac/drawingml/2011/main" xmlns="" val="1"/>
-            </a:ext>
-          </a:extLst>
-        </p:spPr>
-        <p:txBody>
-          <a:bodyPr lIns="50800" tIns="50800" rIns="50800" bIns="50800" anchor="ctr"/>
-          <a:lstStyle>
-            <a:lvl1pPr>
-              <a:spcBef>
-                <a:spcPts val="4200"/>
-              </a:spcBef>
-              <a:defRPr sz="1400">
-                <a:latin typeface="Helvetica"/>
-                <a:ea typeface="Helvetica"/>
-                <a:cs typeface="Helvetica"/>
-                <a:sym typeface="Helvetica"/>
-              </a:defRPr>
-            </a:lvl1pPr>
-          </a:lstStyle>
-          <a:p>
-            <a:r>
-              <a:t>Protocol</a:t>
-            </a:r>
-          </a:p>
-        </p:txBody>
-      </p:sp>
-      <p:sp>
-        <p:nvSpPr>
-          <p:cNvPr id="64" name="Shape 129">
-            <a:extLst>
-              <a:ext uri="{FF2B5EF4-FFF2-40B4-BE49-F238E27FC236}">
-                <a16:creationId xmlns:a16="http://schemas.microsoft.com/office/drawing/2014/main" id="{7FD39937-BB46-674A-AE8F-9EE4C2A10601}"/>
-              </a:ext>
-            </a:extLst>
-          </p:cNvPr>
-          <p:cNvSpPr/>
-          <p:nvPr/>
-        </p:nvSpPr>
-        <p:spPr>
-          <a:xfrm>
-            <a:off x="4330865" y="1168098"/>
-            <a:ext cx="390926" cy="390926"/>
-          </a:xfrm>
-          <a:prstGeom prst="ellipse">
-            <a:avLst/>
-          </a:prstGeom>
-          <a:solidFill>
-            <a:schemeClr val="tx1">
-              <a:lumMod val="75000"/>
-              <a:lumOff val="25000"/>
-            </a:schemeClr>
-          </a:solidFill>
-          <a:ln w="12700">
-            <a:noFill/>
-            <a:miter lim="400000"/>
-          </a:ln>
-        </p:spPr>
-        <p:txBody>
-          <a:bodyPr lIns="50800" tIns="50800" rIns="50800" bIns="50800" anchor="ctr"/>
-          <a:lstStyle/>
-          <a:p>
-            <a:pPr>
-              <a:defRPr sz="2400">
-                <a:solidFill>
-                  <a:srgbClr val="FFFFFF"/>
-                </a:solidFill>
-              </a:defRPr>
-            </a:pPr>
-            <a:endParaRPr/>
-          </a:p>
-        </p:txBody>
-      </p:sp>
-      <p:grpSp>
-        <p:nvGrpSpPr>
-          <p:cNvPr id="65" name="Group 135">
-            <a:extLst>
-              <a:ext uri="{FF2B5EF4-FFF2-40B4-BE49-F238E27FC236}">
-                <a16:creationId xmlns:a16="http://schemas.microsoft.com/office/drawing/2014/main" id="{2286ED4F-9D1D-5942-B4E5-99216998D953}"/>
-              </a:ext>
-            </a:extLst>
-          </p:cNvPr>
-          <p:cNvGrpSpPr/>
-          <p:nvPr/>
-        </p:nvGrpSpPr>
-        <p:grpSpPr>
-          <a:xfrm>
-            <a:off x="2427216" y="1035616"/>
-            <a:ext cx="382033" cy="253092"/>
-            <a:chOff x="0" y="0"/>
-            <a:chExt cx="382032" cy="253090"/>
-          </a:xfrm>
-          <a:solidFill>
-            <a:schemeClr val="tx1">
-              <a:lumMod val="75000"/>
-              <a:lumOff val="25000"/>
-            </a:schemeClr>
-          </a:solidFill>
-        </p:grpSpPr>
-        <p:sp>
-          <p:nvSpPr>
-            <p:cNvPr id="66" name="Shape 132">
-              <a:extLst>
-                <a:ext uri="{FF2B5EF4-FFF2-40B4-BE49-F238E27FC236}">
-                  <a16:creationId xmlns:a16="http://schemas.microsoft.com/office/drawing/2014/main" id="{BA6EDD1C-8BD9-C248-A24B-9CD97C8BD266}"/>
-                </a:ext>
-              </a:extLst>
-            </p:cNvPr>
-            <p:cNvSpPr/>
-            <p:nvPr/>
-          </p:nvSpPr>
-          <p:spPr>
-            <a:xfrm>
-              <a:off x="1816" y="0"/>
-              <a:ext cx="379416" cy="253091"/>
-            </a:xfrm>
-            <a:prstGeom prst="rect">
-              <a:avLst/>
-            </a:prstGeom>
-            <a:grpFill/>
-            <a:ln w="12700" cap="flat">
-              <a:noFill/>
-              <a:miter lim="400000"/>
-            </a:ln>
-            <a:effectLst/>
-          </p:spPr>
-          <p:txBody>
-            <a:bodyPr wrap="square" lIns="50800" tIns="50800" rIns="50800" bIns="50800" numCol="1" anchor="ctr">
-              <a:noAutofit/>
-            </a:bodyPr>
-            <a:lstStyle/>
-            <a:p>
-              <a:pPr>
-                <a:defRPr sz="2400">
-                  <a:solidFill>
-                    <a:srgbClr val="FFFFFF"/>
-                  </a:solidFill>
-                </a:defRPr>
-              </a:pPr>
-              <a:endParaRPr/>
-            </a:p>
-          </p:txBody>
-        </p:sp>
-        <p:sp>
-          <p:nvSpPr>
-            <p:cNvPr id="75" name="Shape 133">
-              <a:extLst>
-                <a:ext uri="{FF2B5EF4-FFF2-40B4-BE49-F238E27FC236}">
-                  <a16:creationId xmlns:a16="http://schemas.microsoft.com/office/drawing/2014/main" id="{86C3C6C5-80DC-7E4F-A857-A4F346EB9711}"/>
-                </a:ext>
-              </a:extLst>
-            </p:cNvPr>
-            <p:cNvSpPr/>
-            <p:nvPr/>
-          </p:nvSpPr>
-          <p:spPr>
-            <a:xfrm flipV="1">
-              <a:off x="198113" y="4121"/>
-              <a:ext cx="183920" cy="117762"/>
-            </a:xfrm>
-            <a:prstGeom prst="line">
-              <a:avLst/>
-            </a:prstGeom>
-            <a:grpFill/>
-            <a:ln w="12700" cap="flat">
-              <a:solidFill>
-                <a:srgbClr val="FFFFFF"/>
-              </a:solidFill>
-              <a:prstDash val="solid"/>
-              <a:miter lim="400000"/>
-            </a:ln>
-            <a:effectLst/>
-          </p:spPr>
-          <p:txBody>
-            <a:bodyPr wrap="square" lIns="50800" tIns="50800" rIns="50800" bIns="50800" numCol="1" anchor="ctr">
-              <a:noAutofit/>
-            </a:bodyPr>
-            <a:lstStyle/>
-            <a:p>
-              <a:pPr>
-                <a:defRPr sz="2400"/>
-              </a:pPr>
-              <a:endParaRPr/>
-            </a:p>
-          </p:txBody>
-        </p:sp>
-        <p:sp>
-          <p:nvSpPr>
-            <p:cNvPr id="76" name="Shape 134">
-              <a:extLst>
-                <a:ext uri="{FF2B5EF4-FFF2-40B4-BE49-F238E27FC236}">
-                  <a16:creationId xmlns:a16="http://schemas.microsoft.com/office/drawing/2014/main" id="{EBF07617-A590-434F-ACCB-4424BEEC01EE}"/>
-                </a:ext>
-              </a:extLst>
-            </p:cNvPr>
-            <p:cNvSpPr/>
-            <p:nvPr/>
-          </p:nvSpPr>
-          <p:spPr>
-            <a:xfrm flipH="1" flipV="1">
-              <a:off x="0" y="4012"/>
-              <a:ext cx="200712" cy="117871"/>
-            </a:xfrm>
-            <a:prstGeom prst="line">
-              <a:avLst/>
-            </a:prstGeom>
-            <a:grpFill/>
-            <a:ln w="12700" cap="flat">
-              <a:solidFill>
-                <a:srgbClr val="FFFFFF"/>
-              </a:solidFill>
-              <a:prstDash val="solid"/>
-              <a:miter lim="400000"/>
-            </a:ln>
-            <a:effectLst/>
-          </p:spPr>
-          <p:txBody>
-            <a:bodyPr wrap="square" lIns="50800" tIns="50800" rIns="50800" bIns="50800" numCol="1" anchor="ctr">
-              <a:noAutofit/>
-            </a:bodyPr>
-            <a:lstStyle/>
-            <a:p>
-              <a:pPr>
-                <a:defRPr sz="2400"/>
-              </a:pPr>
-              <a:endParaRPr/>
-            </a:p>
-          </p:txBody>
-        </p:sp>
-      </p:grpSp>
-      <p:sp>
-        <p:nvSpPr>
-          <p:cNvPr id="77" name="Shape 136">
-            <a:extLst>
-              <a:ext uri="{FF2B5EF4-FFF2-40B4-BE49-F238E27FC236}">
-                <a16:creationId xmlns:a16="http://schemas.microsoft.com/office/drawing/2014/main" id="{A82E9075-F908-234B-B164-54F8690CEF84}"/>
-              </a:ext>
-            </a:extLst>
-          </p:cNvPr>
-          <p:cNvSpPr/>
-          <p:nvPr/>
-        </p:nvSpPr>
-        <p:spPr>
-          <a:xfrm>
-            <a:off x="2172740" y="699184"/>
-            <a:ext cx="890985" cy="339768"/>
-          </a:xfrm>
-          <a:prstGeom prst="rect">
-            <a:avLst/>
-          </a:prstGeom>
-          <a:ln w="12700">
-            <a:miter lim="400000"/>
-          </a:ln>
-          <a:extLst>
-            <a:ext uri="{C572A759-6A51-4108-AA02-DFA0A04FC94B}">
-              <ma14:wrappingTextBoxFlag xmlns:ma14="http://schemas.microsoft.com/office/mac/drawingml/2011/main" xmlns="" val="1"/>
-            </a:ext>
-          </a:extLst>
-        </p:spPr>
-        <p:txBody>
-          <a:bodyPr lIns="50800" tIns="50800" rIns="50800" bIns="50800" anchor="ctr"/>
-          <a:lstStyle>
-            <a:lvl1pPr>
-              <a:spcBef>
-                <a:spcPts val="4200"/>
-              </a:spcBef>
-              <a:defRPr sz="1400">
-                <a:latin typeface="Helvetica"/>
-                <a:ea typeface="Helvetica"/>
-                <a:cs typeface="Helvetica"/>
-                <a:sym typeface="Helvetica"/>
-              </a:defRPr>
-            </a:lvl1pPr>
-          </a:lstStyle>
-          <a:p>
-            <a:r>
-              <a:rPr dirty="0"/>
-              <a:t>Message</a:t>
-            </a:r>
-          </a:p>
-        </p:txBody>
-      </p:sp>
-      <p:grpSp>
-        <p:nvGrpSpPr>
-          <p:cNvPr id="78" name="Group 142">
-            <a:extLst>
-              <a:ext uri="{FF2B5EF4-FFF2-40B4-BE49-F238E27FC236}">
-                <a16:creationId xmlns:a16="http://schemas.microsoft.com/office/drawing/2014/main" id="{71BA4D59-3F04-FB41-A2BF-8FA153EACE92}"/>
-              </a:ext>
-            </a:extLst>
-          </p:cNvPr>
-          <p:cNvGrpSpPr/>
-          <p:nvPr/>
-        </p:nvGrpSpPr>
-        <p:grpSpPr>
-          <a:xfrm>
-            <a:off x="3074430" y="676018"/>
-            <a:ext cx="313706" cy="386100"/>
-            <a:chOff x="0" y="0"/>
-            <a:chExt cx="313705" cy="386098"/>
-          </a:xfrm>
-        </p:grpSpPr>
-        <p:sp>
-          <p:nvSpPr>
-            <p:cNvPr id="79" name="Shape 140">
-              <a:extLst>
-                <a:ext uri="{FF2B5EF4-FFF2-40B4-BE49-F238E27FC236}">
-                  <a16:creationId xmlns:a16="http://schemas.microsoft.com/office/drawing/2014/main" id="{39B46D21-1091-3246-8F9B-41CDE12C89CB}"/>
-                </a:ext>
-              </a:extLst>
-            </p:cNvPr>
-            <p:cNvSpPr/>
-            <p:nvPr/>
-          </p:nvSpPr>
-          <p:spPr>
-            <a:xfrm>
-              <a:off x="0" y="36196"/>
-              <a:ext cx="313706" cy="313707"/>
-            </a:xfrm>
-            <a:prstGeom prst="ellipse">
-              <a:avLst/>
-            </a:prstGeom>
-            <a:ln/>
-          </p:spPr>
-          <p:style>
-            <a:lnRef idx="2">
-              <a:schemeClr val="accent1">
-                <a:shade val="50000"/>
-              </a:schemeClr>
-            </a:lnRef>
-            <a:fillRef idx="1">
-              <a:schemeClr val="accent1"/>
-            </a:fillRef>
-            <a:effectRef idx="0">
-              <a:schemeClr val="accent1"/>
-            </a:effectRef>
-            <a:fontRef idx="minor">
-              <a:schemeClr val="lt1"/>
-            </a:fontRef>
-          </p:style>
-          <p:txBody>
-            <a:bodyPr wrap="square" lIns="50800" tIns="50800" rIns="50800" bIns="50800" numCol="1" anchor="ctr">
-              <a:noAutofit/>
-            </a:bodyPr>
-            <a:lstStyle/>
-            <a:p>
-              <a:pPr>
-                <a:defRPr sz="1000" b="1">
-                  <a:solidFill>
-                    <a:srgbClr val="FFFFFF"/>
-                  </a:solidFill>
-                  <a:latin typeface="Helvetica"/>
-                  <a:ea typeface="Helvetica"/>
-                  <a:cs typeface="Helvetica"/>
-                  <a:sym typeface="Helvetica"/>
-                </a:defRPr>
-              </a:pPr>
-              <a:endParaRPr/>
-            </a:p>
-          </p:txBody>
-        </p:sp>
-        <p:sp>
-          <p:nvSpPr>
-            <p:cNvPr id="86" name="Shape 141">
-              <a:extLst>
-                <a:ext uri="{FF2B5EF4-FFF2-40B4-BE49-F238E27FC236}">
-                  <a16:creationId xmlns:a16="http://schemas.microsoft.com/office/drawing/2014/main" id="{5BFCE026-B2B4-9F45-BB60-A740C5E6E828}"/>
-                </a:ext>
-              </a:extLst>
-            </p:cNvPr>
-            <p:cNvSpPr/>
-            <p:nvPr/>
-          </p:nvSpPr>
-          <p:spPr>
-            <a:xfrm>
-              <a:off x="27230" y="0"/>
-              <a:ext cx="259245" cy="386099"/>
-            </a:xfrm>
-            <a:prstGeom prst="rect">
-              <a:avLst/>
-            </a:prstGeom>
-            <a:noFill/>
-            <a:ln w="12700" cap="flat">
-              <a:noFill/>
-              <a:miter lim="400000"/>
-            </a:ln>
-            <a:effectLst/>
-            <a:extLst>
-              <a:ext uri="{C572A759-6A51-4108-AA02-DFA0A04FC94B}">
-                <ma14:wrappingTextBoxFlag xmlns:ma14="http://schemas.microsoft.com/office/mac/drawingml/2011/main" xmlns="" val="1"/>
-              </a:ext>
-            </a:extLst>
-          </p:spPr>
-          <p:txBody>
-            <a:bodyPr wrap="square" lIns="50800" tIns="50800" rIns="50800" bIns="50800" numCol="1" anchor="ctr">
-              <a:noAutofit/>
-            </a:bodyPr>
-            <a:lstStyle>
-              <a:lvl1pPr>
-                <a:defRPr sz="1500" b="1">
-                  <a:solidFill>
-                    <a:srgbClr val="FFFFFF"/>
-                  </a:solidFill>
-                  <a:latin typeface="Helvetica"/>
-                  <a:ea typeface="Helvetica"/>
-                  <a:cs typeface="Helvetica"/>
-                  <a:sym typeface="Helvetica"/>
-                </a:defRPr>
-              </a:lvl1pPr>
-            </a:lstStyle>
-            <a:p>
-              <a:r>
-                <a:t>2</a:t>
-              </a:r>
-            </a:p>
-          </p:txBody>
-        </p:sp>
-      </p:grpSp>
-      <p:pic>
-        <p:nvPicPr>
-          <p:cNvPr id="91" name="Graphic 90">
-            <a:extLst>
-              <a:ext uri="{FF2B5EF4-FFF2-40B4-BE49-F238E27FC236}">
-                <a16:creationId xmlns:a16="http://schemas.microsoft.com/office/drawing/2014/main" id="{0F5FC392-7F62-8546-AD62-3342F4129FF9}"/>
-              </a:ext>
-            </a:extLst>
-          </p:cNvPr>
-          <p:cNvPicPr>
-            <a:picLocks noChangeAspect="1"/>
-          </p:cNvPicPr>
-          <p:nvPr/>
-        </p:nvPicPr>
-        <p:blipFill rotWithShape="1">
-          <a:blip r:embed="rId6">
-            <a:extLst>
-              <a:ext uri="{96DAC541-7B7A-43D3-8B79-37D633B846F1}">
-                <asvg:svgBlip xmlns:asvg="http://schemas.microsoft.com/office/drawing/2016/SVG/main" r:embed="rId7"/>
-              </a:ext>
-            </a:extLst>
-          </a:blip>
-          <a:srcRect l="9959" t="5480" r="10321" b="8525"/>
-          <a:stretch/>
-        </p:blipFill>
-        <p:spPr>
-          <a:xfrm rot="5400000">
-            <a:off x="4901574" y="867543"/>
-            <a:ext cx="979846" cy="1056970"/>
-          </a:xfrm>
-          <a:prstGeom prst="rect">
-            <a:avLst/>
-          </a:prstGeom>
-        </p:spPr>
-      </p:pic>
-      <p:sp>
-        <p:nvSpPr>
-          <p:cNvPr id="136" name="Shape 136"/>
-          <p:cNvSpPr/>
-          <p:nvPr/>
-        </p:nvSpPr>
-        <p:spPr>
-          <a:xfrm>
-            <a:off x="4946005" y="1652792"/>
-            <a:ext cx="890985" cy="339768"/>
-          </a:xfrm>
-          <a:prstGeom prst="rect">
-            <a:avLst/>
-          </a:prstGeom>
-          <a:ln w="12700">
-            <a:miter lim="400000"/>
-          </a:ln>
-          <a:extLst>
-            <a:ext uri="{C572A759-6A51-4108-AA02-DFA0A04FC94B}">
-              <ma14:wrappingTextBoxFlag xmlns:ma14="http://schemas.microsoft.com/office/mac/drawingml/2011/main" xmlns="" val="1"/>
-            </a:ext>
-          </a:extLst>
-        </p:spPr>
-        <p:txBody>
-          <a:bodyPr lIns="50800" tIns="50800" rIns="50800" bIns="50800" anchor="ctr"/>
-          <a:lstStyle>
-            <a:lvl1pPr>
-              <a:spcBef>
-                <a:spcPts val="4200"/>
-              </a:spcBef>
-              <a:defRPr sz="1400">
-                <a:latin typeface="Helvetica"/>
-                <a:ea typeface="Helvetica"/>
-                <a:cs typeface="Helvetica"/>
-                <a:sym typeface="Helvetica"/>
-              </a:defRPr>
-            </a:lvl1pPr>
-          </a:lstStyle>
-          <a:p>
-            <a:r>
-              <a:rPr lang="en-US" dirty="0"/>
-              <a:t>Rules</a:t>
-            </a:r>
-            <a:endParaRPr dirty="0"/>
-          </a:p>
-        </p:txBody>
-      </p:sp>
-      <p:pic>
-        <p:nvPicPr>
-          <p:cNvPr id="92" name="Graphic 91">
-            <a:extLst>
-              <a:ext uri="{FF2B5EF4-FFF2-40B4-BE49-F238E27FC236}">
-                <a16:creationId xmlns:a16="http://schemas.microsoft.com/office/drawing/2014/main" id="{DCF83EE3-E580-3C4F-AEF1-A780CAF5903F}"/>
-              </a:ext>
-            </a:extLst>
-          </p:cNvPr>
-          <p:cNvPicPr>
-            <a:picLocks noChangeAspect="1"/>
-          </p:cNvPicPr>
-          <p:nvPr/>
-        </p:nvPicPr>
-        <p:blipFill rotWithShape="1">
-          <a:blip r:embed="rId8">
-            <a:extLst>
-              <a:ext uri="{96DAC541-7B7A-43D3-8B79-37D633B846F1}">
-                <asvg:svgBlip xmlns:asvg="http://schemas.microsoft.com/office/drawing/2016/SVG/main" r:embed="rId9"/>
-              </a:ext>
-            </a:extLst>
-          </a:blip>
-          <a:srcRect l="7149" t="5848" r="4687" b="3008"/>
-          <a:stretch/>
-        </p:blipFill>
-        <p:spPr>
-          <a:xfrm>
-            <a:off x="6231603" y="1456224"/>
-            <a:ext cx="503853" cy="520888"/>
-          </a:xfrm>
-          <a:prstGeom prst="rect">
-            <a:avLst/>
-          </a:prstGeom>
-        </p:spPr>
-      </p:pic>
-      <p:pic>
-        <p:nvPicPr>
-          <p:cNvPr id="94" name="Graphic 93">
-            <a:extLst>
-              <a:ext uri="{FF2B5EF4-FFF2-40B4-BE49-F238E27FC236}">
-                <a16:creationId xmlns:a16="http://schemas.microsoft.com/office/drawing/2014/main" id="{539A6ADF-FE54-B341-A80A-EF1D2FF79B15}"/>
-              </a:ext>
-            </a:extLst>
-          </p:cNvPr>
-          <p:cNvPicPr>
-            <a:picLocks noChangeAspect="1"/>
-          </p:cNvPicPr>
-          <p:nvPr/>
-        </p:nvPicPr>
-        <p:blipFill rotWithShape="1">
-          <a:blip r:embed="rId8">
-            <a:extLst>
-              <a:ext uri="{96DAC541-7B7A-43D3-8B79-37D633B846F1}">
-                <asvg:svgBlip xmlns:asvg="http://schemas.microsoft.com/office/drawing/2016/SVG/main" r:embed="rId9"/>
-              </a:ext>
-            </a:extLst>
-          </a:blip>
-          <a:srcRect l="7149" t="5848" r="4687" b="3008"/>
-          <a:stretch/>
-        </p:blipFill>
-        <p:spPr>
-          <a:xfrm>
-            <a:off x="6212464" y="628130"/>
-            <a:ext cx="503853" cy="520888"/>
-          </a:xfrm>
-          <a:prstGeom prst="rect">
-            <a:avLst/>
-          </a:prstGeom>
-        </p:spPr>
-      </p:pic>
-      <p:sp>
-        <p:nvSpPr>
-          <p:cNvPr id="97" name="TextBox 96">
-            <a:extLst>
-              <a:ext uri="{FF2B5EF4-FFF2-40B4-BE49-F238E27FC236}">
-                <a16:creationId xmlns:a16="http://schemas.microsoft.com/office/drawing/2014/main" id="{51FB4587-79CD-8B41-B33A-090250D1B19C}"/>
-              </a:ext>
-            </a:extLst>
-          </p:cNvPr>
-          <p:cNvSpPr txBox="1"/>
-          <p:nvPr/>
-        </p:nvSpPr>
-        <p:spPr>
-          <a:xfrm>
-            <a:off x="7600888" y="1209110"/>
-            <a:ext cx="1269341" cy="584775"/>
-          </a:xfrm>
-          <a:prstGeom prst="rect">
-            <a:avLst/>
-          </a:prstGeom>
-          <a:noFill/>
-        </p:spPr>
-        <p:txBody>
-          <a:bodyPr wrap="square" rtlCol="0">
-            <a:spAutoFit/>
-          </a:bodyPr>
-          <a:lstStyle/>
-          <a:p>
-            <a:pPr algn="ctr"/>
-            <a:r>
-              <a:rPr lang="en-US" sz="1600" dirty="0">
-                <a:solidFill>
-                  <a:srgbClr val="232F3E"/>
-                </a:solidFill>
-                <a:latin typeface="Helvetica" pitchFamily="2" charset="0"/>
-              </a:rPr>
-              <a:t>Processing Component</a:t>
-            </a:r>
-          </a:p>
-        </p:txBody>
-      </p:sp>
-      <p:pic>
-        <p:nvPicPr>
-          <p:cNvPr id="98" name="Graphic 97">
-            <a:extLst>
-              <a:ext uri="{FF2B5EF4-FFF2-40B4-BE49-F238E27FC236}">
-                <a16:creationId xmlns:a16="http://schemas.microsoft.com/office/drawing/2014/main" id="{53709067-DA79-F84C-8AB1-74FC9A4F9A6D}"/>
-              </a:ext>
-            </a:extLst>
-          </p:cNvPr>
-          <p:cNvPicPr>
-            <a:picLocks noChangeAspect="1"/>
-          </p:cNvPicPr>
-          <p:nvPr/>
-        </p:nvPicPr>
-        <p:blipFill>
-          <a:blip r:embed="rId10">
-            <a:extLst>
-              <a:ext uri="{96DAC541-7B7A-43D3-8B79-37D633B846F1}">
-                <asvg:svgBlip xmlns:asvg="http://schemas.microsoft.com/office/drawing/2016/SVG/main" r:embed="rId11"/>
-              </a:ext>
-            </a:extLst>
-          </a:blip>
-          <a:stretch>
-            <a:fillRect/>
-          </a:stretch>
-        </p:blipFill>
-        <p:spPr>
-          <a:xfrm>
-            <a:off x="7914213" y="1889260"/>
-            <a:ext cx="640080" cy="640080"/>
-          </a:xfrm>
-          <a:prstGeom prst="rect">
-            <a:avLst/>
-          </a:prstGeom>
-        </p:spPr>
-      </p:pic>
-      <p:pic>
-        <p:nvPicPr>
-          <p:cNvPr id="101" name="Graphic 100">
-            <a:extLst>
-              <a:ext uri="{FF2B5EF4-FFF2-40B4-BE49-F238E27FC236}">
-                <a16:creationId xmlns:a16="http://schemas.microsoft.com/office/drawing/2014/main" id="{F73CE35E-0E0F-7B4A-A8A0-3147CCF43DA2}"/>
-              </a:ext>
-            </a:extLst>
-          </p:cNvPr>
-          <p:cNvPicPr>
-            <a:picLocks noChangeAspect="1"/>
-          </p:cNvPicPr>
-          <p:nvPr/>
-        </p:nvPicPr>
-        <p:blipFill>
-          <a:blip r:embed="rId10">
-            <a:extLst>
-              <a:ext uri="{96DAC541-7B7A-43D3-8B79-37D633B846F1}">
-                <asvg:svgBlip xmlns:asvg="http://schemas.microsoft.com/office/drawing/2016/SVG/main" r:embed="rId11"/>
-              </a:ext>
-            </a:extLst>
-          </a:blip>
-          <a:stretch>
-            <a:fillRect/>
-          </a:stretch>
-        </p:blipFill>
-        <p:spPr>
-          <a:xfrm>
-            <a:off x="9284944" y="1889260"/>
-            <a:ext cx="640080" cy="640080"/>
-          </a:xfrm>
-          <a:prstGeom prst="rect">
-            <a:avLst/>
-          </a:prstGeom>
-        </p:spPr>
-      </p:pic>
-      <p:grpSp>
-        <p:nvGrpSpPr>
-          <p:cNvPr id="103" name="Group 102">
-            <a:extLst>
-              <a:ext uri="{FF2B5EF4-FFF2-40B4-BE49-F238E27FC236}">
-                <a16:creationId xmlns:a16="http://schemas.microsoft.com/office/drawing/2014/main" id="{14FCF73B-12AB-C942-A987-7300D69726BB}"/>
-              </a:ext>
-            </a:extLst>
-          </p:cNvPr>
-          <p:cNvGrpSpPr/>
-          <p:nvPr/>
-        </p:nvGrpSpPr>
-        <p:grpSpPr>
-          <a:xfrm>
-            <a:off x="4908427" y="731598"/>
-            <a:ext cx="344594" cy="386100"/>
-            <a:chOff x="5242522" y="1170511"/>
-            <a:chExt cx="344594" cy="386100"/>
-          </a:xfrm>
-        </p:grpSpPr>
-        <p:sp>
-          <p:nvSpPr>
-            <p:cNvPr id="104" name="Shape 143">
-              <a:extLst>
-                <a:ext uri="{FF2B5EF4-FFF2-40B4-BE49-F238E27FC236}">
-                  <a16:creationId xmlns:a16="http://schemas.microsoft.com/office/drawing/2014/main" id="{BC470CC7-D727-204A-9152-896F4EC33CBE}"/>
-                </a:ext>
-              </a:extLst>
-            </p:cNvPr>
-            <p:cNvSpPr/>
-            <p:nvPr/>
-          </p:nvSpPr>
-          <p:spPr>
-            <a:xfrm>
-              <a:off x="5242522" y="1191264"/>
-              <a:ext cx="344594" cy="344594"/>
-            </a:xfrm>
-            <a:prstGeom prst="ellipse">
-              <a:avLst/>
-            </a:prstGeom>
-            <a:ln/>
-          </p:spPr>
-          <p:style>
-            <a:lnRef idx="2">
-              <a:schemeClr val="accent1">
-                <a:shade val="50000"/>
-              </a:schemeClr>
-            </a:lnRef>
-            <a:fillRef idx="1">
-              <a:schemeClr val="accent1"/>
-            </a:fillRef>
-            <a:effectRef idx="0">
-              <a:schemeClr val="accent1"/>
-            </a:effectRef>
-            <a:fontRef idx="minor">
-              <a:schemeClr val="lt1"/>
-            </a:fontRef>
-          </p:style>
-          <p:txBody>
-            <a:bodyPr lIns="50800" tIns="50800" rIns="50800" bIns="50800" anchor="ctr"/>
-            <a:lstStyle/>
-            <a:p>
-              <a:pPr>
-                <a:defRPr sz="1000" b="1">
-                  <a:solidFill>
-                    <a:srgbClr val="FFFFFF"/>
-                  </a:solidFill>
-                  <a:latin typeface="Helvetica"/>
-                  <a:ea typeface="Helvetica"/>
-                  <a:cs typeface="Helvetica"/>
-                  <a:sym typeface="Helvetica"/>
-                </a:defRPr>
-              </a:pPr>
-              <a:endParaRPr/>
-            </a:p>
-          </p:txBody>
-        </p:sp>
-        <p:sp>
-          <p:nvSpPr>
-            <p:cNvPr id="105" name="Shape 144">
-              <a:extLst>
-                <a:ext uri="{FF2B5EF4-FFF2-40B4-BE49-F238E27FC236}">
-                  <a16:creationId xmlns:a16="http://schemas.microsoft.com/office/drawing/2014/main" id="{27417F58-4DE6-C440-B4FC-07D733F353A2}"/>
-                </a:ext>
-              </a:extLst>
-            </p:cNvPr>
-            <p:cNvSpPr/>
-            <p:nvPr/>
-          </p:nvSpPr>
-          <p:spPr>
-            <a:xfrm>
-              <a:off x="5285196" y="1170511"/>
-              <a:ext cx="259245" cy="386100"/>
-            </a:xfrm>
-            <a:prstGeom prst="rect">
-              <a:avLst/>
-            </a:prstGeom>
-            <a:ln w="12700">
-              <a:miter lim="400000"/>
-            </a:ln>
-            <a:extLst>
-              <a:ext uri="{C572A759-6A51-4108-AA02-DFA0A04FC94B}">
-                <ma14:wrappingTextBoxFlag xmlns:ma14="http://schemas.microsoft.com/office/mac/drawingml/2011/main" xmlns="" val="1"/>
-              </a:ext>
-            </a:extLst>
-          </p:spPr>
-          <p:txBody>
-            <a:bodyPr lIns="50800" tIns="50800" rIns="50800" bIns="50800" anchor="ctr"/>
-            <a:lstStyle>
-              <a:lvl1pPr>
-                <a:defRPr sz="1500" b="1">
-                  <a:solidFill>
-                    <a:srgbClr val="FFFFFF"/>
-                  </a:solidFill>
-                  <a:latin typeface="Helvetica"/>
-                  <a:ea typeface="Helvetica"/>
-                  <a:cs typeface="Helvetica"/>
-                  <a:sym typeface="Helvetica"/>
-                </a:defRPr>
-              </a:lvl1pPr>
-            </a:lstStyle>
-            <a:p>
-              <a:r>
-                <a:rPr dirty="0"/>
-                <a:t>3</a:t>
-              </a:r>
-            </a:p>
-          </p:txBody>
-        </p:sp>
-      </p:grpSp>
-      <p:grpSp>
-        <p:nvGrpSpPr>
-          <p:cNvPr id="106" name="Group 236">
-            <a:extLst>
-              <a:ext uri="{FF2B5EF4-FFF2-40B4-BE49-F238E27FC236}">
-                <a16:creationId xmlns:a16="http://schemas.microsoft.com/office/drawing/2014/main" id="{7B509E26-E580-0D49-B495-CBBCE1CCD155}"/>
-              </a:ext>
-            </a:extLst>
-          </p:cNvPr>
-          <p:cNvGrpSpPr/>
-          <p:nvPr/>
-        </p:nvGrpSpPr>
-        <p:grpSpPr>
-          <a:xfrm>
-            <a:off x="7367506" y="2344068"/>
-            <a:ext cx="344594" cy="386100"/>
-            <a:chOff x="0" y="0"/>
-            <a:chExt cx="344593" cy="386098"/>
-          </a:xfrm>
-        </p:grpSpPr>
-        <p:sp>
-          <p:nvSpPr>
-            <p:cNvPr id="107" name="Shape 234">
-              <a:extLst>
-                <a:ext uri="{FF2B5EF4-FFF2-40B4-BE49-F238E27FC236}">
-                  <a16:creationId xmlns:a16="http://schemas.microsoft.com/office/drawing/2014/main" id="{26394964-2E84-544B-A3B3-E9E1C041013D}"/>
-                </a:ext>
-              </a:extLst>
-            </p:cNvPr>
-            <p:cNvSpPr/>
-            <p:nvPr/>
-          </p:nvSpPr>
-          <p:spPr>
-            <a:xfrm>
-              <a:off x="0" y="20752"/>
-              <a:ext cx="344594" cy="344594"/>
-            </a:xfrm>
-            <a:prstGeom prst="ellipse">
-              <a:avLst/>
-            </a:prstGeom>
-            <a:ln/>
-          </p:spPr>
-          <p:style>
-            <a:lnRef idx="2">
-              <a:schemeClr val="accent1">
-                <a:shade val="50000"/>
-              </a:schemeClr>
-            </a:lnRef>
-            <a:fillRef idx="1">
-              <a:schemeClr val="accent1"/>
-            </a:fillRef>
-            <a:effectRef idx="0">
-              <a:schemeClr val="accent1"/>
-            </a:effectRef>
-            <a:fontRef idx="minor">
-              <a:schemeClr val="lt1"/>
-            </a:fontRef>
-          </p:style>
-          <p:txBody>
-            <a:bodyPr wrap="square" lIns="50800" tIns="50800" rIns="50800" bIns="50800" numCol="1" anchor="ctr">
-              <a:noAutofit/>
-            </a:bodyPr>
-            <a:lstStyle/>
-            <a:p>
-              <a:pPr>
-                <a:defRPr sz="1000" b="1">
-                  <a:solidFill>
-                    <a:srgbClr val="FFFFFF"/>
-                  </a:solidFill>
-                  <a:latin typeface="Helvetica"/>
-                  <a:ea typeface="Helvetica"/>
-                  <a:cs typeface="Helvetica"/>
-                  <a:sym typeface="Helvetica"/>
-                </a:defRPr>
-              </a:pPr>
-              <a:endParaRPr/>
-            </a:p>
-          </p:txBody>
-        </p:sp>
-        <p:sp>
-          <p:nvSpPr>
-            <p:cNvPr id="108" name="Shape 235">
-              <a:extLst>
-                <a:ext uri="{FF2B5EF4-FFF2-40B4-BE49-F238E27FC236}">
-                  <a16:creationId xmlns:a16="http://schemas.microsoft.com/office/drawing/2014/main" id="{8EDA0089-570C-8349-B050-429EBA461C25}"/>
-                </a:ext>
-              </a:extLst>
-            </p:cNvPr>
-            <p:cNvSpPr/>
-            <p:nvPr/>
-          </p:nvSpPr>
-          <p:spPr>
-            <a:xfrm>
-              <a:off x="42674" y="0"/>
-              <a:ext cx="259245" cy="386099"/>
-            </a:xfrm>
-            <a:prstGeom prst="rect">
-              <a:avLst/>
-            </a:prstGeom>
-            <a:noFill/>
-            <a:ln w="12700" cap="flat">
-              <a:noFill/>
-              <a:miter lim="400000"/>
-            </a:ln>
-            <a:effectLst/>
-            <a:extLst>
-              <a:ext uri="{C572A759-6A51-4108-AA02-DFA0A04FC94B}">
-                <ma14:wrappingTextBoxFlag xmlns:ma14="http://schemas.microsoft.com/office/mac/drawingml/2011/main" xmlns="" val="1"/>
-              </a:ext>
-            </a:extLst>
-          </p:spPr>
-          <p:txBody>
-            <a:bodyPr wrap="square" lIns="50800" tIns="50800" rIns="50800" bIns="50800" numCol="1" anchor="ctr">
-              <a:noAutofit/>
-            </a:bodyPr>
-            <a:lstStyle>
-              <a:lvl1pPr>
-                <a:defRPr sz="1500" b="1">
-                  <a:solidFill>
-                    <a:srgbClr val="FFFFFF"/>
-                  </a:solidFill>
-                  <a:latin typeface="Helvetica"/>
-                  <a:ea typeface="Helvetica"/>
-                  <a:cs typeface="Helvetica"/>
-                  <a:sym typeface="Helvetica"/>
-                </a:defRPr>
-              </a:lvl1pPr>
-            </a:lstStyle>
-            <a:p>
-              <a:r>
-                <a:rPr lang="en-US" dirty="0"/>
-                <a:t>5</a:t>
-              </a:r>
-              <a:endParaRPr dirty="0"/>
-            </a:p>
-          </p:txBody>
-        </p:sp>
-      </p:grpSp>
-      <p:grpSp>
-        <p:nvGrpSpPr>
-          <p:cNvPr id="109" name="Group 236">
-            <a:extLst>
-              <a:ext uri="{FF2B5EF4-FFF2-40B4-BE49-F238E27FC236}">
-                <a16:creationId xmlns:a16="http://schemas.microsoft.com/office/drawing/2014/main" id="{05C89246-437B-0E41-9455-4CE75EE809B5}"/>
-              </a:ext>
-            </a:extLst>
-          </p:cNvPr>
-          <p:cNvGrpSpPr/>
-          <p:nvPr/>
-        </p:nvGrpSpPr>
-        <p:grpSpPr>
-          <a:xfrm>
-            <a:off x="7367506" y="418028"/>
-            <a:ext cx="344594" cy="386100"/>
-            <a:chOff x="0" y="0"/>
-            <a:chExt cx="344593" cy="386098"/>
-          </a:xfrm>
-        </p:grpSpPr>
-        <p:sp>
-          <p:nvSpPr>
-            <p:cNvPr id="110" name="Shape 234">
-              <a:extLst>
-                <a:ext uri="{FF2B5EF4-FFF2-40B4-BE49-F238E27FC236}">
-                  <a16:creationId xmlns:a16="http://schemas.microsoft.com/office/drawing/2014/main" id="{5979C2BA-F577-D943-8C14-0CE2715D1C88}"/>
-                </a:ext>
-              </a:extLst>
-            </p:cNvPr>
-            <p:cNvSpPr/>
-            <p:nvPr/>
-          </p:nvSpPr>
-          <p:spPr>
-            <a:xfrm>
-              <a:off x="0" y="20752"/>
-              <a:ext cx="344594" cy="344594"/>
-            </a:xfrm>
-            <a:prstGeom prst="ellipse">
-              <a:avLst/>
-            </a:prstGeom>
-            <a:ln/>
-          </p:spPr>
-          <p:style>
-            <a:lnRef idx="2">
-              <a:schemeClr val="accent1">
-                <a:shade val="50000"/>
-              </a:schemeClr>
-            </a:lnRef>
-            <a:fillRef idx="1">
-              <a:schemeClr val="accent1"/>
-            </a:fillRef>
-            <a:effectRef idx="0">
-              <a:schemeClr val="accent1"/>
-            </a:effectRef>
-            <a:fontRef idx="minor">
-              <a:schemeClr val="lt1"/>
-            </a:fontRef>
-          </p:style>
-          <p:txBody>
-            <a:bodyPr wrap="square" lIns="50800" tIns="50800" rIns="50800" bIns="50800" numCol="1" anchor="ctr">
-              <a:noAutofit/>
-            </a:bodyPr>
-            <a:lstStyle/>
-            <a:p>
-              <a:pPr>
-                <a:defRPr sz="1000" b="1">
-                  <a:solidFill>
-                    <a:srgbClr val="FFFFFF"/>
-                  </a:solidFill>
-                  <a:latin typeface="Helvetica"/>
-                  <a:ea typeface="Helvetica"/>
-                  <a:cs typeface="Helvetica"/>
-                  <a:sym typeface="Helvetica"/>
-                </a:defRPr>
-              </a:pPr>
-              <a:endParaRPr/>
-            </a:p>
-          </p:txBody>
-        </p:sp>
-        <p:sp>
-          <p:nvSpPr>
-            <p:cNvPr id="111" name="Shape 235">
-              <a:extLst>
-                <a:ext uri="{FF2B5EF4-FFF2-40B4-BE49-F238E27FC236}">
-                  <a16:creationId xmlns:a16="http://schemas.microsoft.com/office/drawing/2014/main" id="{7DDBDF3C-ACE6-4C42-983A-3163F1D41B1E}"/>
-                </a:ext>
-              </a:extLst>
-            </p:cNvPr>
-            <p:cNvSpPr/>
-            <p:nvPr/>
-          </p:nvSpPr>
-          <p:spPr>
-            <a:xfrm>
-              <a:off x="42674" y="0"/>
-              <a:ext cx="259245" cy="386099"/>
-            </a:xfrm>
-            <a:prstGeom prst="rect">
-              <a:avLst/>
-            </a:prstGeom>
-            <a:noFill/>
-            <a:ln w="12700" cap="flat">
-              <a:noFill/>
-              <a:miter lim="400000"/>
-            </a:ln>
-            <a:effectLst/>
-            <a:extLst>
-              <a:ext uri="{C572A759-6A51-4108-AA02-DFA0A04FC94B}">
-                <ma14:wrappingTextBoxFlag xmlns:ma14="http://schemas.microsoft.com/office/mac/drawingml/2011/main" xmlns="" val="1"/>
-              </a:ext>
-            </a:extLst>
-          </p:spPr>
-          <p:txBody>
-            <a:bodyPr wrap="square" lIns="50800" tIns="50800" rIns="50800" bIns="50800" numCol="1" anchor="ctr">
-              <a:noAutofit/>
-            </a:bodyPr>
-            <a:lstStyle>
-              <a:lvl1pPr>
-                <a:defRPr sz="1500" b="1">
-                  <a:solidFill>
-                    <a:srgbClr val="FFFFFF"/>
-                  </a:solidFill>
-                  <a:latin typeface="Helvetica"/>
-                  <a:ea typeface="Helvetica"/>
-                  <a:cs typeface="Helvetica"/>
-                  <a:sym typeface="Helvetica"/>
-                </a:defRPr>
-              </a:lvl1pPr>
-            </a:lstStyle>
-            <a:p>
-              <a:r>
-                <a:rPr lang="en-US" dirty="0"/>
-                <a:t>4</a:t>
-              </a:r>
-              <a:endParaRPr dirty="0"/>
-            </a:p>
-          </p:txBody>
-        </p:sp>
-      </p:grpSp>
-      <p:grpSp>
-        <p:nvGrpSpPr>
-          <p:cNvPr id="112" name="Group 218">
-            <a:extLst>
-              <a:ext uri="{FF2B5EF4-FFF2-40B4-BE49-F238E27FC236}">
-                <a16:creationId xmlns:a16="http://schemas.microsoft.com/office/drawing/2014/main" id="{A6A4DA11-5AFF-E04D-9E77-5F47B4A9B0FE}"/>
-              </a:ext>
-            </a:extLst>
-          </p:cNvPr>
-          <p:cNvGrpSpPr/>
-          <p:nvPr/>
-        </p:nvGrpSpPr>
-        <p:grpSpPr>
-          <a:xfrm>
-            <a:off x="5887009" y="3571375"/>
-            <a:ext cx="344594" cy="386100"/>
-            <a:chOff x="0" y="0"/>
-            <a:chExt cx="344593" cy="386098"/>
-          </a:xfrm>
-        </p:grpSpPr>
-        <p:sp>
-          <p:nvSpPr>
-            <p:cNvPr id="113" name="Shape 216">
-              <a:extLst>
-                <a:ext uri="{FF2B5EF4-FFF2-40B4-BE49-F238E27FC236}">
-                  <a16:creationId xmlns:a16="http://schemas.microsoft.com/office/drawing/2014/main" id="{FEA8C0A4-5B73-D84C-B4CD-15D45833A914}"/>
-                </a:ext>
-              </a:extLst>
-            </p:cNvPr>
-            <p:cNvSpPr/>
-            <p:nvPr/>
-          </p:nvSpPr>
-          <p:spPr>
-            <a:xfrm>
-              <a:off x="0" y="20752"/>
-              <a:ext cx="344594" cy="344594"/>
-            </a:xfrm>
-            <a:prstGeom prst="ellipse">
-              <a:avLst/>
-            </a:prstGeom>
-            <a:ln/>
-          </p:spPr>
-          <p:style>
-            <a:lnRef idx="2">
-              <a:schemeClr val="accent1">
-                <a:shade val="50000"/>
-              </a:schemeClr>
-            </a:lnRef>
-            <a:fillRef idx="1">
-              <a:schemeClr val="accent1"/>
-            </a:fillRef>
-            <a:effectRef idx="0">
-              <a:schemeClr val="accent1"/>
-            </a:effectRef>
-            <a:fontRef idx="minor">
-              <a:schemeClr val="lt1"/>
-            </a:fontRef>
-          </p:style>
-          <p:txBody>
-            <a:bodyPr wrap="square" lIns="50800" tIns="50800" rIns="50800" bIns="50800" numCol="1" anchor="ctr">
-              <a:noAutofit/>
-            </a:bodyPr>
-            <a:lstStyle/>
-            <a:p>
-              <a:pPr>
-                <a:defRPr sz="1000" b="1">
-                  <a:solidFill>
-                    <a:srgbClr val="FFFFFF"/>
-                  </a:solidFill>
-                  <a:latin typeface="Helvetica"/>
-                  <a:ea typeface="Helvetica"/>
-                  <a:cs typeface="Helvetica"/>
-                  <a:sym typeface="Helvetica"/>
-                </a:defRPr>
-              </a:pPr>
-              <a:endParaRPr/>
-            </a:p>
-          </p:txBody>
-        </p:sp>
-        <p:sp>
-          <p:nvSpPr>
-            <p:cNvPr id="114" name="Shape 217">
-              <a:extLst>
-                <a:ext uri="{FF2B5EF4-FFF2-40B4-BE49-F238E27FC236}">
-                  <a16:creationId xmlns:a16="http://schemas.microsoft.com/office/drawing/2014/main" id="{8165EA7D-1FFA-2545-A240-67639DB02277}"/>
-                </a:ext>
-              </a:extLst>
-            </p:cNvPr>
-            <p:cNvSpPr/>
-            <p:nvPr/>
-          </p:nvSpPr>
-          <p:spPr>
-            <a:xfrm>
-              <a:off x="42674" y="0"/>
-              <a:ext cx="259245" cy="386099"/>
-            </a:xfrm>
-            <a:prstGeom prst="rect">
-              <a:avLst/>
-            </a:prstGeom>
-            <a:noFill/>
-            <a:ln w="12700" cap="flat">
-              <a:noFill/>
-              <a:miter lim="400000"/>
-            </a:ln>
-            <a:effectLst/>
-            <a:extLst>
-              <a:ext uri="{C572A759-6A51-4108-AA02-DFA0A04FC94B}">
-                <ma14:wrappingTextBoxFlag xmlns:ma14="http://schemas.microsoft.com/office/mac/drawingml/2011/main" xmlns="" val="1"/>
-              </a:ext>
-            </a:extLst>
-          </p:spPr>
-          <p:txBody>
-            <a:bodyPr wrap="square" lIns="50800" tIns="50800" rIns="50800" bIns="50800" numCol="1" anchor="ctr">
-              <a:noAutofit/>
-            </a:bodyPr>
-            <a:lstStyle>
-              <a:lvl1pPr>
-                <a:defRPr sz="1500" b="1">
-                  <a:solidFill>
-                    <a:srgbClr val="FFFFFF"/>
-                  </a:solidFill>
-                  <a:latin typeface="Helvetica"/>
-                  <a:ea typeface="Helvetica"/>
-                  <a:cs typeface="Helvetica"/>
-                  <a:sym typeface="Helvetica"/>
-                </a:defRPr>
-              </a:lvl1pPr>
-            </a:lstStyle>
-            <a:p>
-              <a:r>
-                <a:t>6</a:t>
-              </a:r>
-            </a:p>
-          </p:txBody>
-        </p:sp>
-      </p:grpSp>
-      <p:sp>
-        <p:nvSpPr>
-          <p:cNvPr id="2" name="Rounded Rectangle 1">
-            <a:extLst>
-              <a:ext uri="{FF2B5EF4-FFF2-40B4-BE49-F238E27FC236}">
-                <a16:creationId xmlns:a16="http://schemas.microsoft.com/office/drawing/2014/main" id="{FA0FBFCE-96E0-6140-9108-5BF0BFAEB3B4}"/>
-              </a:ext>
-            </a:extLst>
-          </p:cNvPr>
-          <p:cNvSpPr/>
-          <p:nvPr/>
-        </p:nvSpPr>
-        <p:spPr>
-          <a:xfrm>
-            <a:off x="7915518" y="563009"/>
-            <a:ext cx="640080" cy="640080"/>
-          </a:xfrm>
-          <a:prstGeom prst="roundRect">
-            <a:avLst/>
-          </a:prstGeom>
-          <a:solidFill>
-            <a:srgbClr val="FFFFFF"/>
-          </a:solidFill>
-          <a:ln w="25400" cap="flat">
-            <a:solidFill>
-              <a:srgbClr val="232F3D"/>
-            </a:solidFill>
-            <a:miter lim="400000"/>
-          </a:ln>
-          <a:effectLst/>
-          <a:sp3d/>
-        </p:spPr>
-        <p:style>
-          <a:lnRef idx="0">
-            <a:scrgbClr r="0" g="0" b="0"/>
-          </a:lnRef>
-          <a:fillRef idx="0">
-            <a:scrgbClr r="0" g="0" b="0"/>
-          </a:fillRef>
-          <a:effectRef idx="0">
-            <a:scrgbClr r="0" g="0" b="0"/>
-          </a:effectRef>
-          <a:fontRef idx="none"/>
-        </p:style>
-        <p:txBody>
-          <a:bodyPr rot="0" spcFirstLastPara="1" vertOverflow="overflow" horzOverflow="overflow" vert="horz" wrap="square" lIns="50800" tIns="50800" rIns="50800" bIns="50800" numCol="1" spcCol="38100" rtlCol="0" anchor="ctr">
-            <a:spAutoFit/>
-          </a:bodyPr>
-          <a:lstStyle/>
-          <a:p>
-            <a:pPr marL="0" marR="0" indent="0" algn="ctr" defTabSz="584200" rtl="0" fontAlgn="auto" latinLnBrk="0" hangingPunct="0">
-              <a:lnSpc>
-                <a:spcPct val="100000"/>
-              </a:lnSpc>
-              <a:spcBef>
-                <a:spcPts val="0"/>
-              </a:spcBef>
-              <a:spcAft>
-                <a:spcPts val="0"/>
-              </a:spcAft>
-              <a:buClrTx/>
-              <a:buSzTx/>
-              <a:buFontTx/>
-              <a:buNone/>
-              <a:tabLst/>
-            </a:pPr>
-            <a:endParaRPr kumimoji="0" lang="en-US" sz="2400" b="0" i="0" u="none" strike="noStrike" cap="none" spc="0" normalizeH="0" baseline="0">
-              <a:ln>
-                <a:noFill/>
-              </a:ln>
-              <a:solidFill>
-                <a:srgbClr val="FFFFFF"/>
-              </a:solidFill>
-              <a:effectLst/>
-              <a:uFillTx/>
-              <a:latin typeface="+mn-lt"/>
-              <a:ea typeface="+mn-ea"/>
-              <a:cs typeface="+mn-cs"/>
-              <a:sym typeface="Helvetica Light"/>
-            </a:endParaRPr>
-          </a:p>
-        </p:txBody>
-      </p:sp>
-      <p:sp>
-        <p:nvSpPr>
-          <p:cNvPr id="4" name="Snip Diagonal Corner Rectangle 3">
-            <a:extLst>
-              <a:ext uri="{FF2B5EF4-FFF2-40B4-BE49-F238E27FC236}">
-                <a16:creationId xmlns:a16="http://schemas.microsoft.com/office/drawing/2014/main" id="{E35C3C09-11F4-1D41-9285-B3170BB8C743}"/>
-              </a:ext>
-            </a:extLst>
-          </p:cNvPr>
-          <p:cNvSpPr/>
-          <p:nvPr/>
-        </p:nvSpPr>
-        <p:spPr>
-          <a:xfrm>
-            <a:off x="8098398" y="738003"/>
-            <a:ext cx="274320" cy="274320"/>
-          </a:xfrm>
-          <a:prstGeom prst="snip2DiagRect">
-            <a:avLst/>
-          </a:prstGeom>
-          <a:solidFill>
-            <a:srgbClr val="FFFFFF"/>
-          </a:solidFill>
-          <a:ln w="22225" cap="flat">
-            <a:solidFill>
-              <a:srgbClr val="232F3D"/>
-            </a:solidFill>
-            <a:miter lim="400000"/>
-          </a:ln>
-          <a:effectLst>
-            <a:outerShdw blurRad="38100" dist="25400" dir="5400000" rotWithShape="0">
-              <a:srgbClr val="000000">
-                <a:alpha val="50000"/>
-              </a:srgbClr>
-            </a:outerShdw>
-          </a:effectLst>
-          <a:sp3d/>
-        </p:spPr>
-        <p:style>
-          <a:lnRef idx="0">
-            <a:scrgbClr r="0" g="0" b="0"/>
-          </a:lnRef>
-          <a:fillRef idx="0">
-            <a:scrgbClr r="0" g="0" b="0"/>
-          </a:fillRef>
-          <a:effectRef idx="0">
-            <a:scrgbClr r="0" g="0" b="0"/>
-          </a:effectRef>
-          <a:fontRef idx="none"/>
-        </p:style>
-        <p:txBody>
-          <a:bodyPr rot="0" spcFirstLastPara="1" vertOverflow="overflow" horzOverflow="overflow" vert="horz" wrap="square" lIns="50800" tIns="50800" rIns="50800" bIns="50800" numCol="1" spcCol="38100" rtlCol="0" anchor="ctr">
-            <a:spAutoFit/>
-          </a:bodyPr>
-          <a:lstStyle/>
-          <a:p>
-            <a:pPr marL="0" marR="0" indent="0" algn="ctr" defTabSz="584200" rtl="0" fontAlgn="auto" latinLnBrk="0" hangingPunct="0">
-              <a:lnSpc>
-                <a:spcPct val="100000"/>
-              </a:lnSpc>
-              <a:spcBef>
-                <a:spcPts val="0"/>
-              </a:spcBef>
-              <a:spcAft>
-                <a:spcPts val="0"/>
-              </a:spcAft>
-              <a:buClrTx/>
-              <a:buSzTx/>
-              <a:buFontTx/>
-              <a:buNone/>
-              <a:tabLst/>
-            </a:pPr>
-            <a:endParaRPr kumimoji="0" lang="en-US" sz="2400" b="0" i="0" u="none" strike="noStrike" cap="none" spc="0" normalizeH="0" baseline="0">
-              <a:ln>
-                <a:noFill/>
-              </a:ln>
-              <a:solidFill>
-                <a:srgbClr val="FFFFFF"/>
-              </a:solidFill>
-              <a:effectLst/>
-              <a:uFillTx/>
-              <a:latin typeface="+mn-lt"/>
-              <a:ea typeface="+mn-ea"/>
-              <a:cs typeface="+mn-cs"/>
-              <a:sym typeface="Helvetica Light"/>
-            </a:endParaRPr>
-          </a:p>
-        </p:txBody>
-      </p:sp>
-      <p:sp>
-        <p:nvSpPr>
-          <p:cNvPr id="115" name="Rounded Rectangle 114">
-            <a:extLst>
-              <a:ext uri="{FF2B5EF4-FFF2-40B4-BE49-F238E27FC236}">
-                <a16:creationId xmlns:a16="http://schemas.microsoft.com/office/drawing/2014/main" id="{3BA0E724-4C86-BD43-A731-64A07B61ED14}"/>
-              </a:ext>
-            </a:extLst>
-          </p:cNvPr>
-          <p:cNvSpPr/>
-          <p:nvPr/>
-        </p:nvSpPr>
-        <p:spPr>
-          <a:xfrm>
-            <a:off x="6372720" y="3114506"/>
-            <a:ext cx="640080" cy="640080"/>
-          </a:xfrm>
-          <a:prstGeom prst="roundRect">
-            <a:avLst/>
-          </a:prstGeom>
-          <a:solidFill>
-            <a:srgbClr val="FFFFFF"/>
-          </a:solidFill>
-          <a:ln w="25400" cap="flat">
-            <a:solidFill>
-              <a:srgbClr val="232F3D"/>
-            </a:solidFill>
-            <a:miter lim="400000"/>
-          </a:ln>
-          <a:effectLst/>
-          <a:sp3d/>
-        </p:spPr>
-        <p:style>
-          <a:lnRef idx="0">
-            <a:scrgbClr r="0" g="0" b="0"/>
-          </a:lnRef>
-          <a:fillRef idx="0">
-            <a:scrgbClr r="0" g="0" b="0"/>
-          </a:fillRef>
-          <a:effectRef idx="0">
-            <a:scrgbClr r="0" g="0" b="0"/>
-          </a:effectRef>
-          <a:fontRef idx="none"/>
-        </p:style>
-        <p:txBody>
-          <a:bodyPr rot="0" spcFirstLastPara="1" vertOverflow="overflow" horzOverflow="overflow" vert="horz" wrap="square" lIns="50800" tIns="50800" rIns="50800" bIns="50800" numCol="1" spcCol="38100" rtlCol="0" anchor="ctr">
-            <a:spAutoFit/>
-          </a:bodyPr>
-          <a:lstStyle/>
-          <a:p>
-            <a:pPr marL="0" marR="0" indent="0" algn="ctr" defTabSz="584200" rtl="0" fontAlgn="auto" latinLnBrk="0" hangingPunct="0">
-              <a:lnSpc>
-                <a:spcPct val="100000"/>
-              </a:lnSpc>
-              <a:spcBef>
-                <a:spcPts val="0"/>
-              </a:spcBef>
-              <a:spcAft>
-                <a:spcPts val="0"/>
-              </a:spcAft>
-              <a:buClrTx/>
-              <a:buSzTx/>
-              <a:buFontTx/>
-              <a:buNone/>
-              <a:tabLst/>
-            </a:pPr>
-            <a:endParaRPr kumimoji="0" lang="en-US" sz="2400" b="0" i="0" u="none" strike="noStrike" cap="none" spc="0" normalizeH="0" baseline="0">
-              <a:ln>
-                <a:noFill/>
-              </a:ln>
-              <a:solidFill>
-                <a:srgbClr val="FFFFFF"/>
-              </a:solidFill>
-              <a:effectLst/>
-              <a:uFillTx/>
-              <a:latin typeface="+mn-lt"/>
-              <a:ea typeface="+mn-ea"/>
-              <a:cs typeface="+mn-cs"/>
-              <a:sym typeface="Helvetica Light"/>
-            </a:endParaRPr>
-          </a:p>
-        </p:txBody>
-      </p:sp>
-      <p:sp>
-        <p:nvSpPr>
-          <p:cNvPr id="116" name="Snip Diagonal Corner Rectangle 115">
-            <a:extLst>
-              <a:ext uri="{FF2B5EF4-FFF2-40B4-BE49-F238E27FC236}">
-                <a16:creationId xmlns:a16="http://schemas.microsoft.com/office/drawing/2014/main" id="{EC1FB0B6-C468-B046-A90F-E5F7BF01F700}"/>
-              </a:ext>
-            </a:extLst>
-          </p:cNvPr>
-          <p:cNvSpPr/>
-          <p:nvPr/>
-        </p:nvSpPr>
-        <p:spPr>
-          <a:xfrm>
-            <a:off x="6555600" y="3289500"/>
-            <a:ext cx="274320" cy="274320"/>
-          </a:xfrm>
-          <a:prstGeom prst="snip2DiagRect">
-            <a:avLst/>
-          </a:prstGeom>
-          <a:solidFill>
-            <a:srgbClr val="FFFFFF"/>
-          </a:solidFill>
-          <a:ln w="22225" cap="flat">
-            <a:solidFill>
-              <a:srgbClr val="232F3D"/>
-            </a:solidFill>
-            <a:miter lim="400000"/>
-          </a:ln>
-          <a:effectLst>
-            <a:outerShdw blurRad="38100" dist="25400" dir="5400000" rotWithShape="0">
-              <a:srgbClr val="000000">
-                <a:alpha val="50000"/>
-              </a:srgbClr>
-            </a:outerShdw>
-          </a:effectLst>
-          <a:sp3d/>
-        </p:spPr>
-        <p:style>
-          <a:lnRef idx="0">
-            <a:scrgbClr r="0" g="0" b="0"/>
-          </a:lnRef>
-          <a:fillRef idx="0">
-            <a:scrgbClr r="0" g="0" b="0"/>
-          </a:fillRef>
-          <a:effectRef idx="0">
-            <a:scrgbClr r="0" g="0" b="0"/>
-          </a:effectRef>
-          <a:fontRef idx="none"/>
-        </p:style>
-        <p:txBody>
-          <a:bodyPr rot="0" spcFirstLastPara="1" vertOverflow="overflow" horzOverflow="overflow" vert="horz" wrap="square" lIns="50800" tIns="50800" rIns="50800" bIns="50800" numCol="1" spcCol="38100" rtlCol="0" anchor="ctr">
-            <a:spAutoFit/>
-          </a:bodyPr>
-          <a:lstStyle/>
-          <a:p>
-            <a:pPr marL="0" marR="0" indent="0" algn="ctr" defTabSz="584200" rtl="0" fontAlgn="auto" latinLnBrk="0" hangingPunct="0">
-              <a:lnSpc>
-                <a:spcPct val="100000"/>
-              </a:lnSpc>
-              <a:spcBef>
-                <a:spcPts val="0"/>
-              </a:spcBef>
-              <a:spcAft>
-                <a:spcPts val="0"/>
-              </a:spcAft>
-              <a:buClrTx/>
-              <a:buSzTx/>
-              <a:buFontTx/>
-              <a:buNone/>
-              <a:tabLst/>
-            </a:pPr>
-            <a:endParaRPr kumimoji="0" lang="en-US" sz="2400" b="0" i="0" u="none" strike="noStrike" cap="none" spc="0" normalizeH="0" baseline="0">
-              <a:ln>
-                <a:noFill/>
-              </a:ln>
-              <a:solidFill>
-                <a:srgbClr val="FFFFFF"/>
-              </a:solidFill>
-              <a:effectLst/>
-              <a:uFillTx/>
-              <a:latin typeface="+mn-lt"/>
-              <a:ea typeface="+mn-ea"/>
-              <a:cs typeface="+mn-cs"/>
-              <a:sym typeface="Helvetica Light"/>
-            </a:endParaRPr>
-          </a:p>
-        </p:txBody>
-      </p:sp>
-      <p:sp>
-        <p:nvSpPr>
-          <p:cNvPr id="117" name="Shape 131">
-            <a:extLst>
-              <a:ext uri="{FF2B5EF4-FFF2-40B4-BE49-F238E27FC236}">
-                <a16:creationId xmlns:a16="http://schemas.microsoft.com/office/drawing/2014/main" id="{72F3CE4E-212A-EC45-B995-97CF188E084D}"/>
-              </a:ext>
-            </a:extLst>
-          </p:cNvPr>
-          <p:cNvSpPr/>
-          <p:nvPr/>
-        </p:nvSpPr>
-        <p:spPr>
-          <a:xfrm>
-            <a:off x="4798436" y="354515"/>
-            <a:ext cx="1938096" cy="416988"/>
-          </a:xfrm>
-          <a:prstGeom prst="rect">
-            <a:avLst/>
-          </a:prstGeom>
-          <a:ln w="12700">
-            <a:miter lim="400000"/>
-          </a:ln>
-          <a:extLst>
-            <a:ext uri="{C572A759-6A51-4108-AA02-DFA0A04FC94B}">
-              <ma14:wrappingTextBoxFlag xmlns:ma14="http://schemas.microsoft.com/office/mac/drawingml/2011/main" xmlns="" val="1"/>
-            </a:ext>
-          </a:extLst>
-        </p:spPr>
-        <p:txBody>
-          <a:bodyPr lIns="50800" tIns="50800" rIns="50800" bIns="50800" anchor="ctr"/>
-          <a:lstStyle>
-            <a:lvl1pPr>
-              <a:defRPr sz="1800">
-                <a:latin typeface="Helvetica"/>
-                <a:ea typeface="Helvetica"/>
-                <a:cs typeface="Helvetica"/>
-                <a:sym typeface="Helvetica"/>
-              </a:defRPr>
-            </a:lvl1pPr>
-          </a:lstStyle>
-          <a:p>
-            <a:r>
-              <a:rPr lang="en-US" dirty="0"/>
-              <a:t>Server</a:t>
-            </a:r>
-            <a:endParaRPr dirty="0"/>
-          </a:p>
-        </p:txBody>
-      </p:sp>
-    </p:spTree>
-    <p:extLst>
-      <p:ext uri="{BB962C8B-B14F-4D97-AF65-F5344CB8AC3E}">
-        <p14:creationId xmlns:p14="http://schemas.microsoft.com/office/powerpoint/2010/main" val="4201017359"/>
-      </p:ext>
-    </p:extLst>
-  </p:cSld>
-  <p:clrMapOvr>
-    <a:masterClrMapping/>
-  </p:clrMapOvr>
-  <p:transition spd="med"/>
 </p:sld>
 </file>
 
